--- a/doc/slides/day4/session2/DataSharing.pptx
+++ b/doc/slides/day4/session2/DataSharing.pptx
@@ -602,6 +602,223 @@
         </p:txBody>
       </p:sp>
     </p:spTree>
+  </p:cSld>
+  <p:clrMapOvr>
+    <a:masterClrMapping/>
+  </p:clrMapOvr>
+</p:notes>
+</file>
+
+<file path=ppt/notesSlides/notesSlide2.xml><?xml version="1.0" encoding="utf-8"?>
+<p:notes xmlns:a="http://schemas.openxmlformats.org/drawingml/2006/main" xmlns:r="http://schemas.openxmlformats.org/officeDocument/2006/relationships" xmlns:p="http://schemas.openxmlformats.org/presentationml/2006/main">
+  <p:cSld>
+    <p:spTree>
+      <p:nvGrpSpPr>
+        <p:cNvPr id="1" name=""/>
+        <p:cNvGrpSpPr/>
+        <p:nvPr/>
+      </p:nvGrpSpPr>
+      <p:grpSpPr>
+        <a:xfrm>
+          <a:off x="0" y="0"/>
+          <a:ext cx="0" cy="0"/>
+          <a:chOff x="0" y="0"/>
+          <a:chExt cx="0" cy="0"/>
+        </a:xfrm>
+      </p:grpSpPr>
+      <p:sp>
+        <p:nvSpPr>
+          <p:cNvPr id="2" name="Tijdelijke aanduiding voor dia-afbeelding 1"/>
+          <p:cNvSpPr>
+            <a:spLocks noGrp="1" noRot="1" noChangeAspect="1"/>
+          </p:cNvSpPr>
+          <p:nvPr>
+            <p:ph type="sldImg"/>
+          </p:nvPr>
+        </p:nvSpPr>
+        <p:spPr/>
+      </p:sp>
+      <p:sp>
+        <p:nvSpPr>
+          <p:cNvPr id="3" name="Tijdelijke aanduiding voor notities 2"/>
+          <p:cNvSpPr>
+            <a:spLocks noGrp="1"/>
+          </p:cNvSpPr>
+          <p:nvPr>
+            <p:ph type="body" idx="1"/>
+          </p:nvPr>
+        </p:nvSpPr>
+        <p:spPr/>
+        <p:txBody>
+          <a:bodyPr/>
+          <a:lstStyle/>
+          <a:p>
+            <a:r>
+              <a:rPr lang="nl-NL" dirty="0" err="1" smtClean="0"/>
+              <a:t>Here</a:t>
+            </a:r>
+            <a:r>
+              <a:rPr lang="nl-NL" dirty="0" smtClean="0"/>
+              <a:t> do: upload data </a:t>
+            </a:r>
+            <a:r>
+              <a:rPr lang="nl-NL" dirty="0" err="1" smtClean="0"/>
+              <a:t>to</a:t>
+            </a:r>
+            <a:r>
+              <a:rPr lang="nl-NL" dirty="0" smtClean="0"/>
+              <a:t> </a:t>
+            </a:r>
+            <a:r>
+              <a:rPr lang="nl-NL" dirty="0" err="1" smtClean="0"/>
+              <a:t>your</a:t>
+            </a:r>
+            <a:r>
+              <a:rPr lang="nl-NL" dirty="0" smtClean="0"/>
+              <a:t> </a:t>
+            </a:r>
+            <a:r>
+              <a:rPr lang="nl-NL" dirty="0" err="1" smtClean="0"/>
+              <a:t>local</a:t>
+            </a:r>
+            <a:r>
+              <a:rPr lang="nl-NL" baseline="0" dirty="0" smtClean="0"/>
+              <a:t> </a:t>
+            </a:r>
+            <a:r>
+              <a:rPr lang="nl-NL" baseline="0" dirty="0" err="1" smtClean="0"/>
+              <a:t>galaxy</a:t>
+            </a:r>
+            <a:r>
+              <a:rPr lang="nl-NL" baseline="0" dirty="0" smtClean="0"/>
+              <a:t> </a:t>
+            </a:r>
+            <a:r>
+              <a:rPr lang="nl-NL" baseline="0" dirty="0" err="1" smtClean="0"/>
+              <a:t>instance</a:t>
+            </a:r>
+            <a:r>
+              <a:rPr lang="nl-NL" baseline="0" dirty="0" smtClean="0"/>
+              <a:t>, </a:t>
+            </a:r>
+            <a:r>
+              <a:rPr lang="nl-NL" baseline="0" dirty="0" err="1" smtClean="0"/>
+              <a:t>which</a:t>
+            </a:r>
+            <a:r>
+              <a:rPr lang="nl-NL" baseline="0" dirty="0" smtClean="0"/>
+              <a:t> means </a:t>
+            </a:r>
+            <a:r>
+              <a:rPr lang="nl-NL" baseline="0" dirty="0" err="1" smtClean="0"/>
+              <a:t>configuring</a:t>
+            </a:r>
+            <a:r>
+              <a:rPr lang="nl-NL" baseline="0" dirty="0" smtClean="0"/>
+              <a:t> </a:t>
+            </a:r>
+            <a:r>
+              <a:rPr lang="nl-NL" baseline="0" dirty="0" err="1" smtClean="0"/>
+              <a:t>universe_wsg.ini</a:t>
+            </a:r>
+            <a:r>
+              <a:rPr lang="nl-NL" baseline="0" dirty="0" smtClean="0"/>
+              <a:t> </a:t>
+            </a:r>
+            <a:r>
+              <a:rPr lang="nl-NL" baseline="0" dirty="0" err="1" smtClean="0"/>
+              <a:t>to</a:t>
+            </a:r>
+            <a:r>
+              <a:rPr lang="nl-NL" baseline="0" dirty="0" smtClean="0"/>
+              <a:t>:</a:t>
+            </a:r>
+          </a:p>
+          <a:p>
+            <a:pPr marL="228600" indent="-228600">
+              <a:buAutoNum type="arabicPeriod"/>
+            </a:pPr>
+            <a:r>
+              <a:rPr lang="nl-NL" baseline="0" dirty="0" smtClean="0"/>
+              <a:t>make </a:t>
+            </a:r>
+            <a:r>
+              <a:rPr lang="nl-NL" baseline="0" dirty="0" err="1" smtClean="0"/>
+              <a:t>yourself</a:t>
+            </a:r>
+            <a:r>
+              <a:rPr lang="nl-NL" baseline="0" dirty="0" smtClean="0"/>
+              <a:t> </a:t>
+            </a:r>
+            <a:r>
+              <a:rPr lang="nl-NL" baseline="0" dirty="0" err="1" smtClean="0"/>
+              <a:t>admin</a:t>
+            </a:r>
+            <a:endParaRPr lang="nl-NL" baseline="0" dirty="0" smtClean="0"/>
+          </a:p>
+          <a:p>
+            <a:pPr marL="228600" indent="-228600">
+              <a:buAutoNum type="arabicPeriod"/>
+            </a:pPr>
+            <a:r>
+              <a:rPr lang="nl-NL" dirty="0" smtClean="0"/>
+              <a:t>look in a data folder</a:t>
+            </a:r>
+          </a:p>
+          <a:p>
+            <a:pPr marL="228600" indent="-228600">
+              <a:buAutoNum type="arabicPeriod"/>
+            </a:pPr>
+            <a:r>
+              <a:rPr lang="nl-NL" dirty="0" smtClean="0"/>
+              <a:t>import the contents of </a:t>
+            </a:r>
+            <a:r>
+              <a:rPr lang="nl-NL" dirty="0" err="1" smtClean="0"/>
+              <a:t>that</a:t>
+            </a:r>
+            <a:r>
+              <a:rPr lang="nl-NL" dirty="0" smtClean="0"/>
+              <a:t> folder in a data </a:t>
+            </a:r>
+            <a:r>
+              <a:rPr lang="nl-NL" smtClean="0"/>
+              <a:t>library</a:t>
+            </a:r>
+            <a:endParaRPr lang="nl-NL"/>
+          </a:p>
+        </p:txBody>
+      </p:sp>
+      <p:sp>
+        <p:nvSpPr>
+          <p:cNvPr id="4" name="Tijdelijke aanduiding voor dianummer 3"/>
+          <p:cNvSpPr>
+            <a:spLocks noGrp="1"/>
+          </p:cNvSpPr>
+          <p:nvPr>
+            <p:ph type="sldNum" sz="quarter" idx="10"/>
+          </p:nvPr>
+        </p:nvSpPr>
+        <p:spPr/>
+        <p:txBody>
+          <a:bodyPr/>
+          <a:lstStyle/>
+          <a:p>
+            <a:fld id="{19B8BEE1-0E6E-5E4B-96E2-81C98D2E9300}" type="slidenum">
+              <a:rPr lang="en-US" smtClean="0"/>
+              <a:pPr/>
+              <a:t>16</a:t>
+            </a:fld>
+            <a:endParaRPr lang="en-US"/>
+          </a:p>
+        </p:txBody>
+      </p:sp>
+    </p:spTree>
+    <p:extLst>
+      <p:ext uri="{BB962C8B-B14F-4D97-AF65-F5344CB8AC3E}">
+        <p14:creationId xmlns:p14="http://schemas.microsoft.com/office/powerpoint/2010/main" val="224768494"/>
+      </p:ext>
+    </p:extLst>
   </p:cSld>
   <p:clrMapOvr>
     <a:masterClrMapping/>

--- a/doc/slides/day4/session2/DataSharing.pptx
+++ b/doc/slides/day4/session2/DataSharing.pptx
@@ -26,7 +26,6 @@
     <p:sldId id="268" r:id="rId19"/>
     <p:sldId id="269" r:id="rId20"/>
     <p:sldId id="270" r:id="rId21"/>
-    <p:sldId id="271" r:id="rId22"/>
   </p:sldIdLst>
   <p:sldSz cx="9144000" cy="6858000"/>
   <p:notesSz cx="6858000" cy="9144000"/>
@@ -52,7 +51,7 @@
       </p:grpSpPr>
       <p:sp>
         <p:nvSpPr>
-          <p:cNvPr id="149" name="PlaceHolder 1"/>
+          <p:cNvPr id="137" name="PlaceHolder 1"/>
           <p:cNvSpPr>
             <a:spLocks noGrp="1"/>
           </p:cNvSpPr>
@@ -82,7 +81,7 @@
       </p:sp>
       <p:sp>
         <p:nvSpPr>
-          <p:cNvPr id="150" name="PlaceHolder 2"/>
+          <p:cNvPr id="138" name="PlaceHolder 2"/>
           <p:cNvSpPr>
             <a:spLocks noGrp="1"/>
           </p:cNvSpPr>
@@ -112,7 +111,7 @@
       </p:sp>
       <p:sp>
         <p:nvSpPr>
-          <p:cNvPr id="151" name="PlaceHolder 3"/>
+          <p:cNvPr id="139" name="PlaceHolder 3"/>
           <p:cNvSpPr>
             <a:spLocks noGrp="1"/>
           </p:cNvSpPr>
@@ -143,7 +142,7 @@
       </p:sp>
       <p:sp>
         <p:nvSpPr>
-          <p:cNvPr id="152" name="PlaceHolder 4"/>
+          <p:cNvPr id="140" name="PlaceHolder 4"/>
           <p:cNvSpPr>
             <a:spLocks noGrp="1"/>
           </p:cNvSpPr>
@@ -173,7 +172,7 @@
       </p:sp>
       <p:sp>
         <p:nvSpPr>
-          <p:cNvPr id="153" name="PlaceHolder 5"/>
+          <p:cNvPr id="141" name="PlaceHolder 5"/>
           <p:cNvSpPr>
             <a:spLocks noGrp="1"/>
           </p:cNvSpPr>
@@ -194,7 +193,7 @@
           <a:bodyPr anchor="b" bIns="0" lIns="0" rIns="0" tIns="0" wrap="none"/>
           <a:p>
             <a:pPr algn="r"/>
-            <a:fld id="{11513181-11C1-4141-A111-D1B1F1E181A1}" type="slidenum">
+            <a:fld id="{811141F1-A161-41E1-B151-F1E111B1F1C1}" type="slidenum">
               <a:rPr lang="en-US"/>
               <a:t>&lt;number&gt;</a:t>
             </a:fld>
@@ -227,7 +226,7 @@
       </p:grpSpPr>
       <p:sp>
         <p:nvSpPr>
-          <p:cNvPr id="205" name="PlaceHolder 1"/>
+          <p:cNvPr id="180" name="PlaceHolder 1"/>
           <p:cNvSpPr>
             <a:spLocks noGrp="1"/>
           </p:cNvSpPr>
@@ -238,7 +237,7 @@
         <p:spPr>
           <a:xfrm>
             <a:off x="0" y="0"/>
-            <a:ext cx="-11796840" cy="-11796840"/>
+            <a:ext cx="11796120" cy="11796120"/>
           </a:xfrm>
           <a:prstGeom prst="rect">
             <a:avLst/>
@@ -257,14 +256,14 @@
       </p:sp>
       <p:sp>
         <p:nvSpPr>
-          <p:cNvPr id="206" name="TextShape 2"/>
-          <p:cNvSpPr txBox="1"/>
+          <p:cNvPr id="181" name="CustomShape 2"/>
+          <p:cNvSpPr/>
           <p:nvPr/>
         </p:nvSpPr>
         <p:spPr>
           <a:xfrm>
             <a:off x="0" y="0"/>
-            <a:ext cx="-11796840" cy="-11796840"/>
+            <a:ext cx="11796120" cy="11796120"/>
           </a:xfrm>
           <a:prstGeom prst="rect">
             <a:avLst/>
@@ -278,7 +277,7 @@
                 <a:spcPct val="100000"/>
               </a:lnSpc>
             </a:pPr>
-            <a:fld id="{911111F1-9161-4131-B101-6151C1913121}" type="slidenum">
+            <a:fld id="{B1F18111-F121-4181-A121-D12151C1F1E1}" type="slidenum">
               <a:rPr lang="en-US">
                 <a:solidFill>
                   <a:srgbClr val="000000"/>
@@ -297,7 +296,7 @@
 </p:notes>
 </file>
 
-<file path=ppt/notesSlides/notesSlide16.xml><?xml version="1.0" encoding="utf-8"?>
+<file path=ppt/notesSlides/notesSlide15.xml><?xml version="1.0" encoding="utf-8"?>
 <p:notes xmlns:a="http://schemas.openxmlformats.org/drawingml/2006/main" xmlns:p="http://schemas.openxmlformats.org/presentationml/2006/main" xmlns:r="http://schemas.openxmlformats.org/officeDocument/2006/relationships">
   <p:cSld>
     <p:spTree>
@@ -316,7 +315,7 @@
       </p:grpSpPr>
       <p:sp>
         <p:nvSpPr>
-          <p:cNvPr id="207" name="PlaceHolder 1"/>
+          <p:cNvPr id="182" name="PlaceHolder 1"/>
           <p:cNvSpPr>
             <a:spLocks noGrp="1"/>
           </p:cNvSpPr>
@@ -327,7 +326,7 @@
         <p:spPr>
           <a:xfrm>
             <a:off x="0" y="0"/>
-            <a:ext cx="-11796840" cy="-11796840"/>
+            <a:ext cx="11796120" cy="11796120"/>
           </a:xfrm>
           <a:prstGeom prst="rect">
             <a:avLst/>
@@ -388,14 +387,14 @@
       </p:sp>
       <p:sp>
         <p:nvSpPr>
-          <p:cNvPr id="208" name="TextShape 2"/>
-          <p:cNvSpPr txBox="1"/>
+          <p:cNvPr id="183" name="CustomShape 2"/>
+          <p:cNvSpPr/>
           <p:nvPr/>
         </p:nvSpPr>
         <p:spPr>
           <a:xfrm>
             <a:off x="0" y="0"/>
-            <a:ext cx="-11796840" cy="-11796840"/>
+            <a:ext cx="11796120" cy="11796120"/>
           </a:xfrm>
           <a:prstGeom prst="rect">
             <a:avLst/>
@@ -409,7 +408,7 @@
                 <a:spcPct val="100000"/>
               </a:lnSpc>
             </a:pPr>
-            <a:fld id="{E1B18141-F161-4131-8141-71412191E101}" type="slidenum">
+            <a:fld id="{C15131D1-A171-4101-A131-71A181617111}" type="slidenum">
               <a:rPr lang="en-US">
                 <a:solidFill>
                   <a:srgbClr val="000000"/>
@@ -469,7 +468,7 @@
       </p:grpSpPr>
       <p:sp>
         <p:nvSpPr>
-          <p:cNvPr id="26" name="PlaceHolder 1"/>
+          <p:cNvPr id="23" name="PlaceHolder 1"/>
           <p:cNvSpPr>
             <a:spLocks noGrp="1"/>
           </p:cNvSpPr>
@@ -479,8 +478,8 @@
         </p:nvSpPr>
         <p:spPr>
           <a:xfrm>
-            <a:off x="457200" y="274680"/>
-            <a:ext cx="8229240" cy="1143000"/>
+            <a:off x="457200" y="273600"/>
+            <a:ext cx="8229240" cy="1145160"/>
           </a:xfrm>
           <a:prstGeom prst="rect">
             <a:avLst/>
@@ -489,13 +488,14 @@
         <p:txBody>
           <a:bodyPr anchor="ctr" bIns="0" lIns="0" rIns="0" tIns="0" wrap="none"/>
           <a:p>
-            <a:endParaRPr/>
-          </a:p>
-        </p:txBody>
-      </p:sp>
-      <p:sp>
-        <p:nvSpPr>
-          <p:cNvPr id="27" name="PlaceHolder 2"/>
+            <a:pPr algn="ctr"/>
+            <a:endParaRPr/>
+          </a:p>
+        </p:txBody>
+      </p:sp>
+      <p:sp>
+        <p:nvSpPr>
+          <p:cNvPr id="24" name="PlaceHolder 2"/>
           <p:cNvSpPr>
             <a:spLocks noGrp="1"/>
           </p:cNvSpPr>
@@ -505,8 +505,8 @@
         </p:nvSpPr>
         <p:spPr>
           <a:xfrm>
-            <a:off x="457200" y="1600200"/>
-            <a:ext cx="8229240" cy="2158200"/>
+            <a:off x="457200" y="1604520"/>
+            <a:ext cx="8046360" cy="1896840"/>
           </a:xfrm>
           <a:prstGeom prst="rect">
             <a:avLst/>
@@ -521,7 +521,7 @@
       </p:sp>
       <p:sp>
         <p:nvSpPr>
-          <p:cNvPr id="28" name="PlaceHolder 3"/>
+          <p:cNvPr id="25" name="PlaceHolder 3"/>
           <p:cNvSpPr>
             <a:spLocks noGrp="1"/>
           </p:cNvSpPr>
@@ -531,8 +531,8 @@
         </p:nvSpPr>
         <p:spPr>
           <a:xfrm>
-            <a:off x="457200" y="3963600"/>
-            <a:ext cx="8229240" cy="2158200"/>
+            <a:off x="457200" y="3681720"/>
+            <a:ext cx="8046360" cy="1896840"/>
           </a:xfrm>
           <a:prstGeom prst="rect">
             <a:avLst/>
@@ -569,7 +569,7 @@
       </p:grpSpPr>
       <p:sp>
         <p:nvSpPr>
-          <p:cNvPr id="29" name="PlaceHolder 1"/>
+          <p:cNvPr id="26" name="PlaceHolder 1"/>
           <p:cNvSpPr>
             <a:spLocks noGrp="1"/>
           </p:cNvSpPr>
@@ -579,8 +579,8 @@
         </p:nvSpPr>
         <p:spPr>
           <a:xfrm>
-            <a:off x="457200" y="274680"/>
-            <a:ext cx="8229240" cy="1143000"/>
+            <a:off x="457200" y="273600"/>
+            <a:ext cx="8229240" cy="1145160"/>
           </a:xfrm>
           <a:prstGeom prst="rect">
             <a:avLst/>
@@ -589,13 +589,14 @@
         <p:txBody>
           <a:bodyPr anchor="ctr" bIns="0" lIns="0" rIns="0" tIns="0" wrap="none"/>
           <a:p>
-            <a:endParaRPr/>
-          </a:p>
-        </p:txBody>
-      </p:sp>
-      <p:sp>
-        <p:nvSpPr>
-          <p:cNvPr id="30" name="PlaceHolder 2"/>
+            <a:pPr algn="ctr"/>
+            <a:endParaRPr/>
+          </a:p>
+        </p:txBody>
+      </p:sp>
+      <p:sp>
+        <p:nvSpPr>
+          <p:cNvPr id="27" name="PlaceHolder 2"/>
           <p:cNvSpPr>
             <a:spLocks noGrp="1"/>
           </p:cNvSpPr>
@@ -605,8 +606,8 @@
         </p:nvSpPr>
         <p:spPr>
           <a:xfrm>
-            <a:off x="457200" y="1600200"/>
-            <a:ext cx="4015440" cy="2158200"/>
+            <a:off x="457200" y="1604520"/>
+            <a:ext cx="3926160" cy="1896840"/>
           </a:xfrm>
           <a:prstGeom prst="rect">
             <a:avLst/>
@@ -621,7 +622,7 @@
       </p:sp>
       <p:sp>
         <p:nvSpPr>
-          <p:cNvPr id="31" name="PlaceHolder 3"/>
+          <p:cNvPr id="28" name="PlaceHolder 3"/>
           <p:cNvSpPr>
             <a:spLocks noGrp="1"/>
           </p:cNvSpPr>
@@ -631,8 +632,8 @@
         </p:nvSpPr>
         <p:spPr>
           <a:xfrm>
-            <a:off x="4673520" y="1600200"/>
-            <a:ext cx="4015440" cy="2158200"/>
+            <a:off x="4579920" y="1604520"/>
+            <a:ext cx="3926160" cy="1896840"/>
           </a:xfrm>
           <a:prstGeom prst="rect">
             <a:avLst/>
@@ -647,7 +648,7 @@
       </p:sp>
       <p:sp>
         <p:nvSpPr>
-          <p:cNvPr id="32" name="PlaceHolder 4"/>
+          <p:cNvPr id="29" name="PlaceHolder 4"/>
           <p:cNvSpPr>
             <a:spLocks noGrp="1"/>
           </p:cNvSpPr>
@@ -657,8 +658,8 @@
         </p:nvSpPr>
         <p:spPr>
           <a:xfrm>
-            <a:off x="4673520" y="3963600"/>
-            <a:ext cx="4015440" cy="2158200"/>
+            <a:off x="4579920" y="3681720"/>
+            <a:ext cx="3926160" cy="1896840"/>
           </a:xfrm>
           <a:prstGeom prst="rect">
             <a:avLst/>
@@ -673,7 +674,7 @@
       </p:sp>
       <p:sp>
         <p:nvSpPr>
-          <p:cNvPr id="33" name="PlaceHolder 5"/>
+          <p:cNvPr id="30" name="PlaceHolder 5"/>
           <p:cNvSpPr>
             <a:spLocks noGrp="1"/>
           </p:cNvSpPr>
@@ -683,8 +684,8 @@
         </p:nvSpPr>
         <p:spPr>
           <a:xfrm>
-            <a:off x="457200" y="3963600"/>
-            <a:ext cx="4015440" cy="2158200"/>
+            <a:off x="457200" y="3681720"/>
+            <a:ext cx="3926160" cy="1896840"/>
           </a:xfrm>
           <a:prstGeom prst="rect">
             <a:avLst/>
@@ -721,7 +722,7 @@
       </p:grpSpPr>
       <p:sp>
         <p:nvSpPr>
-          <p:cNvPr id="34" name="PlaceHolder 1"/>
+          <p:cNvPr id="31" name="PlaceHolder 1"/>
           <p:cNvSpPr>
             <a:spLocks noGrp="1"/>
           </p:cNvSpPr>
@@ -731,8 +732,8 @@
         </p:nvSpPr>
         <p:spPr>
           <a:xfrm>
-            <a:off x="457200" y="274680"/>
-            <a:ext cx="8229240" cy="1143000"/>
+            <a:off x="457200" y="273600"/>
+            <a:ext cx="8229240" cy="1145160"/>
           </a:xfrm>
           <a:prstGeom prst="rect">
             <a:avLst/>
@@ -741,13 +742,14 @@
         <p:txBody>
           <a:bodyPr anchor="ctr" bIns="0" lIns="0" rIns="0" tIns="0" wrap="none"/>
           <a:p>
-            <a:endParaRPr/>
-          </a:p>
-        </p:txBody>
-      </p:sp>
-      <p:sp>
-        <p:nvSpPr>
-          <p:cNvPr id="35" name="PlaceHolder 2"/>
+            <a:pPr algn="ctr"/>
+            <a:endParaRPr/>
+          </a:p>
+        </p:txBody>
+      </p:sp>
+      <p:sp>
+        <p:nvSpPr>
+          <p:cNvPr id="32" name="PlaceHolder 2"/>
           <p:cNvSpPr>
             <a:spLocks noGrp="1"/>
           </p:cNvSpPr>
@@ -757,8 +759,8 @@
         </p:nvSpPr>
         <p:spPr>
           <a:xfrm>
-            <a:off x="457200" y="1600200"/>
-            <a:ext cx="4015440" cy="2158200"/>
+            <a:off x="457200" y="1604520"/>
+            <a:ext cx="3926160" cy="1896840"/>
           </a:xfrm>
           <a:prstGeom prst="rect">
             <a:avLst/>
@@ -773,7 +775,7 @@
       </p:sp>
       <p:sp>
         <p:nvSpPr>
-          <p:cNvPr id="36" name="PlaceHolder 3"/>
+          <p:cNvPr id="33" name="PlaceHolder 3"/>
           <p:cNvSpPr>
             <a:spLocks noGrp="1"/>
           </p:cNvSpPr>
@@ -783,8 +785,8 @@
         </p:nvSpPr>
         <p:spPr>
           <a:xfrm>
-            <a:off x="4673520" y="1600200"/>
-            <a:ext cx="4015440" cy="2158200"/>
+            <a:off x="4579920" y="1604520"/>
+            <a:ext cx="3926160" cy="1896840"/>
           </a:xfrm>
           <a:prstGeom prst="rect">
             <a:avLst/>
@@ -843,7 +845,7 @@
       </p:grpSpPr>
       <p:sp>
         <p:nvSpPr>
-          <p:cNvPr id="42" name="PlaceHolder 1"/>
+          <p:cNvPr id="36" name="PlaceHolder 1"/>
           <p:cNvSpPr>
             <a:spLocks noGrp="1"/>
           </p:cNvSpPr>
@@ -853,8 +855,8 @@
         </p:nvSpPr>
         <p:spPr>
           <a:xfrm>
-            <a:off x="457200" y="274680"/>
-            <a:ext cx="8229240" cy="1143000"/>
+            <a:off x="457200" y="273600"/>
+            <a:ext cx="8229240" cy="1145160"/>
           </a:xfrm>
           <a:prstGeom prst="rect">
             <a:avLst/>
@@ -863,13 +865,14 @@
         <p:txBody>
           <a:bodyPr anchor="ctr" bIns="0" lIns="0" rIns="0" tIns="0" wrap="none"/>
           <a:p>
-            <a:endParaRPr/>
-          </a:p>
-        </p:txBody>
-      </p:sp>
-      <p:sp>
-        <p:nvSpPr>
-          <p:cNvPr id="43" name="PlaceHolder 2"/>
+            <a:pPr algn="ctr"/>
+            <a:endParaRPr/>
+          </a:p>
+        </p:txBody>
+      </p:sp>
+      <p:sp>
+        <p:nvSpPr>
+          <p:cNvPr id="37" name="PlaceHolder 2"/>
           <p:cNvSpPr>
             <a:spLocks noGrp="1"/>
           </p:cNvSpPr>
@@ -879,8 +882,8 @@
         </p:nvSpPr>
         <p:spPr>
           <a:xfrm>
-            <a:off x="457200" y="1600200"/>
-            <a:ext cx="8229240" cy="4525920"/>
+            <a:off x="457200" y="1604520"/>
+            <a:ext cx="8046360" cy="3977640"/>
           </a:xfrm>
           <a:prstGeom prst="rect">
             <a:avLst/>
@@ -918,7 +921,7 @@
       </p:grpSpPr>
       <p:sp>
         <p:nvSpPr>
-          <p:cNvPr id="44" name="PlaceHolder 1"/>
+          <p:cNvPr id="38" name="PlaceHolder 1"/>
           <p:cNvSpPr>
             <a:spLocks noGrp="1"/>
           </p:cNvSpPr>
@@ -928,8 +931,8 @@
         </p:nvSpPr>
         <p:spPr>
           <a:xfrm>
-            <a:off x="457200" y="274680"/>
-            <a:ext cx="8229240" cy="1143000"/>
+            <a:off x="457200" y="273600"/>
+            <a:ext cx="8229240" cy="1145160"/>
           </a:xfrm>
           <a:prstGeom prst="rect">
             <a:avLst/>
@@ -938,13 +941,14 @@
         <p:txBody>
           <a:bodyPr anchor="ctr" bIns="0" lIns="0" rIns="0" tIns="0" wrap="none"/>
           <a:p>
-            <a:endParaRPr/>
-          </a:p>
-        </p:txBody>
-      </p:sp>
-      <p:sp>
-        <p:nvSpPr>
-          <p:cNvPr id="45" name="PlaceHolder 2"/>
+            <a:pPr algn="ctr"/>
+            <a:endParaRPr/>
+          </a:p>
+        </p:txBody>
+      </p:sp>
+      <p:sp>
+        <p:nvSpPr>
+          <p:cNvPr id="39" name="PlaceHolder 2"/>
           <p:cNvSpPr>
             <a:spLocks noGrp="1"/>
           </p:cNvSpPr>
@@ -954,8 +958,8 @@
         </p:nvSpPr>
         <p:spPr>
           <a:xfrm>
-            <a:off x="457200" y="1600200"/>
-            <a:ext cx="8229240" cy="4525560"/>
+            <a:off x="457200" y="1604520"/>
+            <a:ext cx="8046360" cy="3977280"/>
           </a:xfrm>
           <a:prstGeom prst="rect">
             <a:avLst/>
@@ -992,7 +996,7 @@
       </p:grpSpPr>
       <p:sp>
         <p:nvSpPr>
-          <p:cNvPr id="46" name="PlaceHolder 1"/>
+          <p:cNvPr id="40" name="PlaceHolder 1"/>
           <p:cNvSpPr>
             <a:spLocks noGrp="1"/>
           </p:cNvSpPr>
@@ -1002,8 +1006,8 @@
         </p:nvSpPr>
         <p:spPr>
           <a:xfrm>
-            <a:off x="457200" y="274680"/>
-            <a:ext cx="8229240" cy="1143000"/>
+            <a:off x="457200" y="273600"/>
+            <a:ext cx="8229240" cy="1145160"/>
           </a:xfrm>
           <a:prstGeom prst="rect">
             <a:avLst/>
@@ -1012,13 +1016,14 @@
         <p:txBody>
           <a:bodyPr anchor="ctr" bIns="0" lIns="0" rIns="0" tIns="0" wrap="none"/>
           <a:p>
-            <a:endParaRPr/>
-          </a:p>
-        </p:txBody>
-      </p:sp>
-      <p:sp>
-        <p:nvSpPr>
-          <p:cNvPr id="47" name="PlaceHolder 2"/>
+            <a:pPr algn="ctr"/>
+            <a:endParaRPr/>
+          </a:p>
+        </p:txBody>
+      </p:sp>
+      <p:sp>
+        <p:nvSpPr>
+          <p:cNvPr id="41" name="PlaceHolder 2"/>
           <p:cNvSpPr>
             <a:spLocks noGrp="1"/>
           </p:cNvSpPr>
@@ -1028,8 +1033,8 @@
         </p:nvSpPr>
         <p:spPr>
           <a:xfrm>
-            <a:off x="457200" y="1600200"/>
-            <a:ext cx="4015440" cy="4525560"/>
+            <a:off x="457200" y="1604520"/>
+            <a:ext cx="3926160" cy="3977280"/>
           </a:xfrm>
           <a:prstGeom prst="rect">
             <a:avLst/>
@@ -1044,7 +1049,7 @@
       </p:sp>
       <p:sp>
         <p:nvSpPr>
-          <p:cNvPr id="48" name="PlaceHolder 3"/>
+          <p:cNvPr id="42" name="PlaceHolder 3"/>
           <p:cNvSpPr>
             <a:spLocks noGrp="1"/>
           </p:cNvSpPr>
@@ -1054,8 +1059,8 @@
         </p:nvSpPr>
         <p:spPr>
           <a:xfrm>
-            <a:off x="4673520" y="1600200"/>
-            <a:ext cx="4015440" cy="4525560"/>
+            <a:off x="4579920" y="1604520"/>
+            <a:ext cx="3926160" cy="3977280"/>
           </a:xfrm>
           <a:prstGeom prst="rect">
             <a:avLst/>
@@ -1092,7 +1097,7 @@
       </p:grpSpPr>
       <p:sp>
         <p:nvSpPr>
-          <p:cNvPr id="49" name="PlaceHolder 1"/>
+          <p:cNvPr id="43" name="PlaceHolder 1"/>
           <p:cNvSpPr>
             <a:spLocks noGrp="1"/>
           </p:cNvSpPr>
@@ -1102,8 +1107,8 @@
         </p:nvSpPr>
         <p:spPr>
           <a:xfrm>
-            <a:off x="457200" y="274680"/>
-            <a:ext cx="8229240" cy="1143000"/>
+            <a:off x="457200" y="273600"/>
+            <a:ext cx="8229240" cy="1145160"/>
           </a:xfrm>
           <a:prstGeom prst="rect">
             <a:avLst/>
@@ -1112,6 +1117,7 @@
         <p:txBody>
           <a:bodyPr anchor="ctr" bIns="0" lIns="0" rIns="0" tIns="0" wrap="none"/>
           <a:p>
+            <a:pPr algn="ctr"/>
             <a:endParaRPr/>
           </a:p>
         </p:txBody>
@@ -1140,7 +1146,7 @@
       </p:grpSpPr>
       <p:sp>
         <p:nvSpPr>
-          <p:cNvPr id="50" name="PlaceHolder 1"/>
+          <p:cNvPr id="44" name="PlaceHolder 1"/>
           <p:cNvSpPr>
             <a:spLocks noGrp="1"/>
           </p:cNvSpPr>
@@ -1150,8 +1156,8 @@
         </p:nvSpPr>
         <p:spPr>
           <a:xfrm>
-            <a:off x="457200" y="274680"/>
-            <a:ext cx="8229240" cy="5851080"/>
+            <a:off x="457200" y="273600"/>
+            <a:ext cx="8229240" cy="5308200"/>
           </a:xfrm>
           <a:prstGeom prst="rect">
             <a:avLst/>
@@ -1189,7 +1195,7 @@
       </p:grpSpPr>
       <p:sp>
         <p:nvSpPr>
-          <p:cNvPr id="51" name="PlaceHolder 1"/>
+          <p:cNvPr id="45" name="PlaceHolder 1"/>
           <p:cNvSpPr>
             <a:spLocks noGrp="1"/>
           </p:cNvSpPr>
@@ -1199,8 +1205,8 @@
         </p:nvSpPr>
         <p:spPr>
           <a:xfrm>
-            <a:off x="457200" y="274680"/>
-            <a:ext cx="8229240" cy="1143000"/>
+            <a:off x="457200" y="273600"/>
+            <a:ext cx="8229240" cy="1145160"/>
           </a:xfrm>
           <a:prstGeom prst="rect">
             <a:avLst/>
@@ -1209,13 +1215,14 @@
         <p:txBody>
           <a:bodyPr anchor="ctr" bIns="0" lIns="0" rIns="0" tIns="0" wrap="none"/>
           <a:p>
-            <a:endParaRPr/>
-          </a:p>
-        </p:txBody>
-      </p:sp>
-      <p:sp>
-        <p:nvSpPr>
-          <p:cNvPr id="52" name="PlaceHolder 2"/>
+            <a:pPr algn="ctr"/>
+            <a:endParaRPr/>
+          </a:p>
+        </p:txBody>
+      </p:sp>
+      <p:sp>
+        <p:nvSpPr>
+          <p:cNvPr id="46" name="PlaceHolder 2"/>
           <p:cNvSpPr>
             <a:spLocks noGrp="1"/>
           </p:cNvSpPr>
@@ -1225,8 +1232,8 @@
         </p:nvSpPr>
         <p:spPr>
           <a:xfrm>
-            <a:off x="457200" y="1600200"/>
-            <a:ext cx="4015440" cy="2158200"/>
+            <a:off x="457200" y="1604520"/>
+            <a:ext cx="3926160" cy="1896840"/>
           </a:xfrm>
           <a:prstGeom prst="rect">
             <a:avLst/>
@@ -1241,7 +1248,7 @@
       </p:sp>
       <p:sp>
         <p:nvSpPr>
-          <p:cNvPr id="53" name="PlaceHolder 3"/>
+          <p:cNvPr id="47" name="PlaceHolder 3"/>
           <p:cNvSpPr>
             <a:spLocks noGrp="1"/>
           </p:cNvSpPr>
@@ -1251,8 +1258,8 @@
         </p:nvSpPr>
         <p:spPr>
           <a:xfrm>
-            <a:off x="457200" y="3963600"/>
-            <a:ext cx="4015440" cy="2158200"/>
+            <a:off x="457200" y="3681720"/>
+            <a:ext cx="3926160" cy="1896840"/>
           </a:xfrm>
           <a:prstGeom prst="rect">
             <a:avLst/>
@@ -1267,7 +1274,7 @@
       </p:sp>
       <p:sp>
         <p:nvSpPr>
-          <p:cNvPr id="54" name="PlaceHolder 4"/>
+          <p:cNvPr id="48" name="PlaceHolder 4"/>
           <p:cNvSpPr>
             <a:spLocks noGrp="1"/>
           </p:cNvSpPr>
@@ -1277,8 +1284,8 @@
         </p:nvSpPr>
         <p:spPr>
           <a:xfrm>
-            <a:off x="4673520" y="1600200"/>
-            <a:ext cx="4015440" cy="4525560"/>
+            <a:off x="4579920" y="1604520"/>
+            <a:ext cx="3926160" cy="3977280"/>
           </a:xfrm>
           <a:prstGeom prst="rect">
             <a:avLst/>
@@ -1315,7 +1322,7 @@
       </p:grpSpPr>
       <p:sp>
         <p:nvSpPr>
-          <p:cNvPr id="5" name="PlaceHolder 1"/>
+          <p:cNvPr id="2" name="PlaceHolder 1"/>
           <p:cNvSpPr>
             <a:spLocks noGrp="1"/>
           </p:cNvSpPr>
@@ -1325,8 +1332,8 @@
         </p:nvSpPr>
         <p:spPr>
           <a:xfrm>
-            <a:off x="457200" y="274680"/>
-            <a:ext cx="8229240" cy="1143000"/>
+            <a:off x="457200" y="273600"/>
+            <a:ext cx="8229240" cy="1145160"/>
           </a:xfrm>
           <a:prstGeom prst="rect">
             <a:avLst/>
@@ -1335,13 +1342,14 @@
         <p:txBody>
           <a:bodyPr anchor="ctr" bIns="0" lIns="0" rIns="0" tIns="0" wrap="none"/>
           <a:p>
-            <a:endParaRPr/>
-          </a:p>
-        </p:txBody>
-      </p:sp>
-      <p:sp>
-        <p:nvSpPr>
-          <p:cNvPr id="6" name="PlaceHolder 2"/>
+            <a:pPr algn="ctr"/>
+            <a:endParaRPr/>
+          </a:p>
+        </p:txBody>
+      </p:sp>
+      <p:sp>
+        <p:nvSpPr>
+          <p:cNvPr id="3" name="PlaceHolder 2"/>
           <p:cNvSpPr>
             <a:spLocks noGrp="1"/>
           </p:cNvSpPr>
@@ -1351,8 +1359,8 @@
         </p:nvSpPr>
         <p:spPr>
           <a:xfrm>
-            <a:off x="457200" y="1600200"/>
-            <a:ext cx="8229240" cy="4525920"/>
+            <a:off x="457200" y="1604520"/>
+            <a:ext cx="8046360" cy="3977640"/>
           </a:xfrm>
           <a:prstGeom prst="rect">
             <a:avLst/>
@@ -1390,7 +1398,7 @@
       </p:grpSpPr>
       <p:sp>
         <p:nvSpPr>
-          <p:cNvPr id="55" name="PlaceHolder 1"/>
+          <p:cNvPr id="49" name="PlaceHolder 1"/>
           <p:cNvSpPr>
             <a:spLocks noGrp="1"/>
           </p:cNvSpPr>
@@ -1400,8 +1408,8 @@
         </p:nvSpPr>
         <p:spPr>
           <a:xfrm>
-            <a:off x="457200" y="274680"/>
-            <a:ext cx="8229240" cy="1143000"/>
+            <a:off x="457200" y="273600"/>
+            <a:ext cx="8229240" cy="1145160"/>
           </a:xfrm>
           <a:prstGeom prst="rect">
             <a:avLst/>
@@ -1410,13 +1418,14 @@
         <p:txBody>
           <a:bodyPr anchor="ctr" bIns="0" lIns="0" rIns="0" tIns="0" wrap="none"/>
           <a:p>
-            <a:endParaRPr/>
-          </a:p>
-        </p:txBody>
-      </p:sp>
-      <p:sp>
-        <p:nvSpPr>
-          <p:cNvPr id="56" name="PlaceHolder 2"/>
+            <a:pPr algn="ctr"/>
+            <a:endParaRPr/>
+          </a:p>
+        </p:txBody>
+      </p:sp>
+      <p:sp>
+        <p:nvSpPr>
+          <p:cNvPr id="50" name="PlaceHolder 2"/>
           <p:cNvSpPr>
             <a:spLocks noGrp="1"/>
           </p:cNvSpPr>
@@ -1426,8 +1435,8 @@
         </p:nvSpPr>
         <p:spPr>
           <a:xfrm>
-            <a:off x="457200" y="1600200"/>
-            <a:ext cx="4015440" cy="4525560"/>
+            <a:off x="457200" y="1604520"/>
+            <a:ext cx="3926160" cy="3977280"/>
           </a:xfrm>
           <a:prstGeom prst="rect">
             <a:avLst/>
@@ -1442,7 +1451,7 @@
       </p:sp>
       <p:sp>
         <p:nvSpPr>
-          <p:cNvPr id="57" name="PlaceHolder 3"/>
+          <p:cNvPr id="51" name="PlaceHolder 3"/>
           <p:cNvSpPr>
             <a:spLocks noGrp="1"/>
           </p:cNvSpPr>
@@ -1452,8 +1461,8 @@
         </p:nvSpPr>
         <p:spPr>
           <a:xfrm>
-            <a:off x="4673520" y="1600200"/>
-            <a:ext cx="4015440" cy="2158200"/>
+            <a:off x="4579920" y="1604520"/>
+            <a:ext cx="3926160" cy="1896840"/>
           </a:xfrm>
           <a:prstGeom prst="rect">
             <a:avLst/>
@@ -1468,7 +1477,7 @@
       </p:sp>
       <p:sp>
         <p:nvSpPr>
-          <p:cNvPr id="58" name="PlaceHolder 4"/>
+          <p:cNvPr id="52" name="PlaceHolder 4"/>
           <p:cNvSpPr>
             <a:spLocks noGrp="1"/>
           </p:cNvSpPr>
@@ -1478,8 +1487,8 @@
         </p:nvSpPr>
         <p:spPr>
           <a:xfrm>
-            <a:off x="4673520" y="3963600"/>
-            <a:ext cx="4015440" cy="2158200"/>
+            <a:off x="4579920" y="3681720"/>
+            <a:ext cx="3926160" cy="1896840"/>
           </a:xfrm>
           <a:prstGeom prst="rect">
             <a:avLst/>
@@ -1516,7 +1525,7 @@
       </p:grpSpPr>
       <p:sp>
         <p:nvSpPr>
-          <p:cNvPr id="59" name="PlaceHolder 1"/>
+          <p:cNvPr id="53" name="PlaceHolder 1"/>
           <p:cNvSpPr>
             <a:spLocks noGrp="1"/>
           </p:cNvSpPr>
@@ -1526,8 +1535,8 @@
         </p:nvSpPr>
         <p:spPr>
           <a:xfrm>
-            <a:off x="457200" y="274680"/>
-            <a:ext cx="8229240" cy="1143000"/>
+            <a:off x="457200" y="273600"/>
+            <a:ext cx="8229240" cy="1145160"/>
           </a:xfrm>
           <a:prstGeom prst="rect">
             <a:avLst/>
@@ -1536,13 +1545,14 @@
         <p:txBody>
           <a:bodyPr anchor="ctr" bIns="0" lIns="0" rIns="0" tIns="0" wrap="none"/>
           <a:p>
-            <a:endParaRPr/>
-          </a:p>
-        </p:txBody>
-      </p:sp>
-      <p:sp>
-        <p:nvSpPr>
-          <p:cNvPr id="60" name="PlaceHolder 2"/>
+            <a:pPr algn="ctr"/>
+            <a:endParaRPr/>
+          </a:p>
+        </p:txBody>
+      </p:sp>
+      <p:sp>
+        <p:nvSpPr>
+          <p:cNvPr id="54" name="PlaceHolder 2"/>
           <p:cNvSpPr>
             <a:spLocks noGrp="1"/>
           </p:cNvSpPr>
@@ -1552,8 +1562,8 @@
         </p:nvSpPr>
         <p:spPr>
           <a:xfrm>
-            <a:off x="457200" y="1600200"/>
-            <a:ext cx="4015440" cy="2158200"/>
+            <a:off x="457200" y="1604520"/>
+            <a:ext cx="3926160" cy="1896840"/>
           </a:xfrm>
           <a:prstGeom prst="rect">
             <a:avLst/>
@@ -1568,7 +1578,7 @@
       </p:sp>
       <p:sp>
         <p:nvSpPr>
-          <p:cNvPr id="61" name="PlaceHolder 3"/>
+          <p:cNvPr id="55" name="PlaceHolder 3"/>
           <p:cNvSpPr>
             <a:spLocks noGrp="1"/>
           </p:cNvSpPr>
@@ -1578,8 +1588,8 @@
         </p:nvSpPr>
         <p:spPr>
           <a:xfrm>
-            <a:off x="4673520" y="1600200"/>
-            <a:ext cx="4015440" cy="2158200"/>
+            <a:off x="4579920" y="1604520"/>
+            <a:ext cx="3926160" cy="1896840"/>
           </a:xfrm>
           <a:prstGeom prst="rect">
             <a:avLst/>
@@ -1594,7 +1604,7 @@
       </p:sp>
       <p:sp>
         <p:nvSpPr>
-          <p:cNvPr id="62" name="PlaceHolder 4"/>
+          <p:cNvPr id="56" name="PlaceHolder 4"/>
           <p:cNvSpPr>
             <a:spLocks noGrp="1"/>
           </p:cNvSpPr>
@@ -1604,8 +1614,8 @@
         </p:nvSpPr>
         <p:spPr>
           <a:xfrm>
-            <a:off x="457200" y="3963600"/>
-            <a:ext cx="8228520" cy="2158200"/>
+            <a:off x="457200" y="3681720"/>
+            <a:ext cx="8045640" cy="1896840"/>
           </a:xfrm>
           <a:prstGeom prst="rect">
             <a:avLst/>
@@ -1642,7 +1652,7 @@
       </p:grpSpPr>
       <p:sp>
         <p:nvSpPr>
-          <p:cNvPr id="63" name="PlaceHolder 1"/>
+          <p:cNvPr id="57" name="PlaceHolder 1"/>
           <p:cNvSpPr>
             <a:spLocks noGrp="1"/>
           </p:cNvSpPr>
@@ -1652,8 +1662,8 @@
         </p:nvSpPr>
         <p:spPr>
           <a:xfrm>
-            <a:off x="457200" y="274680"/>
-            <a:ext cx="8229240" cy="1143000"/>
+            <a:off x="457200" y="273600"/>
+            <a:ext cx="8229240" cy="1145160"/>
           </a:xfrm>
           <a:prstGeom prst="rect">
             <a:avLst/>
@@ -1662,13 +1672,14 @@
         <p:txBody>
           <a:bodyPr anchor="ctr" bIns="0" lIns="0" rIns="0" tIns="0" wrap="none"/>
           <a:p>
-            <a:endParaRPr/>
-          </a:p>
-        </p:txBody>
-      </p:sp>
-      <p:sp>
-        <p:nvSpPr>
-          <p:cNvPr id="64" name="PlaceHolder 2"/>
+            <a:pPr algn="ctr"/>
+            <a:endParaRPr/>
+          </a:p>
+        </p:txBody>
+      </p:sp>
+      <p:sp>
+        <p:nvSpPr>
+          <p:cNvPr id="58" name="PlaceHolder 2"/>
           <p:cNvSpPr>
             <a:spLocks noGrp="1"/>
           </p:cNvSpPr>
@@ -1678,8 +1689,8 @@
         </p:nvSpPr>
         <p:spPr>
           <a:xfrm>
-            <a:off x="457200" y="1600200"/>
-            <a:ext cx="8229240" cy="2158200"/>
+            <a:off x="457200" y="1604520"/>
+            <a:ext cx="8046360" cy="1896840"/>
           </a:xfrm>
           <a:prstGeom prst="rect">
             <a:avLst/>
@@ -1694,7 +1705,7 @@
       </p:sp>
       <p:sp>
         <p:nvSpPr>
-          <p:cNvPr id="65" name="PlaceHolder 3"/>
+          <p:cNvPr id="59" name="PlaceHolder 3"/>
           <p:cNvSpPr>
             <a:spLocks noGrp="1"/>
           </p:cNvSpPr>
@@ -1704,8 +1715,8 @@
         </p:nvSpPr>
         <p:spPr>
           <a:xfrm>
-            <a:off x="457200" y="3963600"/>
-            <a:ext cx="8229240" cy="2158200"/>
+            <a:off x="457200" y="3681720"/>
+            <a:ext cx="8046360" cy="1896840"/>
           </a:xfrm>
           <a:prstGeom prst="rect">
             <a:avLst/>
@@ -1742,7 +1753,7 @@
       </p:grpSpPr>
       <p:sp>
         <p:nvSpPr>
-          <p:cNvPr id="66" name="PlaceHolder 1"/>
+          <p:cNvPr id="60" name="PlaceHolder 1"/>
           <p:cNvSpPr>
             <a:spLocks noGrp="1"/>
           </p:cNvSpPr>
@@ -1752,8 +1763,8 @@
         </p:nvSpPr>
         <p:spPr>
           <a:xfrm>
-            <a:off x="457200" y="274680"/>
-            <a:ext cx="8229240" cy="1143000"/>
+            <a:off x="457200" y="273600"/>
+            <a:ext cx="8229240" cy="1145160"/>
           </a:xfrm>
           <a:prstGeom prst="rect">
             <a:avLst/>
@@ -1762,13 +1773,14 @@
         <p:txBody>
           <a:bodyPr anchor="ctr" bIns="0" lIns="0" rIns="0" tIns="0" wrap="none"/>
           <a:p>
-            <a:endParaRPr/>
-          </a:p>
-        </p:txBody>
-      </p:sp>
-      <p:sp>
-        <p:nvSpPr>
-          <p:cNvPr id="67" name="PlaceHolder 2"/>
+            <a:pPr algn="ctr"/>
+            <a:endParaRPr/>
+          </a:p>
+        </p:txBody>
+      </p:sp>
+      <p:sp>
+        <p:nvSpPr>
+          <p:cNvPr id="61" name="PlaceHolder 2"/>
           <p:cNvSpPr>
             <a:spLocks noGrp="1"/>
           </p:cNvSpPr>
@@ -1778,8 +1790,8 @@
         </p:nvSpPr>
         <p:spPr>
           <a:xfrm>
-            <a:off x="457200" y="1600200"/>
-            <a:ext cx="4015440" cy="2158200"/>
+            <a:off x="457200" y="1604520"/>
+            <a:ext cx="3926160" cy="1896840"/>
           </a:xfrm>
           <a:prstGeom prst="rect">
             <a:avLst/>
@@ -1794,7 +1806,7 @@
       </p:sp>
       <p:sp>
         <p:nvSpPr>
-          <p:cNvPr id="68" name="PlaceHolder 3"/>
+          <p:cNvPr id="62" name="PlaceHolder 3"/>
           <p:cNvSpPr>
             <a:spLocks noGrp="1"/>
           </p:cNvSpPr>
@@ -1804,8 +1816,8 @@
         </p:nvSpPr>
         <p:spPr>
           <a:xfrm>
-            <a:off x="4673520" y="1600200"/>
-            <a:ext cx="4015440" cy="2158200"/>
+            <a:off x="4579920" y="1604520"/>
+            <a:ext cx="3926160" cy="1896840"/>
           </a:xfrm>
           <a:prstGeom prst="rect">
             <a:avLst/>
@@ -1820,7 +1832,7 @@
       </p:sp>
       <p:sp>
         <p:nvSpPr>
-          <p:cNvPr id="69" name="PlaceHolder 4"/>
+          <p:cNvPr id="63" name="PlaceHolder 4"/>
           <p:cNvSpPr>
             <a:spLocks noGrp="1"/>
           </p:cNvSpPr>
@@ -1830,8 +1842,8 @@
         </p:nvSpPr>
         <p:spPr>
           <a:xfrm>
-            <a:off x="4673520" y="3963600"/>
-            <a:ext cx="4015440" cy="2158200"/>
+            <a:off x="4579920" y="3681720"/>
+            <a:ext cx="3926160" cy="1896840"/>
           </a:xfrm>
           <a:prstGeom prst="rect">
             <a:avLst/>
@@ -1846,7 +1858,7 @@
       </p:sp>
       <p:sp>
         <p:nvSpPr>
-          <p:cNvPr id="70" name="PlaceHolder 5"/>
+          <p:cNvPr id="64" name="PlaceHolder 5"/>
           <p:cNvSpPr>
             <a:spLocks noGrp="1"/>
           </p:cNvSpPr>
@@ -1856,8 +1868,8 @@
         </p:nvSpPr>
         <p:spPr>
           <a:xfrm>
-            <a:off x="457200" y="3963600"/>
-            <a:ext cx="4015440" cy="2158200"/>
+            <a:off x="457200" y="3681720"/>
+            <a:ext cx="3926160" cy="1896840"/>
           </a:xfrm>
           <a:prstGeom prst="rect">
             <a:avLst/>
@@ -1894,7 +1906,7 @@
       </p:grpSpPr>
       <p:sp>
         <p:nvSpPr>
-          <p:cNvPr id="71" name="PlaceHolder 1"/>
+          <p:cNvPr id="65" name="PlaceHolder 1"/>
           <p:cNvSpPr>
             <a:spLocks noGrp="1"/>
           </p:cNvSpPr>
@@ -1904,8 +1916,8 @@
         </p:nvSpPr>
         <p:spPr>
           <a:xfrm>
-            <a:off x="457200" y="274680"/>
-            <a:ext cx="8229240" cy="1143000"/>
+            <a:off x="457200" y="273600"/>
+            <a:ext cx="8229240" cy="1145160"/>
           </a:xfrm>
           <a:prstGeom prst="rect">
             <a:avLst/>
@@ -1914,13 +1926,14 @@
         <p:txBody>
           <a:bodyPr anchor="ctr" bIns="0" lIns="0" rIns="0" tIns="0" wrap="none"/>
           <a:p>
-            <a:endParaRPr/>
-          </a:p>
-        </p:txBody>
-      </p:sp>
-      <p:sp>
-        <p:nvSpPr>
-          <p:cNvPr id="72" name="PlaceHolder 2"/>
+            <a:pPr algn="ctr"/>
+            <a:endParaRPr/>
+          </a:p>
+        </p:txBody>
+      </p:sp>
+      <p:sp>
+        <p:nvSpPr>
+          <p:cNvPr id="66" name="PlaceHolder 2"/>
           <p:cNvSpPr>
             <a:spLocks noGrp="1"/>
           </p:cNvSpPr>
@@ -1930,8 +1943,8 @@
         </p:nvSpPr>
         <p:spPr>
           <a:xfrm>
-            <a:off x="457200" y="1600200"/>
-            <a:ext cx="4015440" cy="2158200"/>
+            <a:off x="457200" y="1604520"/>
+            <a:ext cx="3926160" cy="1896840"/>
           </a:xfrm>
           <a:prstGeom prst="rect">
             <a:avLst/>
@@ -1946,7 +1959,7 @@
       </p:sp>
       <p:sp>
         <p:nvSpPr>
-          <p:cNvPr id="73" name="PlaceHolder 3"/>
+          <p:cNvPr id="67" name="PlaceHolder 3"/>
           <p:cNvSpPr>
             <a:spLocks noGrp="1"/>
           </p:cNvSpPr>
@@ -1956,8 +1969,8 @@
         </p:nvSpPr>
         <p:spPr>
           <a:xfrm>
-            <a:off x="4673520" y="1600200"/>
-            <a:ext cx="4015440" cy="2158200"/>
+            <a:off x="4579920" y="1604520"/>
+            <a:ext cx="3926160" cy="1896840"/>
           </a:xfrm>
           <a:prstGeom prst="rect">
             <a:avLst/>
@@ -2016,7 +2029,7 @@
       </p:grpSpPr>
       <p:sp>
         <p:nvSpPr>
-          <p:cNvPr id="80" name="PlaceHolder 1"/>
+          <p:cNvPr id="71" name="PlaceHolder 1"/>
           <p:cNvSpPr>
             <a:spLocks noGrp="1"/>
           </p:cNvSpPr>
@@ -2026,8 +2039,8 @@
         </p:nvSpPr>
         <p:spPr>
           <a:xfrm>
-            <a:off x="457200" y="274680"/>
-            <a:ext cx="8229240" cy="1143000"/>
+            <a:off x="457200" y="273600"/>
+            <a:ext cx="8229240" cy="1145160"/>
           </a:xfrm>
           <a:prstGeom prst="rect">
             <a:avLst/>
@@ -2036,13 +2049,14 @@
         <p:txBody>
           <a:bodyPr anchor="ctr" bIns="0" lIns="0" rIns="0" tIns="0" wrap="none"/>
           <a:p>
-            <a:endParaRPr/>
-          </a:p>
-        </p:txBody>
-      </p:sp>
-      <p:sp>
-        <p:nvSpPr>
-          <p:cNvPr id="81" name="PlaceHolder 2"/>
+            <a:pPr algn="ctr"/>
+            <a:endParaRPr/>
+          </a:p>
+        </p:txBody>
+      </p:sp>
+      <p:sp>
+        <p:nvSpPr>
+          <p:cNvPr id="72" name="PlaceHolder 2"/>
           <p:cNvSpPr>
             <a:spLocks noGrp="1"/>
           </p:cNvSpPr>
@@ -2052,8 +2066,8 @@
         </p:nvSpPr>
         <p:spPr>
           <a:xfrm>
-            <a:off x="457200" y="1600200"/>
-            <a:ext cx="8229240" cy="4525920"/>
+            <a:off x="457200" y="1604520"/>
+            <a:ext cx="8046360" cy="3977640"/>
           </a:xfrm>
           <a:prstGeom prst="rect">
             <a:avLst/>
@@ -2091,7 +2105,7 @@
       </p:grpSpPr>
       <p:sp>
         <p:nvSpPr>
-          <p:cNvPr id="82" name="PlaceHolder 1"/>
+          <p:cNvPr id="73" name="PlaceHolder 1"/>
           <p:cNvSpPr>
             <a:spLocks noGrp="1"/>
           </p:cNvSpPr>
@@ -2101,8 +2115,8 @@
         </p:nvSpPr>
         <p:spPr>
           <a:xfrm>
-            <a:off x="457200" y="274680"/>
-            <a:ext cx="8229240" cy="1143000"/>
+            <a:off x="457200" y="273600"/>
+            <a:ext cx="8229240" cy="1145160"/>
           </a:xfrm>
           <a:prstGeom prst="rect">
             <a:avLst/>
@@ -2111,13 +2125,14 @@
         <p:txBody>
           <a:bodyPr anchor="ctr" bIns="0" lIns="0" rIns="0" tIns="0" wrap="none"/>
           <a:p>
-            <a:endParaRPr/>
-          </a:p>
-        </p:txBody>
-      </p:sp>
-      <p:sp>
-        <p:nvSpPr>
-          <p:cNvPr id="83" name="PlaceHolder 2"/>
+            <a:pPr algn="ctr"/>
+            <a:endParaRPr/>
+          </a:p>
+        </p:txBody>
+      </p:sp>
+      <p:sp>
+        <p:nvSpPr>
+          <p:cNvPr id="74" name="PlaceHolder 2"/>
           <p:cNvSpPr>
             <a:spLocks noGrp="1"/>
           </p:cNvSpPr>
@@ -2127,8 +2142,8 @@
         </p:nvSpPr>
         <p:spPr>
           <a:xfrm>
-            <a:off x="457200" y="1600200"/>
-            <a:ext cx="8229240" cy="4525560"/>
+            <a:off x="457200" y="1604520"/>
+            <a:ext cx="8046360" cy="3977280"/>
           </a:xfrm>
           <a:prstGeom prst="rect">
             <a:avLst/>
@@ -2165,7 +2180,7 @@
       </p:grpSpPr>
       <p:sp>
         <p:nvSpPr>
-          <p:cNvPr id="84" name="PlaceHolder 1"/>
+          <p:cNvPr id="75" name="PlaceHolder 1"/>
           <p:cNvSpPr>
             <a:spLocks noGrp="1"/>
           </p:cNvSpPr>
@@ -2175,8 +2190,8 @@
         </p:nvSpPr>
         <p:spPr>
           <a:xfrm>
-            <a:off x="457200" y="274680"/>
-            <a:ext cx="8229240" cy="1143000"/>
+            <a:off x="457200" y="273600"/>
+            <a:ext cx="8229240" cy="1145160"/>
           </a:xfrm>
           <a:prstGeom prst="rect">
             <a:avLst/>
@@ -2185,13 +2200,14 @@
         <p:txBody>
           <a:bodyPr anchor="ctr" bIns="0" lIns="0" rIns="0" tIns="0" wrap="none"/>
           <a:p>
-            <a:endParaRPr/>
-          </a:p>
-        </p:txBody>
-      </p:sp>
-      <p:sp>
-        <p:nvSpPr>
-          <p:cNvPr id="85" name="PlaceHolder 2"/>
+            <a:pPr algn="ctr"/>
+            <a:endParaRPr/>
+          </a:p>
+        </p:txBody>
+      </p:sp>
+      <p:sp>
+        <p:nvSpPr>
+          <p:cNvPr id="76" name="PlaceHolder 2"/>
           <p:cNvSpPr>
             <a:spLocks noGrp="1"/>
           </p:cNvSpPr>
@@ -2201,8 +2217,8 @@
         </p:nvSpPr>
         <p:spPr>
           <a:xfrm>
-            <a:off x="457200" y="1600200"/>
-            <a:ext cx="4015440" cy="4525560"/>
+            <a:off x="457200" y="1604520"/>
+            <a:ext cx="3926160" cy="3977280"/>
           </a:xfrm>
           <a:prstGeom prst="rect">
             <a:avLst/>
@@ -2217,7 +2233,7 @@
       </p:sp>
       <p:sp>
         <p:nvSpPr>
-          <p:cNvPr id="86" name="PlaceHolder 3"/>
+          <p:cNvPr id="77" name="PlaceHolder 3"/>
           <p:cNvSpPr>
             <a:spLocks noGrp="1"/>
           </p:cNvSpPr>
@@ -2227,8 +2243,8 @@
         </p:nvSpPr>
         <p:spPr>
           <a:xfrm>
-            <a:off x="4673520" y="1600200"/>
-            <a:ext cx="4015440" cy="4525560"/>
+            <a:off x="4579920" y="1604520"/>
+            <a:ext cx="3926160" cy="3977280"/>
           </a:xfrm>
           <a:prstGeom prst="rect">
             <a:avLst/>
@@ -2265,7 +2281,7 @@
       </p:grpSpPr>
       <p:sp>
         <p:nvSpPr>
-          <p:cNvPr id="87" name="PlaceHolder 1"/>
+          <p:cNvPr id="78" name="PlaceHolder 1"/>
           <p:cNvSpPr>
             <a:spLocks noGrp="1"/>
           </p:cNvSpPr>
@@ -2275,8 +2291,8 @@
         </p:nvSpPr>
         <p:spPr>
           <a:xfrm>
-            <a:off x="457200" y="274680"/>
-            <a:ext cx="8229240" cy="1143000"/>
+            <a:off x="457200" y="273600"/>
+            <a:ext cx="8229240" cy="1145160"/>
           </a:xfrm>
           <a:prstGeom prst="rect">
             <a:avLst/>
@@ -2285,6 +2301,7 @@
         <p:txBody>
           <a:bodyPr anchor="ctr" bIns="0" lIns="0" rIns="0" tIns="0" wrap="none"/>
           <a:p>
+            <a:pPr algn="ctr"/>
             <a:endParaRPr/>
           </a:p>
         </p:txBody>
@@ -2313,7 +2330,7 @@
       </p:grpSpPr>
       <p:sp>
         <p:nvSpPr>
-          <p:cNvPr id="7" name="PlaceHolder 1"/>
+          <p:cNvPr id="4" name="PlaceHolder 1"/>
           <p:cNvSpPr>
             <a:spLocks noGrp="1"/>
           </p:cNvSpPr>
@@ -2323,8 +2340,8 @@
         </p:nvSpPr>
         <p:spPr>
           <a:xfrm>
-            <a:off x="457200" y="274680"/>
-            <a:ext cx="8229240" cy="1143000"/>
+            <a:off x="457200" y="273600"/>
+            <a:ext cx="8229240" cy="1145160"/>
           </a:xfrm>
           <a:prstGeom prst="rect">
             <a:avLst/>
@@ -2333,13 +2350,14 @@
         <p:txBody>
           <a:bodyPr anchor="ctr" bIns="0" lIns="0" rIns="0" tIns="0" wrap="none"/>
           <a:p>
-            <a:endParaRPr/>
-          </a:p>
-        </p:txBody>
-      </p:sp>
-      <p:sp>
-        <p:nvSpPr>
-          <p:cNvPr id="8" name="PlaceHolder 2"/>
+            <a:pPr algn="ctr"/>
+            <a:endParaRPr/>
+          </a:p>
+        </p:txBody>
+      </p:sp>
+      <p:sp>
+        <p:nvSpPr>
+          <p:cNvPr id="5" name="PlaceHolder 2"/>
           <p:cNvSpPr>
             <a:spLocks noGrp="1"/>
           </p:cNvSpPr>
@@ -2349,8 +2367,8 @@
         </p:nvSpPr>
         <p:spPr>
           <a:xfrm>
-            <a:off x="457200" y="1600200"/>
-            <a:ext cx="8229240" cy="4525560"/>
+            <a:off x="457200" y="1604520"/>
+            <a:ext cx="8046360" cy="3977280"/>
           </a:xfrm>
           <a:prstGeom prst="rect">
             <a:avLst/>
@@ -2387,7 +2405,7 @@
       </p:grpSpPr>
       <p:sp>
         <p:nvSpPr>
-          <p:cNvPr id="88" name="PlaceHolder 1"/>
+          <p:cNvPr id="79" name="PlaceHolder 1"/>
           <p:cNvSpPr>
             <a:spLocks noGrp="1"/>
           </p:cNvSpPr>
@@ -2397,8 +2415,8 @@
         </p:nvSpPr>
         <p:spPr>
           <a:xfrm>
-            <a:off x="457200" y="274680"/>
-            <a:ext cx="8229240" cy="5851080"/>
+            <a:off x="457200" y="273600"/>
+            <a:ext cx="8229240" cy="5308200"/>
           </a:xfrm>
           <a:prstGeom prst="rect">
             <a:avLst/>
@@ -2436,7 +2454,7 @@
       </p:grpSpPr>
       <p:sp>
         <p:nvSpPr>
-          <p:cNvPr id="89" name="PlaceHolder 1"/>
+          <p:cNvPr id="80" name="PlaceHolder 1"/>
           <p:cNvSpPr>
             <a:spLocks noGrp="1"/>
           </p:cNvSpPr>
@@ -2446,8 +2464,8 @@
         </p:nvSpPr>
         <p:spPr>
           <a:xfrm>
-            <a:off x="457200" y="274680"/>
-            <a:ext cx="8229240" cy="1143000"/>
+            <a:off x="457200" y="273600"/>
+            <a:ext cx="8229240" cy="1145160"/>
           </a:xfrm>
           <a:prstGeom prst="rect">
             <a:avLst/>
@@ -2456,13 +2474,14 @@
         <p:txBody>
           <a:bodyPr anchor="ctr" bIns="0" lIns="0" rIns="0" tIns="0" wrap="none"/>
           <a:p>
-            <a:endParaRPr/>
-          </a:p>
-        </p:txBody>
-      </p:sp>
-      <p:sp>
-        <p:nvSpPr>
-          <p:cNvPr id="90" name="PlaceHolder 2"/>
+            <a:pPr algn="ctr"/>
+            <a:endParaRPr/>
+          </a:p>
+        </p:txBody>
+      </p:sp>
+      <p:sp>
+        <p:nvSpPr>
+          <p:cNvPr id="81" name="PlaceHolder 2"/>
           <p:cNvSpPr>
             <a:spLocks noGrp="1"/>
           </p:cNvSpPr>
@@ -2472,8 +2491,8 @@
         </p:nvSpPr>
         <p:spPr>
           <a:xfrm>
-            <a:off x="457200" y="1600200"/>
-            <a:ext cx="4015440" cy="2158200"/>
+            <a:off x="457200" y="1604520"/>
+            <a:ext cx="3926160" cy="1896840"/>
           </a:xfrm>
           <a:prstGeom prst="rect">
             <a:avLst/>
@@ -2488,7 +2507,7 @@
       </p:sp>
       <p:sp>
         <p:nvSpPr>
-          <p:cNvPr id="91" name="PlaceHolder 3"/>
+          <p:cNvPr id="82" name="PlaceHolder 3"/>
           <p:cNvSpPr>
             <a:spLocks noGrp="1"/>
           </p:cNvSpPr>
@@ -2498,8 +2517,8 @@
         </p:nvSpPr>
         <p:spPr>
           <a:xfrm>
-            <a:off x="457200" y="3963600"/>
-            <a:ext cx="4015440" cy="2158200"/>
+            <a:off x="457200" y="3681720"/>
+            <a:ext cx="3926160" cy="1896840"/>
           </a:xfrm>
           <a:prstGeom prst="rect">
             <a:avLst/>
@@ -2514,7 +2533,7 @@
       </p:sp>
       <p:sp>
         <p:nvSpPr>
-          <p:cNvPr id="92" name="PlaceHolder 4"/>
+          <p:cNvPr id="83" name="PlaceHolder 4"/>
           <p:cNvSpPr>
             <a:spLocks noGrp="1"/>
           </p:cNvSpPr>
@@ -2524,8 +2543,8 @@
         </p:nvSpPr>
         <p:spPr>
           <a:xfrm>
-            <a:off x="4673520" y="1600200"/>
-            <a:ext cx="4015440" cy="4525560"/>
+            <a:off x="4579920" y="1604520"/>
+            <a:ext cx="3926160" cy="3977280"/>
           </a:xfrm>
           <a:prstGeom prst="rect">
             <a:avLst/>
@@ -2562,7 +2581,7 @@
       </p:grpSpPr>
       <p:sp>
         <p:nvSpPr>
-          <p:cNvPr id="93" name="PlaceHolder 1"/>
+          <p:cNvPr id="84" name="PlaceHolder 1"/>
           <p:cNvSpPr>
             <a:spLocks noGrp="1"/>
           </p:cNvSpPr>
@@ -2572,8 +2591,8 @@
         </p:nvSpPr>
         <p:spPr>
           <a:xfrm>
-            <a:off x="457200" y="274680"/>
-            <a:ext cx="8229240" cy="1143000"/>
+            <a:off x="457200" y="273600"/>
+            <a:ext cx="8229240" cy="1145160"/>
           </a:xfrm>
           <a:prstGeom prst="rect">
             <a:avLst/>
@@ -2582,13 +2601,14 @@
         <p:txBody>
           <a:bodyPr anchor="ctr" bIns="0" lIns="0" rIns="0" tIns="0" wrap="none"/>
           <a:p>
-            <a:endParaRPr/>
-          </a:p>
-        </p:txBody>
-      </p:sp>
-      <p:sp>
-        <p:nvSpPr>
-          <p:cNvPr id="94" name="PlaceHolder 2"/>
+            <a:pPr algn="ctr"/>
+            <a:endParaRPr/>
+          </a:p>
+        </p:txBody>
+      </p:sp>
+      <p:sp>
+        <p:nvSpPr>
+          <p:cNvPr id="85" name="PlaceHolder 2"/>
           <p:cNvSpPr>
             <a:spLocks noGrp="1"/>
           </p:cNvSpPr>
@@ -2598,8 +2618,8 @@
         </p:nvSpPr>
         <p:spPr>
           <a:xfrm>
-            <a:off x="457200" y="1600200"/>
-            <a:ext cx="4015440" cy="4525560"/>
+            <a:off x="457200" y="1604520"/>
+            <a:ext cx="3926160" cy="3977280"/>
           </a:xfrm>
           <a:prstGeom prst="rect">
             <a:avLst/>
@@ -2614,7 +2634,7 @@
       </p:sp>
       <p:sp>
         <p:nvSpPr>
-          <p:cNvPr id="95" name="PlaceHolder 3"/>
+          <p:cNvPr id="86" name="PlaceHolder 3"/>
           <p:cNvSpPr>
             <a:spLocks noGrp="1"/>
           </p:cNvSpPr>
@@ -2624,8 +2644,8 @@
         </p:nvSpPr>
         <p:spPr>
           <a:xfrm>
-            <a:off x="4673520" y="1600200"/>
-            <a:ext cx="4015440" cy="2158200"/>
+            <a:off x="4579920" y="1604520"/>
+            <a:ext cx="3926160" cy="1896840"/>
           </a:xfrm>
           <a:prstGeom prst="rect">
             <a:avLst/>
@@ -2640,7 +2660,7 @@
       </p:sp>
       <p:sp>
         <p:nvSpPr>
-          <p:cNvPr id="96" name="PlaceHolder 4"/>
+          <p:cNvPr id="87" name="PlaceHolder 4"/>
           <p:cNvSpPr>
             <a:spLocks noGrp="1"/>
           </p:cNvSpPr>
@@ -2650,8 +2670,8 @@
         </p:nvSpPr>
         <p:spPr>
           <a:xfrm>
-            <a:off x="4673520" y="3963600"/>
-            <a:ext cx="4015440" cy="2158200"/>
+            <a:off x="4579920" y="3681720"/>
+            <a:ext cx="3926160" cy="1896840"/>
           </a:xfrm>
           <a:prstGeom prst="rect">
             <a:avLst/>
@@ -2688,7 +2708,7 @@
       </p:grpSpPr>
       <p:sp>
         <p:nvSpPr>
-          <p:cNvPr id="97" name="PlaceHolder 1"/>
+          <p:cNvPr id="88" name="PlaceHolder 1"/>
           <p:cNvSpPr>
             <a:spLocks noGrp="1"/>
           </p:cNvSpPr>
@@ -2698,8 +2718,8 @@
         </p:nvSpPr>
         <p:spPr>
           <a:xfrm>
-            <a:off x="457200" y="274680"/>
-            <a:ext cx="8229240" cy="1143000"/>
+            <a:off x="457200" y="273600"/>
+            <a:ext cx="8229240" cy="1145160"/>
           </a:xfrm>
           <a:prstGeom prst="rect">
             <a:avLst/>
@@ -2708,13 +2728,14 @@
         <p:txBody>
           <a:bodyPr anchor="ctr" bIns="0" lIns="0" rIns="0" tIns="0" wrap="none"/>
           <a:p>
-            <a:endParaRPr/>
-          </a:p>
-        </p:txBody>
-      </p:sp>
-      <p:sp>
-        <p:nvSpPr>
-          <p:cNvPr id="98" name="PlaceHolder 2"/>
+            <a:pPr algn="ctr"/>
+            <a:endParaRPr/>
+          </a:p>
+        </p:txBody>
+      </p:sp>
+      <p:sp>
+        <p:nvSpPr>
+          <p:cNvPr id="89" name="PlaceHolder 2"/>
           <p:cNvSpPr>
             <a:spLocks noGrp="1"/>
           </p:cNvSpPr>
@@ -2724,8 +2745,8 @@
         </p:nvSpPr>
         <p:spPr>
           <a:xfrm>
-            <a:off x="457200" y="1600200"/>
-            <a:ext cx="4015440" cy="2158200"/>
+            <a:off x="457200" y="1604520"/>
+            <a:ext cx="3926160" cy="1896840"/>
           </a:xfrm>
           <a:prstGeom prst="rect">
             <a:avLst/>
@@ -2740,7 +2761,7 @@
       </p:sp>
       <p:sp>
         <p:nvSpPr>
-          <p:cNvPr id="99" name="PlaceHolder 3"/>
+          <p:cNvPr id="90" name="PlaceHolder 3"/>
           <p:cNvSpPr>
             <a:spLocks noGrp="1"/>
           </p:cNvSpPr>
@@ -2750,8 +2771,8 @@
         </p:nvSpPr>
         <p:spPr>
           <a:xfrm>
-            <a:off x="4673520" y="1600200"/>
-            <a:ext cx="4015440" cy="2158200"/>
+            <a:off x="4579920" y="1604520"/>
+            <a:ext cx="3926160" cy="1896840"/>
           </a:xfrm>
           <a:prstGeom prst="rect">
             <a:avLst/>
@@ -2766,7 +2787,7 @@
       </p:sp>
       <p:sp>
         <p:nvSpPr>
-          <p:cNvPr id="100" name="PlaceHolder 4"/>
+          <p:cNvPr id="91" name="PlaceHolder 4"/>
           <p:cNvSpPr>
             <a:spLocks noGrp="1"/>
           </p:cNvSpPr>
@@ -2776,8 +2797,8 @@
         </p:nvSpPr>
         <p:spPr>
           <a:xfrm>
-            <a:off x="457200" y="3963600"/>
-            <a:ext cx="8228520" cy="2158200"/>
+            <a:off x="457200" y="3681720"/>
+            <a:ext cx="8045640" cy="1896840"/>
           </a:xfrm>
           <a:prstGeom prst="rect">
             <a:avLst/>
@@ -2814,7 +2835,7 @@
       </p:grpSpPr>
       <p:sp>
         <p:nvSpPr>
-          <p:cNvPr id="101" name="PlaceHolder 1"/>
+          <p:cNvPr id="92" name="PlaceHolder 1"/>
           <p:cNvSpPr>
             <a:spLocks noGrp="1"/>
           </p:cNvSpPr>
@@ -2824,8 +2845,8 @@
         </p:nvSpPr>
         <p:spPr>
           <a:xfrm>
-            <a:off x="457200" y="274680"/>
-            <a:ext cx="8229240" cy="1143000"/>
+            <a:off x="457200" y="273600"/>
+            <a:ext cx="8229240" cy="1145160"/>
           </a:xfrm>
           <a:prstGeom prst="rect">
             <a:avLst/>
@@ -2834,13 +2855,14 @@
         <p:txBody>
           <a:bodyPr anchor="ctr" bIns="0" lIns="0" rIns="0" tIns="0" wrap="none"/>
           <a:p>
-            <a:endParaRPr/>
-          </a:p>
-        </p:txBody>
-      </p:sp>
-      <p:sp>
-        <p:nvSpPr>
-          <p:cNvPr id="102" name="PlaceHolder 2"/>
+            <a:pPr algn="ctr"/>
+            <a:endParaRPr/>
+          </a:p>
+        </p:txBody>
+      </p:sp>
+      <p:sp>
+        <p:nvSpPr>
+          <p:cNvPr id="93" name="PlaceHolder 2"/>
           <p:cNvSpPr>
             <a:spLocks noGrp="1"/>
           </p:cNvSpPr>
@@ -2850,8 +2872,8 @@
         </p:nvSpPr>
         <p:spPr>
           <a:xfrm>
-            <a:off x="457200" y="1600200"/>
-            <a:ext cx="8229240" cy="2158200"/>
+            <a:off x="457200" y="1604520"/>
+            <a:ext cx="8046360" cy="1896840"/>
           </a:xfrm>
           <a:prstGeom prst="rect">
             <a:avLst/>
@@ -2866,7 +2888,7 @@
       </p:sp>
       <p:sp>
         <p:nvSpPr>
-          <p:cNvPr id="103" name="PlaceHolder 3"/>
+          <p:cNvPr id="94" name="PlaceHolder 3"/>
           <p:cNvSpPr>
             <a:spLocks noGrp="1"/>
           </p:cNvSpPr>
@@ -2876,8 +2898,8 @@
         </p:nvSpPr>
         <p:spPr>
           <a:xfrm>
-            <a:off x="457200" y="3963600"/>
-            <a:ext cx="8229240" cy="2158200"/>
+            <a:off x="457200" y="3681720"/>
+            <a:ext cx="8046360" cy="1896840"/>
           </a:xfrm>
           <a:prstGeom prst="rect">
             <a:avLst/>
@@ -2914,7 +2936,7 @@
       </p:grpSpPr>
       <p:sp>
         <p:nvSpPr>
-          <p:cNvPr id="104" name="PlaceHolder 1"/>
+          <p:cNvPr id="95" name="PlaceHolder 1"/>
           <p:cNvSpPr>
             <a:spLocks noGrp="1"/>
           </p:cNvSpPr>
@@ -2924,8 +2946,8 @@
         </p:nvSpPr>
         <p:spPr>
           <a:xfrm>
-            <a:off x="457200" y="274680"/>
-            <a:ext cx="8229240" cy="1143000"/>
+            <a:off x="457200" y="273600"/>
+            <a:ext cx="8229240" cy="1145160"/>
           </a:xfrm>
           <a:prstGeom prst="rect">
             <a:avLst/>
@@ -2934,13 +2956,14 @@
         <p:txBody>
           <a:bodyPr anchor="ctr" bIns="0" lIns="0" rIns="0" tIns="0" wrap="none"/>
           <a:p>
-            <a:endParaRPr/>
-          </a:p>
-        </p:txBody>
-      </p:sp>
-      <p:sp>
-        <p:nvSpPr>
-          <p:cNvPr id="105" name="PlaceHolder 2"/>
+            <a:pPr algn="ctr"/>
+            <a:endParaRPr/>
+          </a:p>
+        </p:txBody>
+      </p:sp>
+      <p:sp>
+        <p:nvSpPr>
+          <p:cNvPr id="96" name="PlaceHolder 2"/>
           <p:cNvSpPr>
             <a:spLocks noGrp="1"/>
           </p:cNvSpPr>
@@ -2950,8 +2973,8 @@
         </p:nvSpPr>
         <p:spPr>
           <a:xfrm>
-            <a:off x="457200" y="1600200"/>
-            <a:ext cx="4015440" cy="2158200"/>
+            <a:off x="457200" y="1604520"/>
+            <a:ext cx="3926160" cy="1896840"/>
           </a:xfrm>
           <a:prstGeom prst="rect">
             <a:avLst/>
@@ -2966,7 +2989,7 @@
       </p:sp>
       <p:sp>
         <p:nvSpPr>
-          <p:cNvPr id="106" name="PlaceHolder 3"/>
+          <p:cNvPr id="97" name="PlaceHolder 3"/>
           <p:cNvSpPr>
             <a:spLocks noGrp="1"/>
           </p:cNvSpPr>
@@ -2976,8 +2999,8 @@
         </p:nvSpPr>
         <p:spPr>
           <a:xfrm>
-            <a:off x="4673520" y="1600200"/>
-            <a:ext cx="4015440" cy="2158200"/>
+            <a:off x="4579920" y="1604520"/>
+            <a:ext cx="3926160" cy="1896840"/>
           </a:xfrm>
           <a:prstGeom prst="rect">
             <a:avLst/>
@@ -2992,7 +3015,7 @@
       </p:sp>
       <p:sp>
         <p:nvSpPr>
-          <p:cNvPr id="107" name="PlaceHolder 4"/>
+          <p:cNvPr id="98" name="PlaceHolder 4"/>
           <p:cNvSpPr>
             <a:spLocks noGrp="1"/>
           </p:cNvSpPr>
@@ -3002,8 +3025,8 @@
         </p:nvSpPr>
         <p:spPr>
           <a:xfrm>
-            <a:off x="4673520" y="3963600"/>
-            <a:ext cx="4015440" cy="2158200"/>
+            <a:off x="4579920" y="3681720"/>
+            <a:ext cx="3926160" cy="1896840"/>
           </a:xfrm>
           <a:prstGeom prst="rect">
             <a:avLst/>
@@ -3018,7 +3041,7 @@
       </p:sp>
       <p:sp>
         <p:nvSpPr>
-          <p:cNvPr id="108" name="PlaceHolder 5"/>
+          <p:cNvPr id="99" name="PlaceHolder 5"/>
           <p:cNvSpPr>
             <a:spLocks noGrp="1"/>
           </p:cNvSpPr>
@@ -3028,8 +3051,8 @@
         </p:nvSpPr>
         <p:spPr>
           <a:xfrm>
-            <a:off x="457200" y="3963600"/>
-            <a:ext cx="4015440" cy="2158200"/>
+            <a:off x="457200" y="3681720"/>
+            <a:ext cx="3926160" cy="1896840"/>
           </a:xfrm>
           <a:prstGeom prst="rect">
             <a:avLst/>
@@ -3066,7 +3089,7 @@
       </p:grpSpPr>
       <p:sp>
         <p:nvSpPr>
-          <p:cNvPr id="109" name="PlaceHolder 1"/>
+          <p:cNvPr id="100" name="PlaceHolder 1"/>
           <p:cNvSpPr>
             <a:spLocks noGrp="1"/>
           </p:cNvSpPr>
@@ -3076,8 +3099,8 @@
         </p:nvSpPr>
         <p:spPr>
           <a:xfrm>
-            <a:off x="457200" y="274680"/>
-            <a:ext cx="8229240" cy="1143000"/>
+            <a:off x="457200" y="273600"/>
+            <a:ext cx="8229240" cy="1145160"/>
           </a:xfrm>
           <a:prstGeom prst="rect">
             <a:avLst/>
@@ -3086,13 +3109,14 @@
         <p:txBody>
           <a:bodyPr anchor="ctr" bIns="0" lIns="0" rIns="0" tIns="0" wrap="none"/>
           <a:p>
-            <a:endParaRPr/>
-          </a:p>
-        </p:txBody>
-      </p:sp>
-      <p:sp>
-        <p:nvSpPr>
-          <p:cNvPr id="110" name="PlaceHolder 2"/>
+            <a:pPr algn="ctr"/>
+            <a:endParaRPr/>
+          </a:p>
+        </p:txBody>
+      </p:sp>
+      <p:sp>
+        <p:nvSpPr>
+          <p:cNvPr id="101" name="PlaceHolder 2"/>
           <p:cNvSpPr>
             <a:spLocks noGrp="1"/>
           </p:cNvSpPr>
@@ -3102,8 +3126,8 @@
         </p:nvSpPr>
         <p:spPr>
           <a:xfrm>
-            <a:off x="457200" y="1600200"/>
-            <a:ext cx="4015440" cy="2158200"/>
+            <a:off x="457200" y="1604520"/>
+            <a:ext cx="3926160" cy="1896840"/>
           </a:xfrm>
           <a:prstGeom prst="rect">
             <a:avLst/>
@@ -3118,7 +3142,7 @@
       </p:sp>
       <p:sp>
         <p:nvSpPr>
-          <p:cNvPr id="111" name="PlaceHolder 3"/>
+          <p:cNvPr id="102" name="PlaceHolder 3"/>
           <p:cNvSpPr>
             <a:spLocks noGrp="1"/>
           </p:cNvSpPr>
@@ -3128,8 +3152,8 @@
         </p:nvSpPr>
         <p:spPr>
           <a:xfrm>
-            <a:off x="4673520" y="1600200"/>
-            <a:ext cx="4015440" cy="2158200"/>
+            <a:off x="4579920" y="1604520"/>
+            <a:ext cx="3926160" cy="1896840"/>
           </a:xfrm>
           <a:prstGeom prst="rect">
             <a:avLst/>
@@ -3188,7 +3212,7 @@
       </p:grpSpPr>
       <p:sp>
         <p:nvSpPr>
-          <p:cNvPr id="117" name="PlaceHolder 1"/>
+          <p:cNvPr id="105" name="PlaceHolder 1"/>
           <p:cNvSpPr>
             <a:spLocks noGrp="1"/>
           </p:cNvSpPr>
@@ -3198,8 +3222,8 @@
         </p:nvSpPr>
         <p:spPr>
           <a:xfrm>
-            <a:off x="457200" y="274680"/>
-            <a:ext cx="8229240" cy="1143000"/>
+            <a:off x="457200" y="273600"/>
+            <a:ext cx="8229240" cy="1145160"/>
           </a:xfrm>
           <a:prstGeom prst="rect">
             <a:avLst/>
@@ -3208,13 +3232,14 @@
         <p:txBody>
           <a:bodyPr anchor="ctr" bIns="0" lIns="0" rIns="0" tIns="0" wrap="none"/>
           <a:p>
-            <a:endParaRPr/>
-          </a:p>
-        </p:txBody>
-      </p:sp>
-      <p:sp>
-        <p:nvSpPr>
-          <p:cNvPr id="118" name="PlaceHolder 2"/>
+            <a:pPr algn="ctr"/>
+            <a:endParaRPr/>
+          </a:p>
+        </p:txBody>
+      </p:sp>
+      <p:sp>
+        <p:nvSpPr>
+          <p:cNvPr id="106" name="PlaceHolder 2"/>
           <p:cNvSpPr>
             <a:spLocks noGrp="1"/>
           </p:cNvSpPr>
@@ -3224,8 +3249,8 @@
         </p:nvSpPr>
         <p:spPr>
           <a:xfrm>
-            <a:off x="457200" y="1600200"/>
-            <a:ext cx="8229240" cy="4525920"/>
+            <a:off x="457200" y="1604520"/>
+            <a:ext cx="8046360" cy="3977640"/>
           </a:xfrm>
           <a:prstGeom prst="rect">
             <a:avLst/>
@@ -3263,7 +3288,7 @@
       </p:grpSpPr>
       <p:sp>
         <p:nvSpPr>
-          <p:cNvPr id="119" name="PlaceHolder 1"/>
+          <p:cNvPr id="107" name="PlaceHolder 1"/>
           <p:cNvSpPr>
             <a:spLocks noGrp="1"/>
           </p:cNvSpPr>
@@ -3273,8 +3298,8 @@
         </p:nvSpPr>
         <p:spPr>
           <a:xfrm>
-            <a:off x="457200" y="274680"/>
-            <a:ext cx="8229240" cy="1143000"/>
+            <a:off x="457200" y="273600"/>
+            <a:ext cx="8229240" cy="1145160"/>
           </a:xfrm>
           <a:prstGeom prst="rect">
             <a:avLst/>
@@ -3283,13 +3308,14 @@
         <p:txBody>
           <a:bodyPr anchor="ctr" bIns="0" lIns="0" rIns="0" tIns="0" wrap="none"/>
           <a:p>
-            <a:endParaRPr/>
-          </a:p>
-        </p:txBody>
-      </p:sp>
-      <p:sp>
-        <p:nvSpPr>
-          <p:cNvPr id="120" name="PlaceHolder 2"/>
+            <a:pPr algn="ctr"/>
+            <a:endParaRPr/>
+          </a:p>
+        </p:txBody>
+      </p:sp>
+      <p:sp>
+        <p:nvSpPr>
+          <p:cNvPr id="108" name="PlaceHolder 2"/>
           <p:cNvSpPr>
             <a:spLocks noGrp="1"/>
           </p:cNvSpPr>
@@ -3299,8 +3325,8 @@
         </p:nvSpPr>
         <p:spPr>
           <a:xfrm>
-            <a:off x="457200" y="1600200"/>
-            <a:ext cx="8229240" cy="4525560"/>
+            <a:off x="457200" y="1604520"/>
+            <a:ext cx="8046360" cy="3977280"/>
           </a:xfrm>
           <a:prstGeom prst="rect">
             <a:avLst/>
@@ -3337,7 +3363,7 @@
       </p:grpSpPr>
       <p:sp>
         <p:nvSpPr>
-          <p:cNvPr id="9" name="PlaceHolder 1"/>
+          <p:cNvPr id="6" name="PlaceHolder 1"/>
           <p:cNvSpPr>
             <a:spLocks noGrp="1"/>
           </p:cNvSpPr>
@@ -3347,8 +3373,8 @@
         </p:nvSpPr>
         <p:spPr>
           <a:xfrm>
-            <a:off x="457200" y="274680"/>
-            <a:ext cx="8229240" cy="1143000"/>
+            <a:off x="457200" y="273600"/>
+            <a:ext cx="8229240" cy="1145160"/>
           </a:xfrm>
           <a:prstGeom prst="rect">
             <a:avLst/>
@@ -3357,13 +3383,14 @@
         <p:txBody>
           <a:bodyPr anchor="ctr" bIns="0" lIns="0" rIns="0" tIns="0" wrap="none"/>
           <a:p>
-            <a:endParaRPr/>
-          </a:p>
-        </p:txBody>
-      </p:sp>
-      <p:sp>
-        <p:nvSpPr>
-          <p:cNvPr id="10" name="PlaceHolder 2"/>
+            <a:pPr algn="ctr"/>
+            <a:endParaRPr/>
+          </a:p>
+        </p:txBody>
+      </p:sp>
+      <p:sp>
+        <p:nvSpPr>
+          <p:cNvPr id="7" name="PlaceHolder 2"/>
           <p:cNvSpPr>
             <a:spLocks noGrp="1"/>
           </p:cNvSpPr>
@@ -3373,8 +3400,8 @@
         </p:nvSpPr>
         <p:spPr>
           <a:xfrm>
-            <a:off x="457200" y="1600200"/>
-            <a:ext cx="4015440" cy="4525560"/>
+            <a:off x="457200" y="1604520"/>
+            <a:ext cx="3926160" cy="3977280"/>
           </a:xfrm>
           <a:prstGeom prst="rect">
             <a:avLst/>
@@ -3389,7 +3416,7 @@
       </p:sp>
       <p:sp>
         <p:nvSpPr>
-          <p:cNvPr id="11" name="PlaceHolder 3"/>
+          <p:cNvPr id="8" name="PlaceHolder 3"/>
           <p:cNvSpPr>
             <a:spLocks noGrp="1"/>
           </p:cNvSpPr>
@@ -3399,8 +3426,8 @@
         </p:nvSpPr>
         <p:spPr>
           <a:xfrm>
-            <a:off x="4673520" y="1600200"/>
-            <a:ext cx="4015440" cy="4525560"/>
+            <a:off x="4579920" y="1604520"/>
+            <a:ext cx="3926160" cy="3977280"/>
           </a:xfrm>
           <a:prstGeom prst="rect">
             <a:avLst/>
@@ -3437,7 +3464,7 @@
       </p:grpSpPr>
       <p:sp>
         <p:nvSpPr>
-          <p:cNvPr id="121" name="PlaceHolder 1"/>
+          <p:cNvPr id="109" name="PlaceHolder 1"/>
           <p:cNvSpPr>
             <a:spLocks noGrp="1"/>
           </p:cNvSpPr>
@@ -3447,8 +3474,8 @@
         </p:nvSpPr>
         <p:spPr>
           <a:xfrm>
-            <a:off x="457200" y="274680"/>
-            <a:ext cx="8229240" cy="1143000"/>
+            <a:off x="457200" y="273600"/>
+            <a:ext cx="8229240" cy="1145160"/>
           </a:xfrm>
           <a:prstGeom prst="rect">
             <a:avLst/>
@@ -3457,13 +3484,14 @@
         <p:txBody>
           <a:bodyPr anchor="ctr" bIns="0" lIns="0" rIns="0" tIns="0" wrap="none"/>
           <a:p>
-            <a:endParaRPr/>
-          </a:p>
-        </p:txBody>
-      </p:sp>
-      <p:sp>
-        <p:nvSpPr>
-          <p:cNvPr id="122" name="PlaceHolder 2"/>
+            <a:pPr algn="ctr"/>
+            <a:endParaRPr/>
+          </a:p>
+        </p:txBody>
+      </p:sp>
+      <p:sp>
+        <p:nvSpPr>
+          <p:cNvPr id="110" name="PlaceHolder 2"/>
           <p:cNvSpPr>
             <a:spLocks noGrp="1"/>
           </p:cNvSpPr>
@@ -3473,8 +3501,8 @@
         </p:nvSpPr>
         <p:spPr>
           <a:xfrm>
-            <a:off x="457200" y="1600200"/>
-            <a:ext cx="4015440" cy="4525560"/>
+            <a:off x="457200" y="1604520"/>
+            <a:ext cx="3926160" cy="3977280"/>
           </a:xfrm>
           <a:prstGeom prst="rect">
             <a:avLst/>
@@ -3489,7 +3517,7 @@
       </p:sp>
       <p:sp>
         <p:nvSpPr>
-          <p:cNvPr id="123" name="PlaceHolder 3"/>
+          <p:cNvPr id="111" name="PlaceHolder 3"/>
           <p:cNvSpPr>
             <a:spLocks noGrp="1"/>
           </p:cNvSpPr>
@@ -3499,8 +3527,8 @@
         </p:nvSpPr>
         <p:spPr>
           <a:xfrm>
-            <a:off x="4673520" y="1600200"/>
-            <a:ext cx="4015440" cy="4525560"/>
+            <a:off x="4579920" y="1604520"/>
+            <a:ext cx="3926160" cy="3977280"/>
           </a:xfrm>
           <a:prstGeom prst="rect">
             <a:avLst/>
@@ -3537,7 +3565,7 @@
       </p:grpSpPr>
       <p:sp>
         <p:nvSpPr>
-          <p:cNvPr id="124" name="PlaceHolder 1"/>
+          <p:cNvPr id="112" name="PlaceHolder 1"/>
           <p:cNvSpPr>
             <a:spLocks noGrp="1"/>
           </p:cNvSpPr>
@@ -3547,8 +3575,8 @@
         </p:nvSpPr>
         <p:spPr>
           <a:xfrm>
-            <a:off x="457200" y="274680"/>
-            <a:ext cx="8229240" cy="1143000"/>
+            <a:off x="457200" y="273600"/>
+            <a:ext cx="8229240" cy="1145160"/>
           </a:xfrm>
           <a:prstGeom prst="rect">
             <a:avLst/>
@@ -3557,6 +3585,7 @@
         <p:txBody>
           <a:bodyPr anchor="ctr" bIns="0" lIns="0" rIns="0" tIns="0" wrap="none"/>
           <a:p>
+            <a:pPr algn="ctr"/>
             <a:endParaRPr/>
           </a:p>
         </p:txBody>
@@ -3585,7 +3614,7 @@
       </p:grpSpPr>
       <p:sp>
         <p:nvSpPr>
-          <p:cNvPr id="125" name="PlaceHolder 1"/>
+          <p:cNvPr id="113" name="PlaceHolder 1"/>
           <p:cNvSpPr>
             <a:spLocks noGrp="1"/>
           </p:cNvSpPr>
@@ -3595,8 +3624,8 @@
         </p:nvSpPr>
         <p:spPr>
           <a:xfrm>
-            <a:off x="457200" y="274680"/>
-            <a:ext cx="8229240" cy="5851080"/>
+            <a:off x="457200" y="273600"/>
+            <a:ext cx="8229240" cy="5308200"/>
           </a:xfrm>
           <a:prstGeom prst="rect">
             <a:avLst/>
@@ -3634,7 +3663,7 @@
       </p:grpSpPr>
       <p:sp>
         <p:nvSpPr>
-          <p:cNvPr id="126" name="PlaceHolder 1"/>
+          <p:cNvPr id="114" name="PlaceHolder 1"/>
           <p:cNvSpPr>
             <a:spLocks noGrp="1"/>
           </p:cNvSpPr>
@@ -3644,8 +3673,8 @@
         </p:nvSpPr>
         <p:spPr>
           <a:xfrm>
-            <a:off x="457200" y="274680"/>
-            <a:ext cx="8229240" cy="1143000"/>
+            <a:off x="457200" y="273600"/>
+            <a:ext cx="8229240" cy="1145160"/>
           </a:xfrm>
           <a:prstGeom prst="rect">
             <a:avLst/>
@@ -3654,13 +3683,14 @@
         <p:txBody>
           <a:bodyPr anchor="ctr" bIns="0" lIns="0" rIns="0" tIns="0" wrap="none"/>
           <a:p>
-            <a:endParaRPr/>
-          </a:p>
-        </p:txBody>
-      </p:sp>
-      <p:sp>
-        <p:nvSpPr>
-          <p:cNvPr id="127" name="PlaceHolder 2"/>
+            <a:pPr algn="ctr"/>
+            <a:endParaRPr/>
+          </a:p>
+        </p:txBody>
+      </p:sp>
+      <p:sp>
+        <p:nvSpPr>
+          <p:cNvPr id="115" name="PlaceHolder 2"/>
           <p:cNvSpPr>
             <a:spLocks noGrp="1"/>
           </p:cNvSpPr>
@@ -3670,8 +3700,8 @@
         </p:nvSpPr>
         <p:spPr>
           <a:xfrm>
-            <a:off x="457200" y="1600200"/>
-            <a:ext cx="4015440" cy="2158200"/>
+            <a:off x="457200" y="1604520"/>
+            <a:ext cx="3926160" cy="1896840"/>
           </a:xfrm>
           <a:prstGeom prst="rect">
             <a:avLst/>
@@ -3686,7 +3716,7 @@
       </p:sp>
       <p:sp>
         <p:nvSpPr>
-          <p:cNvPr id="128" name="PlaceHolder 3"/>
+          <p:cNvPr id="116" name="PlaceHolder 3"/>
           <p:cNvSpPr>
             <a:spLocks noGrp="1"/>
           </p:cNvSpPr>
@@ -3696,8 +3726,8 @@
         </p:nvSpPr>
         <p:spPr>
           <a:xfrm>
-            <a:off x="457200" y="3963600"/>
-            <a:ext cx="4015440" cy="2158200"/>
+            <a:off x="457200" y="3681720"/>
+            <a:ext cx="3926160" cy="1896840"/>
           </a:xfrm>
           <a:prstGeom prst="rect">
             <a:avLst/>
@@ -3712,7 +3742,7 @@
       </p:sp>
       <p:sp>
         <p:nvSpPr>
-          <p:cNvPr id="129" name="PlaceHolder 4"/>
+          <p:cNvPr id="117" name="PlaceHolder 4"/>
           <p:cNvSpPr>
             <a:spLocks noGrp="1"/>
           </p:cNvSpPr>
@@ -3722,8 +3752,8 @@
         </p:nvSpPr>
         <p:spPr>
           <a:xfrm>
-            <a:off x="4673520" y="1600200"/>
-            <a:ext cx="4015440" cy="4525560"/>
+            <a:off x="4579920" y="1604520"/>
+            <a:ext cx="3926160" cy="3977280"/>
           </a:xfrm>
           <a:prstGeom prst="rect">
             <a:avLst/>
@@ -3760,7 +3790,7 @@
       </p:grpSpPr>
       <p:sp>
         <p:nvSpPr>
-          <p:cNvPr id="130" name="PlaceHolder 1"/>
+          <p:cNvPr id="118" name="PlaceHolder 1"/>
           <p:cNvSpPr>
             <a:spLocks noGrp="1"/>
           </p:cNvSpPr>
@@ -3770,8 +3800,8 @@
         </p:nvSpPr>
         <p:spPr>
           <a:xfrm>
-            <a:off x="457200" y="274680"/>
-            <a:ext cx="8229240" cy="1143000"/>
+            <a:off x="457200" y="273600"/>
+            <a:ext cx="8229240" cy="1145160"/>
           </a:xfrm>
           <a:prstGeom prst="rect">
             <a:avLst/>
@@ -3780,13 +3810,14 @@
         <p:txBody>
           <a:bodyPr anchor="ctr" bIns="0" lIns="0" rIns="0" tIns="0" wrap="none"/>
           <a:p>
-            <a:endParaRPr/>
-          </a:p>
-        </p:txBody>
-      </p:sp>
-      <p:sp>
-        <p:nvSpPr>
-          <p:cNvPr id="131" name="PlaceHolder 2"/>
+            <a:pPr algn="ctr"/>
+            <a:endParaRPr/>
+          </a:p>
+        </p:txBody>
+      </p:sp>
+      <p:sp>
+        <p:nvSpPr>
+          <p:cNvPr id="119" name="PlaceHolder 2"/>
           <p:cNvSpPr>
             <a:spLocks noGrp="1"/>
           </p:cNvSpPr>
@@ -3796,8 +3827,8 @@
         </p:nvSpPr>
         <p:spPr>
           <a:xfrm>
-            <a:off x="457200" y="1600200"/>
-            <a:ext cx="4015440" cy="4525560"/>
+            <a:off x="457200" y="1604520"/>
+            <a:ext cx="3926160" cy="3977280"/>
           </a:xfrm>
           <a:prstGeom prst="rect">
             <a:avLst/>
@@ -3812,7 +3843,7 @@
       </p:sp>
       <p:sp>
         <p:nvSpPr>
-          <p:cNvPr id="132" name="PlaceHolder 3"/>
+          <p:cNvPr id="120" name="PlaceHolder 3"/>
           <p:cNvSpPr>
             <a:spLocks noGrp="1"/>
           </p:cNvSpPr>
@@ -3822,8 +3853,8 @@
         </p:nvSpPr>
         <p:spPr>
           <a:xfrm>
-            <a:off x="4673520" y="1600200"/>
-            <a:ext cx="4015440" cy="2158200"/>
+            <a:off x="4579920" y="1604520"/>
+            <a:ext cx="3926160" cy="1896840"/>
           </a:xfrm>
           <a:prstGeom prst="rect">
             <a:avLst/>
@@ -3838,7 +3869,7 @@
       </p:sp>
       <p:sp>
         <p:nvSpPr>
-          <p:cNvPr id="133" name="PlaceHolder 4"/>
+          <p:cNvPr id="121" name="PlaceHolder 4"/>
           <p:cNvSpPr>
             <a:spLocks noGrp="1"/>
           </p:cNvSpPr>
@@ -3848,8 +3879,8 @@
         </p:nvSpPr>
         <p:spPr>
           <a:xfrm>
-            <a:off x="4673520" y="3963600"/>
-            <a:ext cx="4015440" cy="2158200"/>
+            <a:off x="4579920" y="3681720"/>
+            <a:ext cx="3926160" cy="1896840"/>
           </a:xfrm>
           <a:prstGeom prst="rect">
             <a:avLst/>
@@ -3886,7 +3917,7 @@
       </p:grpSpPr>
       <p:sp>
         <p:nvSpPr>
-          <p:cNvPr id="134" name="PlaceHolder 1"/>
+          <p:cNvPr id="122" name="PlaceHolder 1"/>
           <p:cNvSpPr>
             <a:spLocks noGrp="1"/>
           </p:cNvSpPr>
@@ -3896,8 +3927,8 @@
         </p:nvSpPr>
         <p:spPr>
           <a:xfrm>
-            <a:off x="457200" y="274680"/>
-            <a:ext cx="8229240" cy="1143000"/>
+            <a:off x="457200" y="273600"/>
+            <a:ext cx="8229240" cy="1145160"/>
           </a:xfrm>
           <a:prstGeom prst="rect">
             <a:avLst/>
@@ -3906,13 +3937,14 @@
         <p:txBody>
           <a:bodyPr anchor="ctr" bIns="0" lIns="0" rIns="0" tIns="0" wrap="none"/>
           <a:p>
-            <a:endParaRPr/>
-          </a:p>
-        </p:txBody>
-      </p:sp>
-      <p:sp>
-        <p:nvSpPr>
-          <p:cNvPr id="135" name="PlaceHolder 2"/>
+            <a:pPr algn="ctr"/>
+            <a:endParaRPr/>
+          </a:p>
+        </p:txBody>
+      </p:sp>
+      <p:sp>
+        <p:nvSpPr>
+          <p:cNvPr id="123" name="PlaceHolder 2"/>
           <p:cNvSpPr>
             <a:spLocks noGrp="1"/>
           </p:cNvSpPr>
@@ -3922,8 +3954,8 @@
         </p:nvSpPr>
         <p:spPr>
           <a:xfrm>
-            <a:off x="457200" y="1600200"/>
-            <a:ext cx="4015440" cy="2158200"/>
+            <a:off x="457200" y="1604520"/>
+            <a:ext cx="3926160" cy="1896840"/>
           </a:xfrm>
           <a:prstGeom prst="rect">
             <a:avLst/>
@@ -3938,7 +3970,7 @@
       </p:sp>
       <p:sp>
         <p:nvSpPr>
-          <p:cNvPr id="136" name="PlaceHolder 3"/>
+          <p:cNvPr id="124" name="PlaceHolder 3"/>
           <p:cNvSpPr>
             <a:spLocks noGrp="1"/>
           </p:cNvSpPr>
@@ -3948,8 +3980,8 @@
         </p:nvSpPr>
         <p:spPr>
           <a:xfrm>
-            <a:off x="4673520" y="1600200"/>
-            <a:ext cx="4015440" cy="2158200"/>
+            <a:off x="4579920" y="1604520"/>
+            <a:ext cx="3926160" cy="1896840"/>
           </a:xfrm>
           <a:prstGeom prst="rect">
             <a:avLst/>
@@ -3964,7 +3996,7 @@
       </p:sp>
       <p:sp>
         <p:nvSpPr>
-          <p:cNvPr id="137" name="PlaceHolder 4"/>
+          <p:cNvPr id="125" name="PlaceHolder 4"/>
           <p:cNvSpPr>
             <a:spLocks noGrp="1"/>
           </p:cNvSpPr>
@@ -3974,8 +4006,8 @@
         </p:nvSpPr>
         <p:spPr>
           <a:xfrm>
-            <a:off x="457200" y="3963600"/>
-            <a:ext cx="8228520" cy="2158200"/>
+            <a:off x="457200" y="3681720"/>
+            <a:ext cx="8045640" cy="1896840"/>
           </a:xfrm>
           <a:prstGeom prst="rect">
             <a:avLst/>
@@ -4012,7 +4044,7 @@
       </p:grpSpPr>
       <p:sp>
         <p:nvSpPr>
-          <p:cNvPr id="138" name="PlaceHolder 1"/>
+          <p:cNvPr id="126" name="PlaceHolder 1"/>
           <p:cNvSpPr>
             <a:spLocks noGrp="1"/>
           </p:cNvSpPr>
@@ -4022,8 +4054,8 @@
         </p:nvSpPr>
         <p:spPr>
           <a:xfrm>
-            <a:off x="457200" y="274680"/>
-            <a:ext cx="8229240" cy="1143000"/>
+            <a:off x="457200" y="273600"/>
+            <a:ext cx="8229240" cy="1145160"/>
           </a:xfrm>
           <a:prstGeom prst="rect">
             <a:avLst/>
@@ -4032,13 +4064,14 @@
         <p:txBody>
           <a:bodyPr anchor="ctr" bIns="0" lIns="0" rIns="0" tIns="0" wrap="none"/>
           <a:p>
-            <a:endParaRPr/>
-          </a:p>
-        </p:txBody>
-      </p:sp>
-      <p:sp>
-        <p:nvSpPr>
-          <p:cNvPr id="139" name="PlaceHolder 2"/>
+            <a:pPr algn="ctr"/>
+            <a:endParaRPr/>
+          </a:p>
+        </p:txBody>
+      </p:sp>
+      <p:sp>
+        <p:nvSpPr>
+          <p:cNvPr id="127" name="PlaceHolder 2"/>
           <p:cNvSpPr>
             <a:spLocks noGrp="1"/>
           </p:cNvSpPr>
@@ -4048,8 +4081,8 @@
         </p:nvSpPr>
         <p:spPr>
           <a:xfrm>
-            <a:off x="457200" y="1600200"/>
-            <a:ext cx="8229240" cy="2158200"/>
+            <a:off x="457200" y="1604520"/>
+            <a:ext cx="8046360" cy="1896840"/>
           </a:xfrm>
           <a:prstGeom prst="rect">
             <a:avLst/>
@@ -4064,7 +4097,7 @@
       </p:sp>
       <p:sp>
         <p:nvSpPr>
-          <p:cNvPr id="140" name="PlaceHolder 3"/>
+          <p:cNvPr id="128" name="PlaceHolder 3"/>
           <p:cNvSpPr>
             <a:spLocks noGrp="1"/>
           </p:cNvSpPr>
@@ -4074,8 +4107,8 @@
         </p:nvSpPr>
         <p:spPr>
           <a:xfrm>
-            <a:off x="457200" y="3963600"/>
-            <a:ext cx="8229240" cy="2158200"/>
+            <a:off x="457200" y="3681720"/>
+            <a:ext cx="8046360" cy="1896840"/>
           </a:xfrm>
           <a:prstGeom prst="rect">
             <a:avLst/>
@@ -4112,7 +4145,7 @@
       </p:grpSpPr>
       <p:sp>
         <p:nvSpPr>
-          <p:cNvPr id="141" name="PlaceHolder 1"/>
+          <p:cNvPr id="129" name="PlaceHolder 1"/>
           <p:cNvSpPr>
             <a:spLocks noGrp="1"/>
           </p:cNvSpPr>
@@ -4122,8 +4155,8 @@
         </p:nvSpPr>
         <p:spPr>
           <a:xfrm>
-            <a:off x="457200" y="274680"/>
-            <a:ext cx="8229240" cy="1143000"/>
+            <a:off x="457200" y="273600"/>
+            <a:ext cx="8229240" cy="1145160"/>
           </a:xfrm>
           <a:prstGeom prst="rect">
             <a:avLst/>
@@ -4132,13 +4165,14 @@
         <p:txBody>
           <a:bodyPr anchor="ctr" bIns="0" lIns="0" rIns="0" tIns="0" wrap="none"/>
           <a:p>
-            <a:endParaRPr/>
-          </a:p>
-        </p:txBody>
-      </p:sp>
-      <p:sp>
-        <p:nvSpPr>
-          <p:cNvPr id="142" name="PlaceHolder 2"/>
+            <a:pPr algn="ctr"/>
+            <a:endParaRPr/>
+          </a:p>
+        </p:txBody>
+      </p:sp>
+      <p:sp>
+        <p:nvSpPr>
+          <p:cNvPr id="130" name="PlaceHolder 2"/>
           <p:cNvSpPr>
             <a:spLocks noGrp="1"/>
           </p:cNvSpPr>
@@ -4148,8 +4182,8 @@
         </p:nvSpPr>
         <p:spPr>
           <a:xfrm>
-            <a:off x="457200" y="1600200"/>
-            <a:ext cx="4015440" cy="2158200"/>
+            <a:off x="457200" y="1604520"/>
+            <a:ext cx="3926160" cy="1896840"/>
           </a:xfrm>
           <a:prstGeom prst="rect">
             <a:avLst/>
@@ -4164,7 +4198,7 @@
       </p:sp>
       <p:sp>
         <p:nvSpPr>
-          <p:cNvPr id="143" name="PlaceHolder 3"/>
+          <p:cNvPr id="131" name="PlaceHolder 3"/>
           <p:cNvSpPr>
             <a:spLocks noGrp="1"/>
           </p:cNvSpPr>
@@ -4174,8 +4208,8 @@
         </p:nvSpPr>
         <p:spPr>
           <a:xfrm>
-            <a:off x="4673520" y="1600200"/>
-            <a:ext cx="4015440" cy="2158200"/>
+            <a:off x="4579920" y="1604520"/>
+            <a:ext cx="3926160" cy="1896840"/>
           </a:xfrm>
           <a:prstGeom prst="rect">
             <a:avLst/>
@@ -4190,7 +4224,7 @@
       </p:sp>
       <p:sp>
         <p:nvSpPr>
-          <p:cNvPr id="144" name="PlaceHolder 4"/>
+          <p:cNvPr id="132" name="PlaceHolder 4"/>
           <p:cNvSpPr>
             <a:spLocks noGrp="1"/>
           </p:cNvSpPr>
@@ -4200,8 +4234,8 @@
         </p:nvSpPr>
         <p:spPr>
           <a:xfrm>
-            <a:off x="4673520" y="3963600"/>
-            <a:ext cx="4015440" cy="2158200"/>
+            <a:off x="4579920" y="3681720"/>
+            <a:ext cx="3926160" cy="1896840"/>
           </a:xfrm>
           <a:prstGeom prst="rect">
             <a:avLst/>
@@ -4216,7 +4250,7 @@
       </p:sp>
       <p:sp>
         <p:nvSpPr>
-          <p:cNvPr id="145" name="PlaceHolder 5"/>
+          <p:cNvPr id="133" name="PlaceHolder 5"/>
           <p:cNvSpPr>
             <a:spLocks noGrp="1"/>
           </p:cNvSpPr>
@@ -4226,8 +4260,8 @@
         </p:nvSpPr>
         <p:spPr>
           <a:xfrm>
-            <a:off x="457200" y="3963600"/>
-            <a:ext cx="4015440" cy="2158200"/>
+            <a:off x="457200" y="3681720"/>
+            <a:ext cx="3926160" cy="1896840"/>
           </a:xfrm>
           <a:prstGeom prst="rect">
             <a:avLst/>
@@ -4264,7 +4298,7 @@
       </p:grpSpPr>
       <p:sp>
         <p:nvSpPr>
-          <p:cNvPr id="146" name="PlaceHolder 1"/>
+          <p:cNvPr id="134" name="PlaceHolder 1"/>
           <p:cNvSpPr>
             <a:spLocks noGrp="1"/>
           </p:cNvSpPr>
@@ -4274,8 +4308,8 @@
         </p:nvSpPr>
         <p:spPr>
           <a:xfrm>
-            <a:off x="457200" y="274680"/>
-            <a:ext cx="8229240" cy="1143000"/>
+            <a:off x="457200" y="273600"/>
+            <a:ext cx="8229240" cy="1145160"/>
           </a:xfrm>
           <a:prstGeom prst="rect">
             <a:avLst/>
@@ -4284,13 +4318,14 @@
         <p:txBody>
           <a:bodyPr anchor="ctr" bIns="0" lIns="0" rIns="0" tIns="0" wrap="none"/>
           <a:p>
-            <a:endParaRPr/>
-          </a:p>
-        </p:txBody>
-      </p:sp>
-      <p:sp>
-        <p:nvSpPr>
-          <p:cNvPr id="147" name="PlaceHolder 2"/>
+            <a:pPr algn="ctr"/>
+            <a:endParaRPr/>
+          </a:p>
+        </p:txBody>
+      </p:sp>
+      <p:sp>
+        <p:nvSpPr>
+          <p:cNvPr id="135" name="PlaceHolder 2"/>
           <p:cNvSpPr>
             <a:spLocks noGrp="1"/>
           </p:cNvSpPr>
@@ -4300,8 +4335,8 @@
         </p:nvSpPr>
         <p:spPr>
           <a:xfrm>
-            <a:off x="457200" y="1600200"/>
-            <a:ext cx="4015440" cy="2158200"/>
+            <a:off x="457200" y="1604520"/>
+            <a:ext cx="3926160" cy="1896840"/>
           </a:xfrm>
           <a:prstGeom prst="rect">
             <a:avLst/>
@@ -4316,7 +4351,7 @@
       </p:sp>
       <p:sp>
         <p:nvSpPr>
-          <p:cNvPr id="148" name="PlaceHolder 3"/>
+          <p:cNvPr id="136" name="PlaceHolder 3"/>
           <p:cNvSpPr>
             <a:spLocks noGrp="1"/>
           </p:cNvSpPr>
@@ -4326,8 +4361,8 @@
         </p:nvSpPr>
         <p:spPr>
           <a:xfrm>
-            <a:off x="4673520" y="1600200"/>
-            <a:ext cx="4015440" cy="2158200"/>
+            <a:off x="4579920" y="1604520"/>
+            <a:ext cx="3926160" cy="1896840"/>
           </a:xfrm>
           <a:prstGeom prst="rect">
             <a:avLst/>
@@ -4364,7 +4399,7 @@
       </p:grpSpPr>
       <p:sp>
         <p:nvSpPr>
-          <p:cNvPr id="12" name="PlaceHolder 1"/>
+          <p:cNvPr id="9" name="PlaceHolder 1"/>
           <p:cNvSpPr>
             <a:spLocks noGrp="1"/>
           </p:cNvSpPr>
@@ -4374,8 +4409,8 @@
         </p:nvSpPr>
         <p:spPr>
           <a:xfrm>
-            <a:off x="457200" y="274680"/>
-            <a:ext cx="8229240" cy="1143000"/>
+            <a:off x="457200" y="273600"/>
+            <a:ext cx="8229240" cy="1145160"/>
           </a:xfrm>
           <a:prstGeom prst="rect">
             <a:avLst/>
@@ -4384,6 +4419,7 @@
         <p:txBody>
           <a:bodyPr anchor="ctr" bIns="0" lIns="0" rIns="0" tIns="0" wrap="none"/>
           <a:p>
+            <a:pPr algn="ctr"/>
             <a:endParaRPr/>
           </a:p>
         </p:txBody>
@@ -4412,7 +4448,7 @@
       </p:grpSpPr>
       <p:sp>
         <p:nvSpPr>
-          <p:cNvPr id="13" name="PlaceHolder 1"/>
+          <p:cNvPr id="10" name="PlaceHolder 1"/>
           <p:cNvSpPr>
             <a:spLocks noGrp="1"/>
           </p:cNvSpPr>
@@ -4422,8 +4458,8 @@
         </p:nvSpPr>
         <p:spPr>
           <a:xfrm>
-            <a:off x="457200" y="274680"/>
-            <a:ext cx="8229240" cy="5851080"/>
+            <a:off x="457200" y="273600"/>
+            <a:ext cx="8229240" cy="5308200"/>
           </a:xfrm>
           <a:prstGeom prst="rect">
             <a:avLst/>
@@ -4461,7 +4497,7 @@
       </p:grpSpPr>
       <p:sp>
         <p:nvSpPr>
-          <p:cNvPr id="14" name="PlaceHolder 1"/>
+          <p:cNvPr id="11" name="PlaceHolder 1"/>
           <p:cNvSpPr>
             <a:spLocks noGrp="1"/>
           </p:cNvSpPr>
@@ -4471,8 +4507,8 @@
         </p:nvSpPr>
         <p:spPr>
           <a:xfrm>
-            <a:off x="457200" y="274680"/>
-            <a:ext cx="8229240" cy="1143000"/>
+            <a:off x="457200" y="273600"/>
+            <a:ext cx="8229240" cy="1145160"/>
           </a:xfrm>
           <a:prstGeom prst="rect">
             <a:avLst/>
@@ -4481,13 +4517,14 @@
         <p:txBody>
           <a:bodyPr anchor="ctr" bIns="0" lIns="0" rIns="0" tIns="0" wrap="none"/>
           <a:p>
-            <a:endParaRPr/>
-          </a:p>
-        </p:txBody>
-      </p:sp>
-      <p:sp>
-        <p:nvSpPr>
-          <p:cNvPr id="15" name="PlaceHolder 2"/>
+            <a:pPr algn="ctr"/>
+            <a:endParaRPr/>
+          </a:p>
+        </p:txBody>
+      </p:sp>
+      <p:sp>
+        <p:nvSpPr>
+          <p:cNvPr id="12" name="PlaceHolder 2"/>
           <p:cNvSpPr>
             <a:spLocks noGrp="1"/>
           </p:cNvSpPr>
@@ -4497,8 +4534,8 @@
         </p:nvSpPr>
         <p:spPr>
           <a:xfrm>
-            <a:off x="457200" y="1600200"/>
-            <a:ext cx="4015440" cy="2158200"/>
+            <a:off x="457200" y="1604520"/>
+            <a:ext cx="3926160" cy="1896840"/>
           </a:xfrm>
           <a:prstGeom prst="rect">
             <a:avLst/>
@@ -4513,7 +4550,7 @@
       </p:sp>
       <p:sp>
         <p:nvSpPr>
-          <p:cNvPr id="16" name="PlaceHolder 3"/>
+          <p:cNvPr id="13" name="PlaceHolder 3"/>
           <p:cNvSpPr>
             <a:spLocks noGrp="1"/>
           </p:cNvSpPr>
@@ -4523,8 +4560,8 @@
         </p:nvSpPr>
         <p:spPr>
           <a:xfrm>
-            <a:off x="457200" y="3963600"/>
-            <a:ext cx="4015440" cy="2158200"/>
+            <a:off x="457200" y="3681720"/>
+            <a:ext cx="3926160" cy="1896840"/>
           </a:xfrm>
           <a:prstGeom prst="rect">
             <a:avLst/>
@@ -4539,7 +4576,7 @@
       </p:sp>
       <p:sp>
         <p:nvSpPr>
-          <p:cNvPr id="17" name="PlaceHolder 4"/>
+          <p:cNvPr id="14" name="PlaceHolder 4"/>
           <p:cNvSpPr>
             <a:spLocks noGrp="1"/>
           </p:cNvSpPr>
@@ -4549,8 +4586,8 @@
         </p:nvSpPr>
         <p:spPr>
           <a:xfrm>
-            <a:off x="4673520" y="1600200"/>
-            <a:ext cx="4015440" cy="4525560"/>
+            <a:off x="4579920" y="1604520"/>
+            <a:ext cx="3926160" cy="3977280"/>
           </a:xfrm>
           <a:prstGeom prst="rect">
             <a:avLst/>
@@ -4587,7 +4624,7 @@
       </p:grpSpPr>
       <p:sp>
         <p:nvSpPr>
-          <p:cNvPr id="18" name="PlaceHolder 1"/>
+          <p:cNvPr id="15" name="PlaceHolder 1"/>
           <p:cNvSpPr>
             <a:spLocks noGrp="1"/>
           </p:cNvSpPr>
@@ -4597,8 +4634,8 @@
         </p:nvSpPr>
         <p:spPr>
           <a:xfrm>
-            <a:off x="457200" y="274680"/>
-            <a:ext cx="8229240" cy="1143000"/>
+            <a:off x="457200" y="273600"/>
+            <a:ext cx="8229240" cy="1145160"/>
           </a:xfrm>
           <a:prstGeom prst="rect">
             <a:avLst/>
@@ -4607,13 +4644,14 @@
         <p:txBody>
           <a:bodyPr anchor="ctr" bIns="0" lIns="0" rIns="0" tIns="0" wrap="none"/>
           <a:p>
-            <a:endParaRPr/>
-          </a:p>
-        </p:txBody>
-      </p:sp>
-      <p:sp>
-        <p:nvSpPr>
-          <p:cNvPr id="19" name="PlaceHolder 2"/>
+            <a:pPr algn="ctr"/>
+            <a:endParaRPr/>
+          </a:p>
+        </p:txBody>
+      </p:sp>
+      <p:sp>
+        <p:nvSpPr>
+          <p:cNvPr id="16" name="PlaceHolder 2"/>
           <p:cNvSpPr>
             <a:spLocks noGrp="1"/>
           </p:cNvSpPr>
@@ -4623,8 +4661,8 @@
         </p:nvSpPr>
         <p:spPr>
           <a:xfrm>
-            <a:off x="457200" y="1600200"/>
-            <a:ext cx="4015440" cy="4525560"/>
+            <a:off x="457200" y="1604520"/>
+            <a:ext cx="3926160" cy="3977280"/>
           </a:xfrm>
           <a:prstGeom prst="rect">
             <a:avLst/>
@@ -4639,7 +4677,7 @@
       </p:sp>
       <p:sp>
         <p:nvSpPr>
-          <p:cNvPr id="20" name="PlaceHolder 3"/>
+          <p:cNvPr id="17" name="PlaceHolder 3"/>
           <p:cNvSpPr>
             <a:spLocks noGrp="1"/>
           </p:cNvSpPr>
@@ -4649,8 +4687,8 @@
         </p:nvSpPr>
         <p:spPr>
           <a:xfrm>
-            <a:off x="4673520" y="1600200"/>
-            <a:ext cx="4015440" cy="2158200"/>
+            <a:off x="4579920" y="1604520"/>
+            <a:ext cx="3926160" cy="1896840"/>
           </a:xfrm>
           <a:prstGeom prst="rect">
             <a:avLst/>
@@ -4665,7 +4703,7 @@
       </p:sp>
       <p:sp>
         <p:nvSpPr>
-          <p:cNvPr id="21" name="PlaceHolder 4"/>
+          <p:cNvPr id="18" name="PlaceHolder 4"/>
           <p:cNvSpPr>
             <a:spLocks noGrp="1"/>
           </p:cNvSpPr>
@@ -4675,8 +4713,8 @@
         </p:nvSpPr>
         <p:spPr>
           <a:xfrm>
-            <a:off x="4673520" y="3963600"/>
-            <a:ext cx="4015440" cy="2158200"/>
+            <a:off x="4579920" y="3681720"/>
+            <a:ext cx="3926160" cy="1896840"/>
           </a:xfrm>
           <a:prstGeom prst="rect">
             <a:avLst/>
@@ -4713,7 +4751,7 @@
       </p:grpSpPr>
       <p:sp>
         <p:nvSpPr>
-          <p:cNvPr id="22" name="PlaceHolder 1"/>
+          <p:cNvPr id="19" name="PlaceHolder 1"/>
           <p:cNvSpPr>
             <a:spLocks noGrp="1"/>
           </p:cNvSpPr>
@@ -4723,8 +4761,8 @@
         </p:nvSpPr>
         <p:spPr>
           <a:xfrm>
-            <a:off x="457200" y="274680"/>
-            <a:ext cx="8229240" cy="1143000"/>
+            <a:off x="457200" y="273600"/>
+            <a:ext cx="8229240" cy="1145160"/>
           </a:xfrm>
           <a:prstGeom prst="rect">
             <a:avLst/>
@@ -4733,13 +4771,14 @@
         <p:txBody>
           <a:bodyPr anchor="ctr" bIns="0" lIns="0" rIns="0" tIns="0" wrap="none"/>
           <a:p>
-            <a:endParaRPr/>
-          </a:p>
-        </p:txBody>
-      </p:sp>
-      <p:sp>
-        <p:nvSpPr>
-          <p:cNvPr id="23" name="PlaceHolder 2"/>
+            <a:pPr algn="ctr"/>
+            <a:endParaRPr/>
+          </a:p>
+        </p:txBody>
+      </p:sp>
+      <p:sp>
+        <p:nvSpPr>
+          <p:cNvPr id="20" name="PlaceHolder 2"/>
           <p:cNvSpPr>
             <a:spLocks noGrp="1"/>
           </p:cNvSpPr>
@@ -4749,8 +4788,8 @@
         </p:nvSpPr>
         <p:spPr>
           <a:xfrm>
-            <a:off x="457200" y="1600200"/>
-            <a:ext cx="4015440" cy="2158200"/>
+            <a:off x="457200" y="1604520"/>
+            <a:ext cx="3926160" cy="1896840"/>
           </a:xfrm>
           <a:prstGeom prst="rect">
             <a:avLst/>
@@ -4765,7 +4804,7 @@
       </p:sp>
       <p:sp>
         <p:nvSpPr>
-          <p:cNvPr id="24" name="PlaceHolder 3"/>
+          <p:cNvPr id="21" name="PlaceHolder 3"/>
           <p:cNvSpPr>
             <a:spLocks noGrp="1"/>
           </p:cNvSpPr>
@@ -4775,8 +4814,8 @@
         </p:nvSpPr>
         <p:spPr>
           <a:xfrm>
-            <a:off x="4673520" y="1600200"/>
-            <a:ext cx="4015440" cy="2158200"/>
+            <a:off x="4579920" y="1604520"/>
+            <a:ext cx="3926160" cy="1896840"/>
           </a:xfrm>
           <a:prstGeom prst="rect">
             <a:avLst/>
@@ -4791,7 +4830,7 @@
       </p:sp>
       <p:sp>
         <p:nvSpPr>
-          <p:cNvPr id="25" name="PlaceHolder 4"/>
+          <p:cNvPr id="22" name="PlaceHolder 4"/>
           <p:cNvSpPr>
             <a:spLocks noGrp="1"/>
           </p:cNvSpPr>
@@ -4801,8 +4840,8 @@
         </p:nvSpPr>
         <p:spPr>
           <a:xfrm>
-            <a:off x="457200" y="3963600"/>
-            <a:ext cx="8228520" cy="2158200"/>
+            <a:off x="457200" y="3681720"/>
+            <a:ext cx="8045640" cy="1896840"/>
           </a:xfrm>
           <a:prstGeom prst="rect">
             <a:avLst/>
@@ -4856,15 +4895,15 @@
         </p:nvSpPr>
         <p:spPr>
           <a:xfrm>
-            <a:off x="685800" y="2130480"/>
-            <a:ext cx="7772040" cy="1469520"/>
-          </a:xfrm>
-          <a:prstGeom prst="rect">
-            <a:avLst/>
-          </a:prstGeom>
-        </p:spPr>
-        <p:txBody>
-          <a:bodyPr anchor="ctr"/>
+            <a:off x="457200" y="273600"/>
+            <a:ext cx="8228880" cy="1144800"/>
+          </a:xfrm>
+          <a:prstGeom prst="rect">
+            <a:avLst/>
+          </a:prstGeom>
+        </p:spPr>
+        <p:txBody>
+          <a:bodyPr anchor="ctr" bIns="0" lIns="0" rIns="0" tIns="0" wrap="none"/>
           <a:p>
             <a:pPr algn="ctr">
               <a:lnSpc>
@@ -4872,13 +4911,8 @@
               </a:lnSpc>
             </a:pPr>
             <a:r>
-              <a:rPr lang="en-US" sz="4400">
-                <a:solidFill>
-                  <a:srgbClr val="000000"/>
-                </a:solidFill>
-                <a:latin typeface="Calibri"/>
-              </a:rPr>
-              <a:t>Click to edit the title text formatClick to edit Master title style</a:t>
+              <a:rPr lang="en-US"/>
+              <a:t>Click to edit the title text format</a:t>
             </a:r>
             <a:endParaRPr/>
           </a:p>
@@ -4891,119 +4925,13 @@
             <a:spLocks noGrp="1"/>
           </p:cNvSpPr>
           <p:nvPr>
-            <p:ph type="dt"/>
-          </p:nvPr>
-        </p:nvSpPr>
-        <p:spPr>
-          <a:xfrm>
-            <a:off x="0" y="0"/>
-            <a:ext cx="-11796840" cy="-11796840"/>
-          </a:xfrm>
-          <a:prstGeom prst="rect">
-            <a:avLst/>
-          </a:prstGeom>
-        </p:spPr>
-        <p:txBody>
-          <a:bodyPr bIns="45000" lIns="90000" rIns="90000" tIns="45000"/>
-          <a:p>
-            <a:pPr>
-              <a:lnSpc>
-                <a:spcPct val="100000"/>
-              </a:lnSpc>
-            </a:pPr>
-            <a:r>
-              <a:rPr lang="en-US">
-                <a:solidFill>
-                  <a:srgbClr val="000000"/>
-                </a:solidFill>
-                <a:latin typeface="Calibri"/>
-              </a:rPr>
-              <a:t>10/21/13</a:t>
-            </a:r>
-            <a:endParaRPr/>
-          </a:p>
-        </p:txBody>
-      </p:sp>
-      <p:sp>
-        <p:nvSpPr>
-          <p:cNvPr id="2" name="PlaceHolder 3"/>
-          <p:cNvSpPr>
-            <a:spLocks noGrp="1"/>
-          </p:cNvSpPr>
-          <p:nvPr>
-            <p:ph type="ftr"/>
-          </p:nvPr>
-        </p:nvSpPr>
-        <p:spPr>
-          <a:xfrm>
-            <a:off x="0" y="0"/>
-            <a:ext cx="-11796840" cy="-11796840"/>
-          </a:xfrm>
-          <a:prstGeom prst="rect">
-            <a:avLst/>
-          </a:prstGeom>
-        </p:spPr>
-        <p:txBody>
-          <a:bodyPr bIns="45000" lIns="90000" rIns="90000" tIns="45000"/>
-          <a:p>
-            <a:endParaRPr/>
-          </a:p>
-        </p:txBody>
-      </p:sp>
-      <p:sp>
-        <p:nvSpPr>
-          <p:cNvPr id="3" name="PlaceHolder 4"/>
-          <p:cNvSpPr>
-            <a:spLocks noGrp="1"/>
-          </p:cNvSpPr>
-          <p:nvPr>
-            <p:ph type="sldNum"/>
-          </p:nvPr>
-        </p:nvSpPr>
-        <p:spPr>
-          <a:xfrm>
-            <a:off x="0" y="0"/>
-            <a:ext cx="-11796840" cy="-11796840"/>
-          </a:xfrm>
-          <a:prstGeom prst="rect">
-            <a:avLst/>
-          </a:prstGeom>
-        </p:spPr>
-        <p:txBody>
-          <a:bodyPr bIns="45000" lIns="90000" rIns="90000" tIns="45000"/>
-          <a:p>
-            <a:pPr>
-              <a:lnSpc>
-                <a:spcPct val="100000"/>
-              </a:lnSpc>
-            </a:pPr>
-            <a:fld id="{1171A131-7141-4101-8101-412101D1F161}" type="slidenum">
-              <a:rPr lang="en-US">
-                <a:solidFill>
-                  <a:srgbClr val="000000"/>
-                </a:solidFill>
-                <a:latin typeface="Calibri"/>
-              </a:rPr>
-              <a:t>&lt;number&gt;</a:t>
-            </a:fld>
-            <a:endParaRPr/>
-          </a:p>
-        </p:txBody>
-      </p:sp>
-      <p:sp>
-        <p:nvSpPr>
-          <p:cNvPr id="4" name="PlaceHolder 5"/>
-          <p:cNvSpPr>
-            <a:spLocks noGrp="1"/>
-          </p:cNvSpPr>
-          <p:nvPr>
             <p:ph type="body"/>
           </p:nvPr>
         </p:nvSpPr>
         <p:spPr>
           <a:xfrm>
             <a:off x="457200" y="1604520"/>
-            <a:ext cx="8046360" cy="3977280"/>
+            <a:ext cx="8046000" cy="3976920"/>
           </a:xfrm>
           <a:prstGeom prst="rect">
             <a:avLst/>
@@ -5012,11 +4940,6 @@
         <p:txBody>
           <a:bodyPr bIns="0" lIns="0" rIns="0" tIns="0" wrap="none"/>
           <a:p>
-            <a:pPr>
-              <a:buSzPct val="45000"/>
-              <a:buFont typeface="StarSymbol"/>
-              <a:buChar char=""/>
-            </a:pPr>
             <a:r>
               <a:rPr lang="en-US"/>
               <a:t>Click to edit the outline text format</a:t>
@@ -5143,7 +5066,7 @@
       </p:grpSpPr>
       <p:sp>
         <p:nvSpPr>
-          <p:cNvPr id="37" name="PlaceHolder 1"/>
+          <p:cNvPr id="34" name="PlaceHolder 1"/>
           <p:cNvSpPr>
             <a:spLocks noGrp="1"/>
           </p:cNvSpPr>
@@ -5153,37 +5076,28 @@
         </p:nvSpPr>
         <p:spPr>
           <a:xfrm>
-            <a:off x="457200" y="274680"/>
-            <a:ext cx="8229240" cy="1142640"/>
-          </a:xfrm>
-          <a:prstGeom prst="rect">
-            <a:avLst/>
-          </a:prstGeom>
-        </p:spPr>
-        <p:txBody>
-          <a:bodyPr anchor="ctr"/>
-          <a:p>
-            <a:pPr algn="ctr">
-              <a:lnSpc>
-                <a:spcPct val="100000"/>
-              </a:lnSpc>
-            </a:pPr>
-            <a:r>
-              <a:rPr lang="en-US" sz="4400">
-                <a:solidFill>
-                  <a:srgbClr val="000000"/>
-                </a:solidFill>
-                <a:latin typeface="Calibri"/>
-              </a:rPr>
-              <a:t>Click to edit the title text formatClick to edit Master title style</a:t>
-            </a:r>
-            <a:endParaRPr/>
-          </a:p>
-        </p:txBody>
-      </p:sp>
-      <p:sp>
-        <p:nvSpPr>
-          <p:cNvPr id="38" name="PlaceHolder 2"/>
+            <a:off x="457200" y="273600"/>
+            <a:ext cx="8229240" cy="1144800"/>
+          </a:xfrm>
+          <a:prstGeom prst="rect">
+            <a:avLst/>
+          </a:prstGeom>
+        </p:spPr>
+        <p:txBody>
+          <a:bodyPr anchor="ctr" bIns="0" lIns="0" rIns="0" tIns="0" wrap="none"/>
+          <a:p>
+            <a:pPr algn="ctr"/>
+            <a:r>
+              <a:rPr lang="en-US"/>
+              <a:t>Click to edit the title text format</a:t>
+            </a:r>
+            <a:endParaRPr/>
+          </a:p>
+        </p:txBody>
+      </p:sp>
+      <p:sp>
+        <p:nvSpPr>
+          <p:cNvPr id="35" name="PlaceHolder 2"/>
           <p:cNvSpPr>
             <a:spLocks noGrp="1"/>
           </p:cNvSpPr>
@@ -5193,15 +5107,15 @@
         </p:nvSpPr>
         <p:spPr>
           <a:xfrm>
-            <a:off x="457200" y="1600200"/>
-            <a:ext cx="8229240" cy="4525560"/>
-          </a:xfrm>
-          <a:prstGeom prst="rect">
-            <a:avLst/>
-          </a:prstGeom>
-        </p:spPr>
-        <p:txBody>
-          <a:bodyPr/>
+            <a:off x="457200" y="1604520"/>
+            <a:ext cx="8046360" cy="3977280"/>
+          </a:xfrm>
+          <a:prstGeom prst="rect">
+            <a:avLst/>
+          </a:prstGeom>
+        </p:spPr>
+        <p:txBody>
+          <a:bodyPr bIns="0" lIns="0" rIns="0" tIns="0" wrap="none"/>
           <a:p>
             <a:pPr>
               <a:buSzPct val="45000"/>
@@ -5209,12 +5123,7 @@
               <a:buChar char=""/>
             </a:pPr>
             <a:r>
-              <a:rPr lang="en-US" sz="3200">
-                <a:solidFill>
-                  <a:srgbClr val="000000"/>
-                </a:solidFill>
-                <a:latin typeface="Calibri"/>
-              </a:rPr>
+              <a:rPr lang="en-US"/>
               <a:t>Click to edit the outline text format</a:t>
             </a:r>
             <a:endParaRPr/>
@@ -5226,12 +5135,7 @@
               <a:buChar char=""/>
             </a:pPr>
             <a:r>
-              <a:rPr lang="en-US" sz="3200">
-                <a:solidFill>
-                  <a:srgbClr val="000000"/>
-                </a:solidFill>
-                <a:latin typeface="Calibri"/>
-              </a:rPr>
+              <a:rPr lang="en-US"/>
               <a:t>Second Outline Level</a:t>
             </a:r>
             <a:endParaRPr/>
@@ -5243,12 +5147,7 @@
               <a:buChar char=""/>
             </a:pPr>
             <a:r>
-              <a:rPr lang="en-US" sz="3200">
-                <a:solidFill>
-                  <a:srgbClr val="000000"/>
-                </a:solidFill>
-                <a:latin typeface="Calibri"/>
-              </a:rPr>
+              <a:rPr lang="en-US"/>
               <a:t>Third Outline Level</a:t>
             </a:r>
             <a:endParaRPr/>
@@ -5260,12 +5159,7 @@
               <a:buChar char=""/>
             </a:pPr>
             <a:r>
-              <a:rPr lang="en-US" sz="3200">
-                <a:solidFill>
-                  <a:srgbClr val="000000"/>
-                </a:solidFill>
-                <a:latin typeface="Calibri"/>
-              </a:rPr>
+              <a:rPr lang="en-US"/>
               <a:t>Fourth Outline Level</a:t>
             </a:r>
             <a:endParaRPr/>
@@ -5277,12 +5171,7 @@
               <a:buChar char=""/>
             </a:pPr>
             <a:r>
-              <a:rPr lang="en-US" sz="3200">
-                <a:solidFill>
-                  <a:srgbClr val="000000"/>
-                </a:solidFill>
-                <a:latin typeface="Calibri"/>
-              </a:rPr>
+              <a:rPr lang="en-US"/>
               <a:t>Fifth Outline Level</a:t>
             </a:r>
             <a:endParaRPr/>
@@ -5294,206 +5183,21 @@
               <a:buChar char=""/>
             </a:pPr>
             <a:r>
-              <a:rPr lang="en-US" sz="3200">
-                <a:solidFill>
-                  <a:srgbClr val="000000"/>
-                </a:solidFill>
-                <a:latin typeface="Calibri"/>
-              </a:rPr>
+              <a:rPr lang="en-US"/>
               <a:t>Sixth Outline Level</a:t>
             </a:r>
             <a:endParaRPr/>
           </a:p>
           <a:p>
-            <a:pPr>
-              <a:lnSpc>
-                <a:spcPct val="100000"/>
-              </a:lnSpc>
-              <a:buFont typeface="Arial"/>
-              <a:buChar char="•"/>
-            </a:pPr>
-            <a:r>
-              <a:rPr lang="en-US" sz="3200">
-                <a:solidFill>
-                  <a:srgbClr val="000000"/>
-                </a:solidFill>
-                <a:latin typeface="Calibri"/>
-              </a:rPr>
-              <a:t>Seventh Outline LevelClick to edit Master text styles</a:t>
-            </a:r>
-            <a:endParaRPr/>
-          </a:p>
-          <a:p>
-            <a:pPr lvl="1">
-              <a:lnSpc>
-                <a:spcPct val="100000"/>
-              </a:lnSpc>
-              <a:buFont typeface="Arial"/>
-              <a:buChar char="–"/>
-            </a:pPr>
-            <a:r>
-              <a:rPr lang="en-US" sz="2800">
-                <a:solidFill>
-                  <a:srgbClr val="000000"/>
-                </a:solidFill>
-                <a:latin typeface="Calibri"/>
-              </a:rPr>
-              <a:t>Second level</a:t>
-            </a:r>
-            <a:endParaRPr/>
-          </a:p>
-          <a:p>
-            <a:pPr lvl="1">
-              <a:buFont typeface="Arial"/>
-              <a:buChar char="–"/>
-            </a:pPr>
-            <a:r>
-              <a:rPr lang="en-US" sz="2400">
-                <a:solidFill>
-                  <a:srgbClr val="000000"/>
-                </a:solidFill>
-                <a:latin typeface="Calibri"/>
-              </a:rPr>
-              <a:t>Third level</a:t>
-            </a:r>
-            <a:endParaRPr/>
-          </a:p>
-          <a:p>
-            <a:pPr lvl="2">
-              <a:buFont typeface="Arial"/>
-              <a:buChar char="•"/>
-            </a:pPr>
-            <a:r>
-              <a:rPr lang="en-US" sz="2000">
-                <a:solidFill>
-                  <a:srgbClr val="000000"/>
-                </a:solidFill>
-                <a:latin typeface="Calibri"/>
-              </a:rPr>
-              <a:t>Fourth level</a:t>
-            </a:r>
-            <a:endParaRPr/>
-          </a:p>
-          <a:p>
-            <a:pPr lvl="3">
-              <a:buFont typeface="Arial"/>
-              <a:buChar char="–"/>
-            </a:pPr>
-            <a:r>
-              <a:rPr lang="en-US" sz="2000">
-                <a:solidFill>
-                  <a:srgbClr val="000000"/>
-                </a:solidFill>
-                <a:latin typeface="Calibri"/>
-              </a:rPr>
-              <a:t>Fifth level</a:t>
-            </a:r>
-            <a:endParaRPr/>
-          </a:p>
-        </p:txBody>
-      </p:sp>
-      <p:sp>
-        <p:nvSpPr>
-          <p:cNvPr id="39" name="PlaceHolder 3"/>
-          <p:cNvSpPr>
-            <a:spLocks noGrp="1"/>
-          </p:cNvSpPr>
-          <p:nvPr>
-            <p:ph type="dt"/>
-          </p:nvPr>
-        </p:nvSpPr>
-        <p:spPr>
-          <a:xfrm>
-            <a:off x="0" y="0"/>
-            <a:ext cx="-11796840" cy="-11796840"/>
-          </a:xfrm>
-          <a:prstGeom prst="rect">
-            <a:avLst/>
-          </a:prstGeom>
-        </p:spPr>
-        <p:txBody>
-          <a:bodyPr bIns="45000" lIns="90000" rIns="90000" tIns="45000"/>
-          <a:p>
-            <a:pPr>
-              <a:lnSpc>
-                <a:spcPct val="100000"/>
-              </a:lnSpc>
-            </a:pPr>
-            <a:r>
-              <a:rPr lang="en-US">
-                <a:solidFill>
-                  <a:srgbClr val="000000"/>
-                </a:solidFill>
-                <a:latin typeface="Calibri"/>
-              </a:rPr>
-              <a:t>10/21/13</a:t>
-            </a:r>
-            <a:endParaRPr/>
-          </a:p>
-        </p:txBody>
-      </p:sp>
-      <p:sp>
-        <p:nvSpPr>
-          <p:cNvPr id="40" name="PlaceHolder 4"/>
-          <p:cNvSpPr>
-            <a:spLocks noGrp="1"/>
-          </p:cNvSpPr>
-          <p:nvPr>
-            <p:ph type="ftr"/>
-          </p:nvPr>
-        </p:nvSpPr>
-        <p:spPr>
-          <a:xfrm>
-            <a:off x="0" y="0"/>
-            <a:ext cx="-11796840" cy="-11796840"/>
-          </a:xfrm>
-          <a:prstGeom prst="rect">
-            <a:avLst/>
-          </a:prstGeom>
-        </p:spPr>
-        <p:txBody>
-          <a:bodyPr bIns="45000" lIns="90000" rIns="90000" tIns="45000"/>
-          <a:p>
-            <a:endParaRPr/>
-          </a:p>
-        </p:txBody>
-      </p:sp>
-      <p:sp>
-        <p:nvSpPr>
-          <p:cNvPr id="41" name="PlaceHolder 5"/>
-          <p:cNvSpPr>
-            <a:spLocks noGrp="1"/>
-          </p:cNvSpPr>
-          <p:nvPr>
-            <p:ph type="sldNum"/>
-          </p:nvPr>
-        </p:nvSpPr>
-        <p:spPr>
-          <a:xfrm>
-            <a:off x="0" y="0"/>
-            <a:ext cx="-11796840" cy="-11796840"/>
-          </a:xfrm>
-          <a:prstGeom prst="rect">
-            <a:avLst/>
-          </a:prstGeom>
-        </p:spPr>
-        <p:txBody>
-          <a:bodyPr bIns="45000" lIns="90000" rIns="90000" tIns="45000"/>
-          <a:p>
-            <a:pPr>
-              <a:lnSpc>
-                <a:spcPct val="100000"/>
-              </a:lnSpc>
-            </a:pPr>
-            <a:fld id="{0131D1E1-C171-4181-A191-21B1A1E1C101}" type="slidenum">
-              <a:rPr lang="en-US">
-                <a:solidFill>
-                  <a:srgbClr val="000000"/>
-                </a:solidFill>
-                <a:latin typeface="Calibri"/>
-              </a:rPr>
-              <a:t>&lt;number&gt;</a:t>
-            </a:fld>
+            <a:pPr lvl="6">
+              <a:buSzPct val="45000"/>
+              <a:buFont typeface="StarSymbol"/>
+              <a:buChar char=""/>
+            </a:pPr>
+            <a:r>
+              <a:rPr lang="en-US"/>
+              <a:t>Seventh Outline Level</a:t>
+            </a:r>
             <a:endParaRPr/>
           </a:p>
         </p:txBody>
@@ -5544,7 +5248,7 @@
       </p:grpSpPr>
       <p:sp>
         <p:nvSpPr>
-          <p:cNvPr id="74" name="PlaceHolder 1"/>
+          <p:cNvPr id="68" name="PlaceHolder 1"/>
           <p:cNvSpPr>
             <a:spLocks noGrp="1"/>
           </p:cNvSpPr>
@@ -5554,15 +5258,15 @@
         </p:nvSpPr>
         <p:spPr>
           <a:xfrm>
-            <a:off x="457200" y="274680"/>
-            <a:ext cx="8229240" cy="1142640"/>
-          </a:xfrm>
-          <a:prstGeom prst="rect">
-            <a:avLst/>
-          </a:prstGeom>
-        </p:spPr>
-        <p:txBody>
-          <a:bodyPr anchor="ctr"/>
+            <a:off x="457200" y="273600"/>
+            <a:ext cx="8228880" cy="1144800"/>
+          </a:xfrm>
+          <a:prstGeom prst="rect">
+            <a:avLst/>
+          </a:prstGeom>
+        </p:spPr>
+        <p:txBody>
+          <a:bodyPr anchor="ctr" bIns="0" lIns="0" rIns="0" tIns="0" wrap="none"/>
           <a:p>
             <a:pPr algn="ctr">
               <a:lnSpc>
@@ -5570,21 +5274,16 @@
               </a:lnSpc>
             </a:pPr>
             <a:r>
-              <a:rPr lang="en-US" sz="4400">
-                <a:solidFill>
-                  <a:srgbClr val="000000"/>
-                </a:solidFill>
-                <a:latin typeface="Calibri"/>
-              </a:rPr>
-              <a:t>Click to edit the title text formatClick to edit Master title style</a:t>
-            </a:r>
-            <a:endParaRPr/>
-          </a:p>
-        </p:txBody>
-      </p:sp>
-      <p:sp>
-        <p:nvSpPr>
-          <p:cNvPr id="75" name="PlaceHolder 2"/>
+              <a:rPr lang="en-US"/>
+              <a:t>Click to edit the title text format</a:t>
+            </a:r>
+            <a:endParaRPr/>
+          </a:p>
+        </p:txBody>
+      </p:sp>
+      <p:sp>
+        <p:nvSpPr>
+          <p:cNvPr id="69" name="PlaceHolder 2"/>
           <p:cNvSpPr>
             <a:spLocks noGrp="1"/>
           </p:cNvSpPr>
@@ -5594,28 +5293,18 @@
         </p:nvSpPr>
         <p:spPr>
           <a:xfrm>
-            <a:off x="457200" y="1600200"/>
-            <a:ext cx="4038120" cy="4525560"/>
-          </a:xfrm>
-          <a:prstGeom prst="rect">
-            <a:avLst/>
-          </a:prstGeom>
-        </p:spPr>
-        <p:txBody>
-          <a:bodyPr/>
-          <a:p>
-            <a:pPr>
-              <a:buSzPct val="45000"/>
-              <a:buFont typeface="StarSymbol"/>
-              <a:buChar char=""/>
-            </a:pPr>
-            <a:r>
-              <a:rPr lang="en-US" sz="2800">
-                <a:solidFill>
-                  <a:srgbClr val="000000"/>
-                </a:solidFill>
-                <a:latin typeface="Calibri"/>
-              </a:rPr>
+            <a:off x="457200" y="1604520"/>
+            <a:ext cx="3925800" cy="3976920"/>
+          </a:xfrm>
+          <a:prstGeom prst="rect">
+            <a:avLst/>
+          </a:prstGeom>
+        </p:spPr>
+        <p:txBody>
+          <a:bodyPr anchor="ctr" bIns="0" lIns="0" rIns="0" tIns="0" wrap="none"/>
+          <a:p>
+            <a:r>
+              <a:rPr lang="en-US"/>
               <a:t>Click to edit the outline text format</a:t>
             </a:r>
             <a:endParaRPr/>
@@ -5627,12 +5316,7 @@
               <a:buChar char=""/>
             </a:pPr>
             <a:r>
-              <a:rPr lang="en-US" sz="2800">
-                <a:solidFill>
-                  <a:srgbClr val="000000"/>
-                </a:solidFill>
-                <a:latin typeface="Calibri"/>
-              </a:rPr>
+              <a:rPr lang="en-US"/>
               <a:t>Second Outline Level</a:t>
             </a:r>
             <a:endParaRPr/>
@@ -5644,12 +5328,7 @@
               <a:buChar char=""/>
             </a:pPr>
             <a:r>
-              <a:rPr lang="en-US" sz="2800">
-                <a:solidFill>
-                  <a:srgbClr val="000000"/>
-                </a:solidFill>
-                <a:latin typeface="Calibri"/>
-              </a:rPr>
+              <a:rPr lang="en-US"/>
               <a:t>Third Outline Level</a:t>
             </a:r>
             <a:endParaRPr/>
@@ -5661,12 +5340,7 @@
               <a:buChar char=""/>
             </a:pPr>
             <a:r>
-              <a:rPr lang="en-US" sz="2800">
-                <a:solidFill>
-                  <a:srgbClr val="000000"/>
-                </a:solidFill>
-                <a:latin typeface="Calibri"/>
-              </a:rPr>
+              <a:rPr lang="en-US"/>
               <a:t>Fourth Outline Level</a:t>
             </a:r>
             <a:endParaRPr/>
@@ -5678,12 +5352,7 @@
               <a:buChar char=""/>
             </a:pPr>
             <a:r>
-              <a:rPr lang="en-US" sz="2800">
-                <a:solidFill>
-                  <a:srgbClr val="000000"/>
-                </a:solidFill>
-                <a:latin typeface="Calibri"/>
-              </a:rPr>
+              <a:rPr lang="en-US"/>
               <a:t>Fifth Outline Level</a:t>
             </a:r>
             <a:endParaRPr/>
@@ -5695,138 +5364,49 @@
               <a:buChar char=""/>
             </a:pPr>
             <a:r>
-              <a:rPr lang="en-US" sz="2800">
-                <a:solidFill>
-                  <a:srgbClr val="000000"/>
-                </a:solidFill>
-                <a:latin typeface="Calibri"/>
-              </a:rPr>
+              <a:rPr lang="en-US"/>
               <a:t>Sixth Outline Level</a:t>
             </a:r>
             <a:endParaRPr/>
           </a:p>
           <a:p>
-            <a:pPr>
-              <a:lnSpc>
-                <a:spcPct val="100000"/>
-              </a:lnSpc>
-              <a:buFont typeface="Arial"/>
-              <a:buChar char="•"/>
-            </a:pPr>
-            <a:r>
-              <a:rPr lang="en-US" sz="2800">
-                <a:solidFill>
-                  <a:srgbClr val="000000"/>
-                </a:solidFill>
-                <a:latin typeface="Calibri"/>
-              </a:rPr>
-              <a:t>Seventh Outline LevelClick to edit Master text styles</a:t>
-            </a:r>
-            <a:endParaRPr/>
-          </a:p>
-          <a:p>
-            <a:pPr lvl="1">
-              <a:lnSpc>
-                <a:spcPct val="100000"/>
-              </a:lnSpc>
-              <a:buFont typeface="Arial"/>
-              <a:buChar char="–"/>
-            </a:pPr>
-            <a:r>
-              <a:rPr lang="en-US" sz="2400">
-                <a:solidFill>
-                  <a:srgbClr val="000000"/>
-                </a:solidFill>
-                <a:latin typeface="Calibri"/>
-              </a:rPr>
-              <a:t>Second level</a:t>
-            </a:r>
-            <a:endParaRPr/>
-          </a:p>
-          <a:p>
-            <a:pPr lvl="1">
-              <a:buFont typeface="Arial"/>
-              <a:buChar char="–"/>
-            </a:pPr>
-            <a:r>
-              <a:rPr lang="en-US" sz="2000">
-                <a:solidFill>
-                  <a:srgbClr val="000000"/>
-                </a:solidFill>
-                <a:latin typeface="Calibri"/>
-              </a:rPr>
-              <a:t>Third level</a:t>
-            </a:r>
-            <a:endParaRPr/>
-          </a:p>
-          <a:p>
-            <a:pPr lvl="2">
-              <a:buFont typeface="Arial"/>
-              <a:buChar char="•"/>
-            </a:pPr>
-            <a:r>
-              <a:rPr lang="en-US">
-                <a:solidFill>
-                  <a:srgbClr val="000000"/>
-                </a:solidFill>
-                <a:latin typeface="Calibri"/>
-              </a:rPr>
-              <a:t>Fourth level</a:t>
-            </a:r>
-            <a:endParaRPr/>
-          </a:p>
-          <a:p>
-            <a:pPr lvl="3">
-              <a:buFont typeface="Arial"/>
-              <a:buChar char="–"/>
-            </a:pPr>
-            <a:r>
-              <a:rPr lang="en-US">
-                <a:solidFill>
-                  <a:srgbClr val="000000"/>
-                </a:solidFill>
-                <a:latin typeface="Calibri"/>
-              </a:rPr>
-              <a:t>Fifth level</a:t>
-            </a:r>
-            <a:endParaRPr/>
-          </a:p>
-        </p:txBody>
-      </p:sp>
-      <p:sp>
-        <p:nvSpPr>
-          <p:cNvPr id="76" name="PlaceHolder 3"/>
-          <p:cNvSpPr>
-            <a:spLocks noGrp="1"/>
-          </p:cNvSpPr>
-          <p:nvPr>
-            <p:ph type="body"/>
-          </p:nvPr>
-        </p:nvSpPr>
-        <p:spPr>
-          <a:xfrm>
-            <a:off x="4648320" y="1600200"/>
-            <a:ext cx="4038120" cy="4525560"/>
-          </a:xfrm>
-          <a:prstGeom prst="rect">
-            <a:avLst/>
-          </a:prstGeom>
-        </p:spPr>
-        <p:txBody>
-          <a:bodyPr anchor="ctr"/>
-          <a:p>
-            <a:pPr>
+            <a:pPr lvl="6">
               <a:buSzPct val="45000"/>
               <a:buFont typeface="StarSymbol"/>
               <a:buChar char=""/>
             </a:pPr>
             <a:r>
-              <a:rPr lang="en-US" sz="2800">
-                <a:solidFill>
-                  <a:srgbClr val="8b8b8b"/>
-                </a:solidFill>
-                <a:latin typeface="Calibri"/>
-              </a:rPr>
+              <a:rPr lang="en-US"/>
+              <a:t>Seventh Outline Level</a:t>
+            </a:r>
+            <a:endParaRPr/>
+          </a:p>
+        </p:txBody>
+      </p:sp>
+      <p:sp>
+        <p:nvSpPr>
+          <p:cNvPr id="70" name="PlaceHolder 3"/>
+          <p:cNvSpPr>
+            <a:spLocks noGrp="1"/>
+          </p:cNvSpPr>
+          <p:nvPr>
+            <p:ph type="body"/>
+          </p:nvPr>
+        </p:nvSpPr>
+        <p:spPr>
+          <a:xfrm>
+            <a:off x="4579920" y="1604520"/>
+            <a:ext cx="3925800" cy="3976920"/>
+          </a:xfrm>
+          <a:prstGeom prst="rect">
+            <a:avLst/>
+          </a:prstGeom>
+        </p:spPr>
+        <p:txBody>
+          <a:bodyPr anchor="ctr" bIns="0" lIns="0" rIns="0" tIns="0" wrap="none"/>
+          <a:p>
+            <a:r>
+              <a:rPr lang="en-US"/>
               <a:t>Click to edit the outline text format</a:t>
             </a:r>
             <a:endParaRPr/>
@@ -5838,12 +5418,7 @@
               <a:buChar char=""/>
             </a:pPr>
             <a:r>
-              <a:rPr lang="en-US" sz="2800">
-                <a:solidFill>
-                  <a:srgbClr val="8b8b8b"/>
-                </a:solidFill>
-                <a:latin typeface="Calibri"/>
-              </a:rPr>
+              <a:rPr lang="en-US"/>
               <a:t>Second Outline Level</a:t>
             </a:r>
             <a:endParaRPr/>
@@ -5855,12 +5430,7 @@
               <a:buChar char=""/>
             </a:pPr>
             <a:r>
-              <a:rPr lang="en-US" sz="2800">
-                <a:solidFill>
-                  <a:srgbClr val="8b8b8b"/>
-                </a:solidFill>
-                <a:latin typeface="Calibri"/>
-              </a:rPr>
+              <a:rPr lang="en-US"/>
               <a:t>Third Outline Level</a:t>
             </a:r>
             <a:endParaRPr/>
@@ -5872,12 +5442,7 @@
               <a:buChar char=""/>
             </a:pPr>
             <a:r>
-              <a:rPr lang="en-US" sz="2800">
-                <a:solidFill>
-                  <a:srgbClr val="8b8b8b"/>
-                </a:solidFill>
-                <a:latin typeface="Calibri"/>
-              </a:rPr>
+              <a:rPr lang="en-US"/>
               <a:t>Fourth Outline Level</a:t>
             </a:r>
             <a:endParaRPr/>
@@ -5889,12 +5454,7 @@
               <a:buChar char=""/>
             </a:pPr>
             <a:r>
-              <a:rPr lang="en-US" sz="2800">
-                <a:solidFill>
-                  <a:srgbClr val="8b8b8b"/>
-                </a:solidFill>
-                <a:latin typeface="Calibri"/>
-              </a:rPr>
+              <a:rPr lang="en-US"/>
               <a:t>Fifth Outline Level</a:t>
             </a:r>
             <a:endParaRPr/>
@@ -5906,206 +5466,21 @@
               <a:buChar char=""/>
             </a:pPr>
             <a:r>
-              <a:rPr lang="en-US" sz="2800">
-                <a:solidFill>
-                  <a:srgbClr val="8b8b8b"/>
-                </a:solidFill>
-                <a:latin typeface="Calibri"/>
-              </a:rPr>
+              <a:rPr lang="en-US"/>
               <a:t>Sixth Outline Level</a:t>
             </a:r>
             <a:endParaRPr/>
           </a:p>
           <a:p>
-            <a:pPr>
-              <a:lnSpc>
-                <a:spcPct val="100000"/>
-              </a:lnSpc>
-              <a:buFont typeface="Arial"/>
-              <a:buChar char="•"/>
-            </a:pPr>
-            <a:r>
-              <a:rPr lang="en-US" sz="2800">
-                <a:solidFill>
-                  <a:srgbClr val="8b8b8b"/>
-                </a:solidFill>
-                <a:latin typeface="Calibri"/>
-              </a:rPr>
-              <a:t>Seventh Outline LevelClick to edit Master text styles</a:t>
-            </a:r>
-            <a:endParaRPr/>
-          </a:p>
-          <a:p>
-            <a:pPr lvl="1">
-              <a:lnSpc>
-                <a:spcPct val="100000"/>
-              </a:lnSpc>
-              <a:buFont typeface="Arial"/>
-              <a:buChar char="–"/>
-            </a:pPr>
-            <a:r>
-              <a:rPr lang="en-US" sz="2400">
-                <a:solidFill>
-                  <a:srgbClr val="000000"/>
-                </a:solidFill>
-                <a:latin typeface="Calibri"/>
-              </a:rPr>
-              <a:t>Second level</a:t>
-            </a:r>
-            <a:endParaRPr/>
-          </a:p>
-          <a:p>
-            <a:pPr lvl="1">
-              <a:buFont typeface="Arial"/>
-              <a:buChar char="–"/>
-            </a:pPr>
-            <a:r>
-              <a:rPr lang="en-US" sz="2000">
-                <a:solidFill>
-                  <a:srgbClr val="000000"/>
-                </a:solidFill>
-                <a:latin typeface="Calibri"/>
-              </a:rPr>
-              <a:t>Third level</a:t>
-            </a:r>
-            <a:endParaRPr/>
-          </a:p>
-          <a:p>
-            <a:pPr lvl="2">
-              <a:buFont typeface="Arial"/>
-              <a:buChar char="•"/>
-            </a:pPr>
-            <a:r>
-              <a:rPr lang="en-US">
-                <a:solidFill>
-                  <a:srgbClr val="000000"/>
-                </a:solidFill>
-                <a:latin typeface="Calibri"/>
-              </a:rPr>
-              <a:t>Fourth level</a:t>
-            </a:r>
-            <a:endParaRPr/>
-          </a:p>
-          <a:p>
-            <a:pPr lvl="3">
-              <a:buFont typeface="Arial"/>
-              <a:buChar char="–"/>
-            </a:pPr>
-            <a:r>
-              <a:rPr lang="en-US">
-                <a:solidFill>
-                  <a:srgbClr val="000000"/>
-                </a:solidFill>
-                <a:latin typeface="Calibri"/>
-              </a:rPr>
-              <a:t>Fifth level</a:t>
-            </a:r>
-            <a:endParaRPr/>
-          </a:p>
-        </p:txBody>
-      </p:sp>
-      <p:sp>
-        <p:nvSpPr>
-          <p:cNvPr id="77" name="PlaceHolder 4"/>
-          <p:cNvSpPr>
-            <a:spLocks noGrp="1"/>
-          </p:cNvSpPr>
-          <p:nvPr>
-            <p:ph type="dt"/>
-          </p:nvPr>
-        </p:nvSpPr>
-        <p:spPr>
-          <a:xfrm>
-            <a:off x="0" y="0"/>
-            <a:ext cx="-11796840" cy="-11796840"/>
-          </a:xfrm>
-          <a:prstGeom prst="rect">
-            <a:avLst/>
-          </a:prstGeom>
-        </p:spPr>
-        <p:txBody>
-          <a:bodyPr bIns="45000" lIns="90000" rIns="90000" tIns="45000"/>
-          <a:p>
-            <a:pPr>
-              <a:lnSpc>
-                <a:spcPct val="100000"/>
-              </a:lnSpc>
-            </a:pPr>
-            <a:r>
-              <a:rPr lang="en-US">
-                <a:solidFill>
-                  <a:srgbClr val="000000"/>
-                </a:solidFill>
-                <a:latin typeface="Calibri"/>
-              </a:rPr>
-              <a:t>10/21/13</a:t>
-            </a:r>
-            <a:endParaRPr/>
-          </a:p>
-        </p:txBody>
-      </p:sp>
-      <p:sp>
-        <p:nvSpPr>
-          <p:cNvPr id="78" name="PlaceHolder 5"/>
-          <p:cNvSpPr>
-            <a:spLocks noGrp="1"/>
-          </p:cNvSpPr>
-          <p:nvPr>
-            <p:ph type="ftr"/>
-          </p:nvPr>
-        </p:nvSpPr>
-        <p:spPr>
-          <a:xfrm>
-            <a:off x="0" y="0"/>
-            <a:ext cx="-11796840" cy="-11796840"/>
-          </a:xfrm>
-          <a:prstGeom prst="rect">
-            <a:avLst/>
-          </a:prstGeom>
-        </p:spPr>
-        <p:txBody>
-          <a:bodyPr bIns="45000" lIns="90000" rIns="90000" tIns="45000"/>
-          <a:p>
-            <a:endParaRPr/>
-          </a:p>
-        </p:txBody>
-      </p:sp>
-      <p:sp>
-        <p:nvSpPr>
-          <p:cNvPr id="79" name="PlaceHolder 6"/>
-          <p:cNvSpPr>
-            <a:spLocks noGrp="1"/>
-          </p:cNvSpPr>
-          <p:nvPr>
-            <p:ph type="sldNum"/>
-          </p:nvPr>
-        </p:nvSpPr>
-        <p:spPr>
-          <a:xfrm>
-            <a:off x="0" y="0"/>
-            <a:ext cx="-11796840" cy="-11796840"/>
-          </a:xfrm>
-          <a:prstGeom prst="rect">
-            <a:avLst/>
-          </a:prstGeom>
-        </p:spPr>
-        <p:txBody>
-          <a:bodyPr bIns="45000" lIns="90000" rIns="90000" tIns="45000"/>
-          <a:p>
-            <a:pPr>
-              <a:lnSpc>
-                <a:spcPct val="100000"/>
-              </a:lnSpc>
-            </a:pPr>
-            <a:fld id="{7131C1C1-D171-4151-B1E1-91F101B1A111}" type="slidenum">
-              <a:rPr lang="en-US">
-                <a:solidFill>
-                  <a:srgbClr val="000000"/>
-                </a:solidFill>
-                <a:latin typeface="Calibri"/>
-              </a:rPr>
-              <a:t>&lt;number&gt;</a:t>
-            </a:fld>
+            <a:pPr lvl="6">
+              <a:buSzPct val="45000"/>
+              <a:buFont typeface="StarSymbol"/>
+              <a:buChar char=""/>
+            </a:pPr>
+            <a:r>
+              <a:rPr lang="en-US"/>
+              <a:t>Seventh Outline Level</a:t>
+            </a:r>
             <a:endParaRPr/>
           </a:p>
         </p:txBody>
@@ -6156,7 +5531,7 @@
       </p:grpSpPr>
       <p:sp>
         <p:nvSpPr>
-          <p:cNvPr id="112" name="PlaceHolder 1"/>
+          <p:cNvPr id="103" name="PlaceHolder 1"/>
           <p:cNvSpPr>
             <a:spLocks noGrp="1"/>
           </p:cNvSpPr>
@@ -6166,15 +5541,15 @@
         </p:nvSpPr>
         <p:spPr>
           <a:xfrm>
-            <a:off x="457200" y="274680"/>
-            <a:ext cx="8229240" cy="1142640"/>
-          </a:xfrm>
-          <a:prstGeom prst="rect">
-            <a:avLst/>
-          </a:prstGeom>
-        </p:spPr>
-        <p:txBody>
-          <a:bodyPr anchor="ctr"/>
+            <a:off x="457200" y="273600"/>
+            <a:ext cx="8228880" cy="1144800"/>
+          </a:xfrm>
+          <a:prstGeom prst="rect">
+            <a:avLst/>
+          </a:prstGeom>
+        </p:spPr>
+        <p:txBody>
+          <a:bodyPr anchor="ctr" bIns="0" lIns="0" rIns="0" tIns="0" wrap="none"/>
           <a:p>
             <a:pPr algn="ctr">
               <a:lnSpc>
@@ -6182,127 +5557,16 @@
               </a:lnSpc>
             </a:pPr>
             <a:r>
-              <a:rPr lang="en-US" sz="4400">
-                <a:solidFill>
-                  <a:srgbClr val="000000"/>
-                </a:solidFill>
-                <a:latin typeface="Calibri"/>
-              </a:rPr>
-              <a:t>Click to edit the title text formatClick to edit Master title style</a:t>
-            </a:r>
-            <a:endParaRPr/>
-          </a:p>
-        </p:txBody>
-      </p:sp>
-      <p:sp>
-        <p:nvSpPr>
-          <p:cNvPr id="113" name="PlaceHolder 2"/>
-          <p:cNvSpPr>
-            <a:spLocks noGrp="1"/>
-          </p:cNvSpPr>
-          <p:nvPr>
-            <p:ph type="dt"/>
-          </p:nvPr>
-        </p:nvSpPr>
-        <p:spPr>
-          <a:xfrm>
-            <a:off x="0" y="0"/>
-            <a:ext cx="-11796840" cy="-11796840"/>
-          </a:xfrm>
-          <a:prstGeom prst="rect">
-            <a:avLst/>
-          </a:prstGeom>
-        </p:spPr>
-        <p:txBody>
-          <a:bodyPr bIns="45000" lIns="90000" rIns="90000" tIns="45000"/>
-          <a:p>
-            <a:pPr>
-              <a:lnSpc>
-                <a:spcPct val="100000"/>
-              </a:lnSpc>
-            </a:pPr>
-            <a:r>
-              <a:rPr lang="en-US">
-                <a:solidFill>
-                  <a:srgbClr val="000000"/>
-                </a:solidFill>
-                <a:latin typeface="Calibri"/>
-              </a:rPr>
-              <a:t>10/21/13</a:t>
-            </a:r>
-            <a:endParaRPr/>
-          </a:p>
-        </p:txBody>
-      </p:sp>
-      <p:sp>
-        <p:nvSpPr>
-          <p:cNvPr id="114" name="PlaceHolder 3"/>
-          <p:cNvSpPr>
-            <a:spLocks noGrp="1"/>
-          </p:cNvSpPr>
-          <p:nvPr>
-            <p:ph type="ftr"/>
-          </p:nvPr>
-        </p:nvSpPr>
-        <p:spPr>
-          <a:xfrm>
-            <a:off x="0" y="0"/>
-            <a:ext cx="-11796840" cy="-11796840"/>
-          </a:xfrm>
-          <a:prstGeom prst="rect">
-            <a:avLst/>
-          </a:prstGeom>
-        </p:spPr>
-        <p:txBody>
-          <a:bodyPr bIns="45000" lIns="90000" rIns="90000" tIns="45000"/>
-          <a:p>
-            <a:endParaRPr/>
-          </a:p>
-        </p:txBody>
-      </p:sp>
-      <p:sp>
-        <p:nvSpPr>
-          <p:cNvPr id="115" name="PlaceHolder 4"/>
-          <p:cNvSpPr>
-            <a:spLocks noGrp="1"/>
-          </p:cNvSpPr>
-          <p:nvPr>
-            <p:ph type="sldNum"/>
-          </p:nvPr>
-        </p:nvSpPr>
-        <p:spPr>
-          <a:xfrm>
-            <a:off x="0" y="0"/>
-            <a:ext cx="-11796840" cy="-11796840"/>
-          </a:xfrm>
-          <a:prstGeom prst="rect">
-            <a:avLst/>
-          </a:prstGeom>
-        </p:spPr>
-        <p:txBody>
-          <a:bodyPr bIns="45000" lIns="90000" rIns="90000" tIns="45000"/>
-          <a:p>
-            <a:pPr>
-              <a:lnSpc>
-                <a:spcPct val="100000"/>
-              </a:lnSpc>
-            </a:pPr>
-            <a:fld id="{21E18171-0171-41D1-A101-614111D1C141}" type="slidenum">
-              <a:rPr lang="en-US">
-                <a:solidFill>
-                  <a:srgbClr val="000000"/>
-                </a:solidFill>
-                <a:latin typeface="Calibri"/>
-              </a:rPr>
-              <a:t>&lt;number&gt;</a:t>
-            </a:fld>
-            <a:endParaRPr/>
-          </a:p>
-        </p:txBody>
-      </p:sp>
-      <p:sp>
-        <p:nvSpPr>
-          <p:cNvPr id="116" name="PlaceHolder 5"/>
+              <a:rPr lang="en-US"/>
+              <a:t>Click to edit the title text format</a:t>
+            </a:r>
+            <a:endParaRPr/>
+          </a:p>
+        </p:txBody>
+      </p:sp>
+      <p:sp>
+        <p:nvSpPr>
+          <p:cNvPr id="104" name="PlaceHolder 2"/>
           <p:cNvSpPr>
             <a:spLocks noGrp="1"/>
           </p:cNvSpPr>
@@ -6446,21 +5710,21 @@
       </p:grpSpPr>
       <p:sp>
         <p:nvSpPr>
-          <p:cNvPr id="154" name="TextShape 1"/>
-          <p:cNvSpPr txBox="1"/>
+          <p:cNvPr id="142" name="CustomShape 1"/>
+          <p:cNvSpPr/>
           <p:nvPr/>
         </p:nvSpPr>
         <p:spPr>
           <a:xfrm>
             <a:off x="685800" y="2130480"/>
-            <a:ext cx="7772040" cy="1469520"/>
-          </a:xfrm>
-          <a:prstGeom prst="rect">
-            <a:avLst/>
-          </a:prstGeom>
-        </p:spPr>
-        <p:txBody>
-          <a:bodyPr anchor="ctr"/>
+            <a:ext cx="7771320" cy="1468800"/>
+          </a:xfrm>
+          <a:prstGeom prst="rect">
+            <a:avLst/>
+          </a:prstGeom>
+        </p:spPr>
+        <p:txBody>
+          <a:bodyPr anchor="ctr" bIns="45000" lIns="90000" rIns="90000" tIns="45000"/>
           <a:p>
             <a:pPr algn="ctr">
               <a:lnSpc>
@@ -6482,26 +5746,19 @@
       </p:sp>
       <p:sp>
         <p:nvSpPr>
-          <p:cNvPr id="155" name="TextShape 2"/>
-          <p:cNvSpPr txBox="1"/>
+          <p:cNvPr id="143" name="CustomShape 2"/>
+          <p:cNvSpPr/>
           <p:nvPr/>
         </p:nvSpPr>
         <p:spPr>
           <a:xfrm>
             <a:off x="1371600" y="3886200"/>
-            <a:ext cx="6400440" cy="1752120"/>
-          </a:xfrm>
-          <a:prstGeom prst="rect">
-            <a:avLst/>
-          </a:prstGeom>
-        </p:spPr>
-        <p:txBody>
-          <a:bodyPr/>
-          <a:p>
-            <a:pPr algn="ctr"/>
-            <a:endParaRPr/>
-          </a:p>
-        </p:txBody>
+            <a:ext cx="6399720" cy="1751400"/>
+          </a:xfrm>
+          <a:prstGeom prst="rect">
+            <a:avLst/>
+          </a:prstGeom>
+        </p:spPr>
       </p:sp>
     </p:spTree>
   </p:cSld>
@@ -6527,21 +5784,21 @@
       </p:grpSpPr>
       <p:sp>
         <p:nvSpPr>
-          <p:cNvPr id="178" name="TextShape 1"/>
-          <p:cNvSpPr txBox="1"/>
+          <p:cNvPr id="166" name="CustomShape 1"/>
+          <p:cNvSpPr/>
           <p:nvPr/>
         </p:nvSpPr>
         <p:spPr>
           <a:xfrm>
             <a:off x="457200" y="274680"/>
-            <a:ext cx="8229240" cy="1142640"/>
-          </a:xfrm>
-          <a:prstGeom prst="rect">
-            <a:avLst/>
-          </a:prstGeom>
-        </p:spPr>
-        <p:txBody>
-          <a:bodyPr anchor="ctr"/>
+            <a:ext cx="8228520" cy="1141920"/>
+          </a:xfrm>
+          <a:prstGeom prst="rect">
+            <a:avLst/>
+          </a:prstGeom>
+        </p:spPr>
+        <p:txBody>
+          <a:bodyPr anchor="ctr" bIns="45000" lIns="90000" rIns="90000" tIns="45000"/>
           <a:p>
             <a:pPr algn="ctr">
               <a:lnSpc>
@@ -6555,7 +5812,7 @@
                 </a:solidFill>
                 <a:latin typeface="Calibri"/>
               </a:rPr>
-              <a:t>Galaxy data</a:t>
+              <a:t>Upload data using FTP</a:t>
             </a:r>
             <a:endParaRPr/>
           </a:p>
@@ -6563,7 +5820,7 @@
       </p:sp>
       <p:pic>
         <p:nvPicPr>
-          <p:cNvPr descr="" id="179" name="Content Placeholder 5"/>
+          <p:cNvPr descr="" id="167" name="Content Placeholder 3"/>
           <p:cNvPicPr/>
           <p:nvPr/>
         </p:nvPicPr>
@@ -6575,8 +5832,8 @@
         </p:blipFill>
         <p:spPr>
           <a:xfrm>
-            <a:off x="457200" y="1600200"/>
-            <a:ext cx="8229240" cy="4525560"/>
+            <a:off x="972000" y="1600200"/>
+            <a:ext cx="7198920" cy="4420080"/>
           </a:xfrm>
           <a:prstGeom prst="rect">
             <a:avLst/>
@@ -6607,21 +5864,21 @@
       </p:grpSpPr>
       <p:sp>
         <p:nvSpPr>
-          <p:cNvPr id="180" name="TextShape 1"/>
-          <p:cNvSpPr txBox="1"/>
+          <p:cNvPr id="168" name="CustomShape 1"/>
+          <p:cNvSpPr/>
           <p:nvPr/>
         </p:nvSpPr>
         <p:spPr>
           <a:xfrm>
             <a:off x="457200" y="274680"/>
-            <a:ext cx="8229240" cy="1142640"/>
-          </a:xfrm>
-          <a:prstGeom prst="rect">
-            <a:avLst/>
-          </a:prstGeom>
-        </p:spPr>
-        <p:txBody>
-          <a:bodyPr anchor="ctr"/>
+            <a:ext cx="8228520" cy="1141920"/>
+          </a:xfrm>
+          <a:prstGeom prst="rect">
+            <a:avLst/>
+          </a:prstGeom>
+        </p:spPr>
+        <p:txBody>
+          <a:bodyPr anchor="ctr" bIns="45000" lIns="90000" rIns="90000" tIns="45000"/>
           <a:p>
             <a:pPr algn="ctr">
               <a:lnSpc>
@@ -6635,7 +5892,7 @@
                 </a:solidFill>
                 <a:latin typeface="Calibri"/>
               </a:rPr>
-              <a:t>Upload data using FTP</a:t>
+              <a:t>Fetch data from a URL</a:t>
             </a:r>
             <a:endParaRPr/>
           </a:p>
@@ -6643,7 +5900,7 @@
       </p:sp>
       <p:pic>
         <p:nvPicPr>
-          <p:cNvPr descr="" id="181" name="Content Placeholder 3"/>
+          <p:cNvPr descr="" id="169" name="Picture 3"/>
           <p:cNvPicPr/>
           <p:nvPr/>
         </p:nvPicPr>
@@ -6655,8 +5912,8 @@
         </p:blipFill>
         <p:spPr>
           <a:xfrm>
-            <a:off x="972000" y="1600200"/>
-            <a:ext cx="7199640" cy="4420800"/>
+            <a:off x="972000" y="1523880"/>
+            <a:ext cx="7198920" cy="4609080"/>
           </a:xfrm>
           <a:prstGeom prst="rect">
             <a:avLst/>
@@ -6687,21 +5944,21 @@
       </p:grpSpPr>
       <p:sp>
         <p:nvSpPr>
-          <p:cNvPr id="182" name="TextShape 1"/>
-          <p:cNvSpPr txBox="1"/>
+          <p:cNvPr id="170" name="CustomShape 1"/>
+          <p:cNvSpPr/>
           <p:nvPr/>
         </p:nvSpPr>
         <p:spPr>
           <a:xfrm>
             <a:off x="457200" y="274680"/>
-            <a:ext cx="8229240" cy="1142640"/>
-          </a:xfrm>
-          <a:prstGeom prst="rect">
-            <a:avLst/>
-          </a:prstGeom>
-        </p:spPr>
-        <p:txBody>
-          <a:bodyPr anchor="ctr"/>
+            <a:ext cx="8228520" cy="1141920"/>
+          </a:xfrm>
+          <a:prstGeom prst="rect">
+            <a:avLst/>
+          </a:prstGeom>
+        </p:spPr>
+        <p:txBody>
+          <a:bodyPr anchor="ctr" bIns="45000" lIns="90000" rIns="90000" tIns="45000"/>
           <a:p>
             <a:pPr algn="ctr">
               <a:lnSpc>
@@ -6715,7 +5972,7 @@
                 </a:solidFill>
                 <a:latin typeface="Calibri"/>
               </a:rPr>
-              <a:t>Fetch data from a URL</a:t>
+              <a:t>Import from data library</a:t>
             </a:r>
             <a:endParaRPr/>
           </a:p>
@@ -6723,7 +5980,7 @@
       </p:sp>
       <p:pic>
         <p:nvPicPr>
-          <p:cNvPr descr="" id="183" name="Picture 3"/>
+          <p:cNvPr descr="" id="171" name="Content Placeholder 6"/>
           <p:cNvPicPr/>
           <p:nvPr/>
         </p:nvPicPr>
@@ -6735,8 +5992,8 @@
         </p:blipFill>
         <p:spPr>
           <a:xfrm>
-            <a:off x="972000" y="1523880"/>
-            <a:ext cx="7199640" cy="4609800"/>
+            <a:off x="972000" y="1905120"/>
+            <a:ext cx="7198920" cy="3471480"/>
           </a:xfrm>
           <a:prstGeom prst="rect">
             <a:avLst/>
@@ -6767,21 +6024,21 @@
       </p:grpSpPr>
       <p:sp>
         <p:nvSpPr>
-          <p:cNvPr id="184" name="TextShape 1"/>
-          <p:cNvSpPr txBox="1"/>
+          <p:cNvPr id="172" name="CustomShape 1"/>
+          <p:cNvSpPr/>
           <p:nvPr/>
         </p:nvSpPr>
         <p:spPr>
           <a:xfrm>
             <a:off x="457200" y="274680"/>
-            <a:ext cx="8229240" cy="1142640"/>
-          </a:xfrm>
-          <a:prstGeom prst="rect">
-            <a:avLst/>
-          </a:prstGeom>
-        </p:spPr>
-        <p:txBody>
-          <a:bodyPr anchor="ctr"/>
+            <a:ext cx="8228520" cy="1141920"/>
+          </a:xfrm>
+          <a:prstGeom prst="rect">
+            <a:avLst/>
+          </a:prstGeom>
+        </p:spPr>
+        <p:txBody>
+          <a:bodyPr anchor="ctr" bIns="45000" lIns="90000" rIns="90000" tIns="45000"/>
           <a:p>
             <a:pPr algn="ctr">
               <a:lnSpc>
@@ -6795,36 +6052,138 @@
                 </a:solidFill>
                 <a:latin typeface="Calibri"/>
               </a:rPr>
-              <a:t>Import from data library</a:t>
-            </a:r>
-            <a:endParaRPr/>
-          </a:p>
-        </p:txBody>
-      </p:sp>
-      <p:pic>
-        <p:nvPicPr>
-          <p:cNvPr descr="" id="185" name="Content Placeholder 6"/>
-          <p:cNvPicPr/>
+              <a:t>Fetch data from proxy service</a:t>
+            </a:r>
+            <a:endParaRPr/>
+          </a:p>
+        </p:txBody>
+      </p:sp>
+      <p:sp>
+        <p:nvSpPr>
+          <p:cNvPr id="173" name="CustomShape 2"/>
+          <p:cNvSpPr/>
           <p:nvPr/>
-        </p:nvPicPr>
-        <p:blipFill>
-          <a:blip r:embed="rId1"/>
-          <a:stretch>
-            <a:fillRect/>
-          </a:stretch>
-        </p:blipFill>
-        <p:spPr>
-          <a:xfrm>
-            <a:off x="972000" y="1905120"/>
-            <a:ext cx="7199640" cy="3472200"/>
-          </a:xfrm>
-          <a:prstGeom prst="rect">
-            <a:avLst/>
-          </a:prstGeom>
-        </p:spPr>
-      </p:pic>
+        </p:nvSpPr>
+        <p:spPr>
+          <a:xfrm>
+            <a:off x="612720" y="1600200"/>
+            <a:ext cx="7768440" cy="2208600"/>
+          </a:xfrm>
+          <a:prstGeom prst="rect">
+            <a:avLst/>
+          </a:prstGeom>
+        </p:spPr>
+        <p:txBody>
+          <a:bodyPr bIns="45000" lIns="90000" rIns="90000" tIns="45000"/>
+          <a:p>
+            <a:pPr>
+              <a:lnSpc>
+                <a:spcPct val="100000"/>
+              </a:lnSpc>
+              <a:buFont typeface="Arial"/>
+              <a:buChar char="•"/>
+            </a:pPr>
+            <a:r>
+              <a:rPr lang="en-US" sz="3200">
+                <a:solidFill>
+                  <a:srgbClr val="000000"/>
+                </a:solidFill>
+                <a:latin typeface="Calibri"/>
+              </a:rPr>
+              <a:t>User submits proxy request to Galaxy</a:t>
+            </a:r>
+            <a:endParaRPr/>
+          </a:p>
+          <a:p>
+            <a:pPr>
+              <a:lnSpc>
+                <a:spcPct val="100000"/>
+              </a:lnSpc>
+              <a:buFont typeface="Arial"/>
+              <a:buChar char="•"/>
+            </a:pPr>
+            <a:r>
+              <a:rPr lang="en-US" sz="3200">
+                <a:solidFill>
+                  <a:srgbClr val="000000"/>
+                </a:solidFill>
+                <a:latin typeface="Calibri"/>
+              </a:rPr>
+              <a:t>Galaxy forwards request to remote service</a:t>
+            </a:r>
+            <a:endParaRPr/>
+          </a:p>
+          <a:p>
+            <a:pPr>
+              <a:lnSpc>
+                <a:spcPct val="100000"/>
+              </a:lnSpc>
+              <a:buFont typeface="Arial"/>
+              <a:buChar char="•"/>
+            </a:pPr>
+            <a:r>
+              <a:rPr lang="en-US" sz="3200">
+                <a:solidFill>
+                  <a:srgbClr val="000000"/>
+                </a:solidFill>
+                <a:latin typeface="Calibri"/>
+              </a:rPr>
+              <a:t>Service returns data</a:t>
+            </a:r>
+            <a:endParaRPr/>
+          </a:p>
+          <a:p>
+            <a:pPr>
+              <a:lnSpc>
+                <a:spcPct val="100000"/>
+              </a:lnSpc>
+              <a:buFont typeface="Arial"/>
+              <a:buChar char="•"/>
+            </a:pPr>
+            <a:r>
+              <a:rPr lang="en-US" sz="3200">
+                <a:solidFill>
+                  <a:srgbClr val="000000"/>
+                </a:solidFill>
+                <a:latin typeface="Calibri"/>
+              </a:rPr>
+              <a:t>Galaxy infers data type and presents results</a:t>
+            </a:r>
+            <a:endParaRPr/>
+          </a:p>
+        </p:txBody>
+      </p:sp>
     </p:spTree>
   </p:cSld>
+  <p:timing>
+    <p:tnLst>
+      <p:par>
+        <p:cTn dur="indefinite" id="3" nodeType="tmRoot" restart="never">
+          <p:childTnLst>
+            <p:seq>
+              <p:cTn id="4" nodeType="mainSeq">
+                <p:childTnLst/>
+              </p:cTn>
+              <p:prevCondLst>
+                <p:cond delay="0" evt="onPrev">
+                  <p:tgtEl>
+                    <p:sldTgt/>
+                  </p:tgtEl>
+                </p:cond>
+              </p:prevCondLst>
+              <p:nextCondLst>
+                <p:cond delay="0" evt="onNext">
+                  <p:tgtEl>
+                    <p:sldTgt/>
+                  </p:tgtEl>
+                </p:cond>
+              </p:nextCondLst>
+            </p:seq>
+          </p:childTnLst>
+        </p:cTn>
+      </p:par>
+    </p:tnLst>
+  </p:timing>
 </p:sld>
 </file>
 
@@ -6847,21 +6206,21 @@
       </p:grpSpPr>
       <p:sp>
         <p:nvSpPr>
-          <p:cNvPr id="186" name="TextShape 1"/>
-          <p:cNvSpPr txBox="1"/>
+          <p:cNvPr id="174" name="CustomShape 1"/>
+          <p:cNvSpPr/>
           <p:nvPr/>
         </p:nvSpPr>
         <p:spPr>
           <a:xfrm>
             <a:off x="457200" y="274680"/>
-            <a:ext cx="8229240" cy="1142640"/>
-          </a:xfrm>
-          <a:prstGeom prst="rect">
-            <a:avLst/>
-          </a:prstGeom>
-        </p:spPr>
-        <p:txBody>
-          <a:bodyPr anchor="ctr"/>
+            <a:ext cx="8228520" cy="1141920"/>
+          </a:xfrm>
+          <a:prstGeom prst="rect">
+            <a:avLst/>
+          </a:prstGeom>
+        </p:spPr>
+        <p:txBody>
+          <a:bodyPr anchor="ctr" bIns="45000" lIns="90000" rIns="90000" tIns="45000"/>
           <a:p>
             <a:pPr algn="ctr">
               <a:lnSpc>
@@ -6875,102 +6234,43 @@
                 </a:solidFill>
                 <a:latin typeface="Calibri"/>
               </a:rPr>
-              <a:t>Fetch data from proxy service</a:t>
-            </a:r>
-            <a:endParaRPr/>
-          </a:p>
-        </p:txBody>
-      </p:sp>
-      <p:sp>
-        <p:nvSpPr>
-          <p:cNvPr id="187" name="TextShape 2"/>
-          <p:cNvSpPr txBox="1"/>
+              <a:t>Data sharing/publishing</a:t>
+            </a:r>
+            <a:endParaRPr/>
+          </a:p>
+        </p:txBody>
+      </p:sp>
+      <p:sp>
+        <p:nvSpPr>
+          <p:cNvPr id="175" name="CustomShape 2"/>
+          <p:cNvSpPr/>
           <p:nvPr/>
         </p:nvSpPr>
         <p:spPr>
           <a:xfrm>
-            <a:off x="612720" y="1600200"/>
-            <a:ext cx="7769160" cy="2209320"/>
-          </a:xfrm>
-          <a:prstGeom prst="rect">
-            <a:avLst/>
-          </a:prstGeom>
-        </p:spPr>
-        <p:txBody>
-          <a:bodyPr/>
+            <a:off x="990720" y="1386000"/>
+            <a:ext cx="2742120" cy="3591360"/>
+          </a:xfrm>
+          <a:prstGeom prst="rect">
+            <a:avLst/>
+          </a:prstGeom>
+        </p:spPr>
+        <p:txBody>
+          <a:bodyPr bIns="45000" lIns="90000" rIns="90000" tIns="45000"/>
           <a:p>
             <a:pPr>
               <a:lnSpc>
                 <a:spcPct val="100000"/>
               </a:lnSpc>
-              <a:buFont typeface="Arial"/>
-              <a:buChar char="•"/>
-            </a:pPr>
-            <a:r>
-              <a:rPr lang="en-US" sz="3200">
+            </a:pPr>
+            <a:r>
+              <a:rPr lang="en-US" sz="2800">
                 <a:solidFill>
                   <a:srgbClr val="000000"/>
                 </a:solidFill>
                 <a:latin typeface="Calibri"/>
               </a:rPr>
-              <a:t>User submits proxy request to Galaxy</a:t>
-            </a:r>
-            <a:endParaRPr/>
-          </a:p>
-          <a:p>
-            <a:pPr>
-              <a:lnSpc>
-                <a:spcPct val="100000"/>
-              </a:lnSpc>
-              <a:buFont typeface="Arial"/>
-              <a:buChar char="•"/>
-            </a:pPr>
-            <a:r>
-              <a:rPr lang="en-US" sz="3200">
-                <a:solidFill>
-                  <a:srgbClr val="000000"/>
-                </a:solidFill>
-                <a:latin typeface="Calibri"/>
-              </a:rPr>
-              <a:t>Galaxy forwards request to remote service</a:t>
-            </a:r>
-            <a:endParaRPr/>
-          </a:p>
-          <a:p>
-            <a:pPr>
-              <a:lnSpc>
-                <a:spcPct val="100000"/>
-              </a:lnSpc>
-              <a:buFont typeface="Arial"/>
-              <a:buChar char="•"/>
-            </a:pPr>
-            <a:r>
-              <a:rPr lang="en-US" sz="3200">
-                <a:solidFill>
-                  <a:srgbClr val="000000"/>
-                </a:solidFill>
-                <a:latin typeface="Calibri"/>
-              </a:rPr>
-              <a:t>Service returns data</a:t>
-            </a:r>
-            <a:endParaRPr/>
-          </a:p>
-          <a:p>
-            <a:pPr>
-              <a:lnSpc>
-                <a:spcPct val="100000"/>
-              </a:lnSpc>
-              <a:buFont typeface="Arial"/>
-              <a:buChar char="•"/>
-            </a:pPr>
-            <a:r>
-              <a:rPr lang="en-US" sz="3200">
-                <a:solidFill>
-                  <a:srgbClr val="000000"/>
-                </a:solidFill>
-                <a:latin typeface="Calibri"/>
-              </a:rPr>
-              <a:t>Galaxy infers data type and presents results</a:t>
+              <a:t>The Galaxy platform allows users to publish and share their data, for example as supplemental materials to a publication*</a:t>
             </a:r>
             <a:endParaRPr/>
           </a:p>
@@ -6978,7 +6278,7 @@
       </p:sp>
       <p:pic>
         <p:nvPicPr>
-          <p:cNvPr descr="" id="188" name="Picture 4"/>
+          <p:cNvPr descr="" id="176" name="Content Placeholder 5"/>
           <p:cNvPicPr/>
           <p:nvPr/>
         </p:nvPicPr>
@@ -6990,260 +6290,81 @@
         </p:blipFill>
         <p:spPr>
           <a:xfrm>
-            <a:off x="5961960" y="4124160"/>
-            <a:ext cx="2343600" cy="2047320"/>
+            <a:off x="4191120" y="1619280"/>
+            <a:ext cx="4042080" cy="3645720"/>
           </a:xfrm>
           <a:prstGeom prst="rect">
             <a:avLst/>
           </a:prstGeom>
         </p:spPr>
       </p:pic>
-      <p:pic>
-        <p:nvPicPr>
-          <p:cNvPr descr="" id="189" name="Picture 5"/>
-          <p:cNvPicPr/>
-          <p:nvPr/>
-        </p:nvPicPr>
-        <p:blipFill>
-          <a:blip r:embed="rId2"/>
-          <a:stretch>
-            <a:fillRect/>
-          </a:stretch>
-        </p:blipFill>
-        <p:spPr>
-          <a:xfrm>
-            <a:off x="2057400" y="4124160"/>
-            <a:ext cx="3261240" cy="2047320"/>
-          </a:xfrm>
-          <a:prstGeom prst="rect">
-            <a:avLst/>
-          </a:prstGeom>
-        </p:spPr>
-      </p:pic>
-      <p:sp>
-        <p:nvSpPr>
-          <p:cNvPr id="190" name="CustomShape 3"/>
+      <p:sp>
+        <p:nvSpPr>
+          <p:cNvPr id="177" name="CustomShape 3"/>
           <p:cNvSpPr/>
           <p:nvPr/>
         </p:nvSpPr>
         <p:spPr>
           <a:xfrm>
-            <a:off x="899280" y="4861440"/>
-            <a:ext cx="411120" cy="548280"/>
-          </a:xfrm>
-          <a:prstGeom prst="rect">
-            <a:avLst/>
-          </a:prstGeom>
-          <a:solidFill>
-            <a:srgbClr val="000000"/>
-          </a:solidFill>
-        </p:spPr>
-      </p:sp>
-      <p:sp>
-        <p:nvSpPr>
-          <p:cNvPr id="191" name="CustomShape 4"/>
-          <p:cNvSpPr/>
-          <p:nvPr/>
-        </p:nvSpPr>
-        <p:spPr>
-          <a:xfrm>
-            <a:off x="899280" y="5272920"/>
-            <a:ext cx="182520" cy="594000"/>
-          </a:xfrm>
-          <a:prstGeom prst="rect">
-            <a:avLst/>
-          </a:prstGeom>
-          <a:solidFill>
-            <a:srgbClr val="000000"/>
-          </a:solidFill>
-        </p:spPr>
-      </p:sp>
-      <p:sp>
-        <p:nvSpPr>
-          <p:cNvPr id="192" name="CustomShape 5"/>
-          <p:cNvSpPr/>
-          <p:nvPr/>
-        </p:nvSpPr>
-        <p:spPr>
-          <a:xfrm>
-            <a:off x="1127880" y="5272920"/>
-            <a:ext cx="182520" cy="594000"/>
-          </a:xfrm>
-          <a:prstGeom prst="rect">
-            <a:avLst/>
-          </a:prstGeom>
-          <a:solidFill>
-            <a:srgbClr val="000000"/>
-          </a:solidFill>
-        </p:spPr>
-      </p:sp>
-      <p:sp>
-        <p:nvSpPr>
-          <p:cNvPr id="193" name="CustomShape 6"/>
-          <p:cNvSpPr/>
-          <p:nvPr/>
-        </p:nvSpPr>
-        <p:spPr>
-          <a:xfrm>
-            <a:off x="921960" y="4449960"/>
-            <a:ext cx="365400" cy="365400"/>
-          </a:xfrm>
-          <a:prstGeom prst="rect">
-            <a:avLst/>
-          </a:prstGeom>
-          <a:solidFill>
-            <a:srgbClr val="000000"/>
-          </a:solidFill>
-        </p:spPr>
-      </p:sp>
-      <p:sp>
-        <p:nvSpPr>
-          <p:cNvPr id="194" name="CustomShape 7"/>
-          <p:cNvSpPr/>
-          <p:nvPr/>
-        </p:nvSpPr>
-        <p:spPr>
-          <a:xfrm>
-            <a:off x="1356480" y="4861440"/>
-            <a:ext cx="91080" cy="548280"/>
-          </a:xfrm>
-          <a:prstGeom prst="rect">
-            <a:avLst/>
-          </a:prstGeom>
-          <a:solidFill>
-            <a:srgbClr val="000000"/>
-          </a:solidFill>
-        </p:spPr>
-      </p:sp>
-      <p:sp>
-        <p:nvSpPr>
-          <p:cNvPr id="195" name="CustomShape 8"/>
-          <p:cNvSpPr/>
-          <p:nvPr/>
-        </p:nvSpPr>
-        <p:spPr>
-          <a:xfrm>
-            <a:off x="762120" y="4861440"/>
-            <a:ext cx="91080" cy="548280"/>
-          </a:xfrm>
-          <a:prstGeom prst="rect">
-            <a:avLst/>
-          </a:prstGeom>
-          <a:solidFill>
-            <a:srgbClr val="000000"/>
-          </a:solidFill>
-        </p:spPr>
-      </p:sp>
-      <p:sp>
-        <p:nvSpPr>
-          <p:cNvPr id="196" name="CustomShape 9"/>
-          <p:cNvSpPr/>
-          <p:nvPr/>
-        </p:nvSpPr>
-        <p:spPr>
-          <a:xfrm>
-            <a:off x="1600200" y="4861440"/>
-            <a:ext cx="456840" cy="548280"/>
-          </a:xfrm>
-          <a:prstGeom prst="rect">
-            <a:avLst>
-              <a:gd fmla="val 50000" name="adj1"/>
-              <a:gd fmla="val 50000" name="adj2"/>
-            </a:avLst>
-          </a:prstGeom>
-          <a:gradFill>
-            <a:gsLst>
-              <a:gs pos="0">
-                <a:srgbClr val="3e7fcc"/>
-              </a:gs>
-              <a:gs pos="100000">
-                <a:srgbClr val="a4c1ff"/>
-              </a:gs>
-            </a:gsLst>
-            <a:lin ang="16200000"/>
-          </a:gradFill>
-          <a:ln w="9360">
-            <a:solidFill>
-              <a:srgbClr val="4a7ebb"/>
-            </a:solidFill>
-            <a:round/>
-          </a:ln>
-        </p:spPr>
-      </p:sp>
-      <p:sp>
-        <p:nvSpPr>
-          <p:cNvPr id="197" name="CustomShape 10"/>
-          <p:cNvSpPr/>
-          <p:nvPr/>
-        </p:nvSpPr>
-        <p:spPr>
-          <a:xfrm>
-            <a:off x="5410080" y="4419720"/>
-            <a:ext cx="456840" cy="548280"/>
-          </a:xfrm>
-          <a:prstGeom prst="rect">
-            <a:avLst>
-              <a:gd fmla="val 50000" name="adj1"/>
-              <a:gd fmla="val 50000" name="adj2"/>
-            </a:avLst>
-          </a:prstGeom>
-          <a:gradFill>
-            <a:gsLst>
-              <a:gs pos="0">
-                <a:srgbClr val="3e7fcc"/>
-              </a:gs>
-              <a:gs pos="100000">
-                <a:srgbClr val="a4c1ff"/>
-              </a:gs>
-            </a:gsLst>
-            <a:lin ang="16200000"/>
-          </a:gradFill>
-          <a:ln w="9360">
-            <a:solidFill>
-              <a:srgbClr val="4a7ebb"/>
-            </a:solidFill>
-            <a:round/>
-          </a:ln>
-        </p:spPr>
-      </p:sp>
-      <p:sp>
-        <p:nvSpPr>
-          <p:cNvPr id="198" name="CustomShape 11"/>
-          <p:cNvSpPr/>
-          <p:nvPr/>
-        </p:nvSpPr>
-        <p:spPr>
-          <a:xfrm>
-            <a:off x="5409360" y="5318640"/>
-            <a:ext cx="456840" cy="548280"/>
-          </a:xfrm>
-          <a:prstGeom prst="rect">
-            <a:avLst>
-              <a:gd fmla="val 50000" name="adj1"/>
-              <a:gd fmla="val 50000" name="adj2"/>
-            </a:avLst>
-          </a:prstGeom>
-          <a:gradFill>
-            <a:gsLst>
-              <a:gs pos="0">
-                <a:srgbClr val="3e7fcc"/>
-              </a:gs>
-              <a:gs pos="100000">
-                <a:srgbClr val="a4c1ff"/>
-              </a:gs>
-            </a:gsLst>
-            <a:lin ang="16200000"/>
-          </a:gradFill>
-          <a:ln w="9360">
-            <a:solidFill>
-              <a:srgbClr val="4a7ebb"/>
-            </a:solidFill>
-            <a:round/>
-          </a:ln>
-        </p:spPr>
+            <a:off x="1256760" y="5879160"/>
+            <a:ext cx="6598080" cy="363960"/>
+          </a:xfrm>
+          <a:prstGeom prst="rect">
+            <a:avLst/>
+          </a:prstGeom>
+        </p:spPr>
+        <p:txBody>
+          <a:bodyPr bIns="45000" lIns="90000" rIns="90000" tIns="45000" wrap="none"/>
+          <a:p>
+            <a:pPr>
+              <a:lnSpc>
+                <a:spcPct val="100000"/>
+              </a:lnSpc>
+            </a:pPr>
+            <a:r>
+              <a:rPr lang="en-US">
+                <a:solidFill>
+                  <a:srgbClr val="000000"/>
+                </a:solidFill>
+                <a:latin typeface="Calibri"/>
+              </a:rPr>
+              <a:t>* example: http://genome.cshlp.org/content/19/11/2144</a:t>
+            </a:r>
+            <a:endParaRPr/>
+          </a:p>
+        </p:txBody>
       </p:sp>
     </p:spTree>
   </p:cSld>
+  <p:timing>
+    <p:tnLst>
+      <p:par>
+        <p:cTn dur="indefinite" id="5" nodeType="tmRoot" restart="never">
+          <p:childTnLst>
+            <p:seq>
+              <p:cTn id="6" nodeType="mainSeq">
+                <p:childTnLst/>
+              </p:cTn>
+              <p:prevCondLst>
+                <p:cond delay="0" evt="onPrev">
+                  <p:tgtEl>
+                    <p:sldTgt/>
+                  </p:tgtEl>
+                </p:cond>
+              </p:prevCondLst>
+              <p:nextCondLst>
+                <p:cond delay="0" evt="onNext">
+                  <p:tgtEl>
+                    <p:sldTgt/>
+                  </p:tgtEl>
+                </p:cond>
+              </p:nextCondLst>
+            </p:seq>
+          </p:childTnLst>
+        </p:cTn>
+      </p:par>
+    </p:tnLst>
+  </p:timing>
 </p:sld>
 </file>
 
@@ -7266,173 +6387,21 @@
       </p:grpSpPr>
       <p:sp>
         <p:nvSpPr>
-          <p:cNvPr id="199" name="TextShape 1"/>
-          <p:cNvSpPr txBox="1"/>
-          <p:nvPr/>
-        </p:nvSpPr>
-        <p:spPr>
-          <a:xfrm>
-            <a:off x="457200" y="274680"/>
-            <a:ext cx="8229240" cy="1142640"/>
-          </a:xfrm>
-          <a:prstGeom prst="rect">
-            <a:avLst/>
-          </a:prstGeom>
-        </p:spPr>
-        <p:txBody>
-          <a:bodyPr anchor="ctr"/>
-          <a:p>
-            <a:pPr algn="ctr">
-              <a:lnSpc>
-                <a:spcPct val="100000"/>
-              </a:lnSpc>
-            </a:pPr>
-            <a:r>
-              <a:rPr lang="en-US" sz="4400">
-                <a:solidFill>
-                  <a:srgbClr val="000000"/>
-                </a:solidFill>
-                <a:latin typeface="Calibri"/>
-              </a:rPr>
-              <a:t>Data sharing/publishing</a:t>
-            </a:r>
-            <a:endParaRPr/>
-          </a:p>
-        </p:txBody>
-      </p:sp>
-      <p:sp>
-        <p:nvSpPr>
-          <p:cNvPr id="200" name="TextShape 2"/>
-          <p:cNvSpPr txBox="1"/>
-          <p:nvPr/>
-        </p:nvSpPr>
-        <p:spPr>
-          <a:xfrm>
-            <a:off x="990720" y="1818000"/>
-            <a:ext cx="2742840" cy="3592080"/>
-          </a:xfrm>
-          <a:prstGeom prst="rect">
-            <a:avLst/>
-          </a:prstGeom>
-        </p:spPr>
-        <p:txBody>
-          <a:bodyPr/>
-          <a:p>
-            <a:pPr>
-              <a:lnSpc>
-                <a:spcPct val="100000"/>
-              </a:lnSpc>
-            </a:pPr>
-            <a:r>
-              <a:rPr lang="en-US" sz="2800">
-                <a:solidFill>
-                  <a:srgbClr val="000000"/>
-                </a:solidFill>
-                <a:latin typeface="Calibri"/>
-              </a:rPr>
-              <a:t>The Galaxy platform allows users to publish and share their data, for example as supplemental materials to a publication*</a:t>
-            </a:r>
-            <a:endParaRPr/>
-          </a:p>
-        </p:txBody>
-      </p:sp>
-      <p:pic>
-        <p:nvPicPr>
-          <p:cNvPr descr="" id="201" name="Content Placeholder 5"/>
-          <p:cNvPicPr/>
-          <p:nvPr/>
-        </p:nvPicPr>
-        <p:blipFill>
-          <a:blip r:embed="rId1"/>
-          <a:stretch>
-            <a:fillRect/>
-          </a:stretch>
-        </p:blipFill>
-        <p:spPr>
-          <a:xfrm>
-            <a:off x="4191120" y="1763280"/>
-            <a:ext cx="4042800" cy="3646440"/>
-          </a:xfrm>
-          <a:prstGeom prst="rect">
-            <a:avLst/>
-          </a:prstGeom>
-        </p:spPr>
-      </p:pic>
-      <p:sp>
-        <p:nvSpPr>
-          <p:cNvPr id="202" name="CustomShape 3"/>
+          <p:cNvPr id="178" name="CustomShape 1"/>
           <p:cNvSpPr/>
           <p:nvPr/>
         </p:nvSpPr>
         <p:spPr>
           <a:xfrm>
-            <a:off x="1256760" y="5879160"/>
-            <a:ext cx="6598800" cy="364680"/>
-          </a:xfrm>
-          <a:prstGeom prst="rect">
-            <a:avLst/>
-          </a:prstGeom>
-        </p:spPr>
-        <p:txBody>
-          <a:bodyPr bIns="45000" lIns="90000" rIns="90000" tIns="45000" wrap="none"/>
-          <a:p>
-            <a:pPr>
-              <a:lnSpc>
-                <a:spcPct val="100000"/>
-              </a:lnSpc>
-            </a:pPr>
-            <a:r>
-              <a:rPr lang="en-US">
-                <a:solidFill>
-                  <a:srgbClr val="000000"/>
-                </a:solidFill>
-                <a:latin typeface="Calibri"/>
-              </a:rPr>
-              <a:t>* example: http://genome.cshlp.org/content/19/11/2144</a:t>
-            </a:r>
-            <a:endParaRPr/>
-          </a:p>
-        </p:txBody>
-      </p:sp>
-    </p:spTree>
-  </p:cSld>
-</p:sld>
-</file>
-
-<file path=ppt/slides/slide16.xml><?xml version="1.0" encoding="utf-8"?>
-<p:sld xmlns:a="http://schemas.openxmlformats.org/drawingml/2006/main" xmlns:p="http://schemas.openxmlformats.org/presentationml/2006/main" xmlns:r="http://schemas.openxmlformats.org/officeDocument/2006/relationships">
-  <p:cSld>
-    <p:spTree>
-      <p:nvGrpSpPr>
-        <p:cNvPr id="1" name=""/>
-        <p:cNvGrpSpPr/>
-        <p:nvPr/>
-      </p:nvGrpSpPr>
-      <p:grpSpPr>
-        <a:xfrm>
-          <a:off x="0" y="0"/>
-          <a:ext cx="0" cy="0"/>
-          <a:chOff x="0" y="0"/>
-          <a:chExt cx="0" cy="0"/>
-        </a:xfrm>
-      </p:grpSpPr>
-      <p:sp>
-        <p:nvSpPr>
-          <p:cNvPr id="203" name="TextShape 1"/>
-          <p:cNvSpPr txBox="1"/>
-          <p:nvPr/>
-        </p:nvSpPr>
-        <p:spPr>
-          <a:xfrm>
             <a:off x="457200" y="274680"/>
-            <a:ext cx="8229240" cy="1142640"/>
-          </a:xfrm>
-          <a:prstGeom prst="rect">
-            <a:avLst/>
-          </a:prstGeom>
-        </p:spPr>
-        <p:txBody>
-          <a:bodyPr anchor="ctr"/>
+            <a:ext cx="8228520" cy="1141920"/>
+          </a:xfrm>
+          <a:prstGeom prst="rect">
+            <a:avLst/>
+          </a:prstGeom>
+        </p:spPr>
+        <p:txBody>
+          <a:bodyPr anchor="ctr" bIns="45000" lIns="90000" rIns="90000" tIns="45000"/>
           <a:p>
             <a:pPr algn="ctr">
               <a:lnSpc>
@@ -7454,21 +6423,21 @@
       </p:sp>
       <p:sp>
         <p:nvSpPr>
-          <p:cNvPr id="204" name="TextShape 2"/>
-          <p:cNvSpPr txBox="1"/>
+          <p:cNvPr id="179" name="CustomShape 2"/>
+          <p:cNvSpPr/>
           <p:nvPr/>
         </p:nvSpPr>
         <p:spPr>
           <a:xfrm>
             <a:off x="457200" y="1507320"/>
-            <a:ext cx="8503920" cy="4815720"/>
-          </a:xfrm>
-          <a:prstGeom prst="rect">
-            <a:avLst/>
-          </a:prstGeom>
-        </p:spPr>
-        <p:txBody>
-          <a:bodyPr/>
+            <a:ext cx="8503200" cy="4815000"/>
+          </a:xfrm>
+          <a:prstGeom prst="rect">
+            <a:avLst/>
+          </a:prstGeom>
+        </p:spPr>
+        <p:txBody>
+          <a:bodyPr bIns="45000" lIns="90000" rIns="90000" tIns="45000"/>
           <a:p>
             <a:pPr>
               <a:lnSpc>
@@ -7490,9 +6459,12 @@
           </a:p>
           <a:p>
             <a:pPr lvl="1">
+              <a:lnSpc>
+                <a:spcPct val="100000"/>
+              </a:lnSpc>
               <a:buSzPct val="75000"/>
               <a:buFont typeface="StarSymbol"/>
-              <a:buChar char=""/>
+              <a:buChar char="l"/>
             </a:pPr>
             <a:r>
               <a:rPr lang="en-US">
@@ -7507,9 +6479,12 @@
           </a:p>
           <a:p>
             <a:pPr lvl="1">
+              <a:lnSpc>
+                <a:spcPct val="100000"/>
+              </a:lnSpc>
               <a:buSzPct val="75000"/>
               <a:buFont typeface="StarSymbol"/>
-              <a:buChar char=""/>
+              <a:buChar char="l"/>
             </a:pPr>
             <a:r>
               <a:rPr lang="en-US">
@@ -7524,6 +6499,9 @@
           </a:p>
           <a:p>
             <a:pPr>
+              <a:lnSpc>
+                <a:spcPct val="100000"/>
+              </a:lnSpc>
               <a:buFont typeface="Calibri"/>
               <a:buAutoNum type="arabicPeriod"/>
             </a:pPr>
@@ -7540,9 +6518,12 @@
           </a:p>
           <a:p>
             <a:pPr lvl="1">
+              <a:lnSpc>
+                <a:spcPct val="100000"/>
+              </a:lnSpc>
               <a:buSzPct val="75000"/>
               <a:buFont typeface="StarSymbol"/>
-              <a:buChar char=""/>
+              <a:buChar char="l"/>
             </a:pPr>
             <a:r>
               <a:rPr lang="en-US">
@@ -7557,9 +6538,12 @@
           </a:p>
           <a:p>
             <a:pPr lvl="1">
+              <a:lnSpc>
+                <a:spcPct val="100000"/>
+              </a:lnSpc>
               <a:buSzPct val="75000"/>
               <a:buFont typeface="StarSymbol"/>
-              <a:buChar char=""/>
+              <a:buChar char="l"/>
             </a:pPr>
             <a:r>
               <a:rPr lang="en-US">
@@ -7574,6 +6558,9 @@
           </a:p>
           <a:p>
             <a:pPr>
+              <a:lnSpc>
+                <a:spcPct val="100000"/>
+              </a:lnSpc>
               <a:buFont typeface="Calibri"/>
               <a:buAutoNum type="arabicPeriod"/>
             </a:pPr>
@@ -7590,6 +6577,9 @@
           </a:p>
           <a:p>
             <a:pPr>
+              <a:lnSpc>
+                <a:spcPct val="100000"/>
+              </a:lnSpc>
               <a:buFont typeface="Calibri"/>
               <a:buAutoNum type="arabicPeriod"/>
             </a:pPr>
@@ -7606,12 +6596,15 @@
           </a:p>
           <a:p>
             <a:pPr lvl="1">
+              <a:lnSpc>
+                <a:spcPct val="100000"/>
+              </a:lnSpc>
               <a:buSzPct val="75000"/>
               <a:buFont typeface="StarSymbol"/>
-              <a:buChar char=""/>
-            </a:pPr>
-            <a:r>
-              <a:rPr lang="en-US">
+              <a:buChar char="l"/>
+            </a:pPr>
+            <a:r>
+              <a:rPr lang="en-US" sz="1600">
                 <a:solidFill>
                   <a:srgbClr val="000000"/>
                 </a:solidFill>
@@ -7623,12 +6616,15 @@
           </a:p>
           <a:p>
             <a:pPr lvl="1">
+              <a:lnSpc>
+                <a:spcPct val="100000"/>
+              </a:lnSpc>
               <a:buSzPct val="75000"/>
               <a:buFont typeface="StarSymbol"/>
-              <a:buChar char=""/>
-            </a:pPr>
-            <a:r>
-              <a:rPr lang="en-US">
+              <a:buChar char="l"/>
+            </a:pPr>
+            <a:r>
+              <a:rPr lang="en-US" sz="1600">
                 <a:solidFill>
                   <a:srgbClr val="000000"/>
                 </a:solidFill>
@@ -7639,71 +6635,42 @@
             <a:endParaRPr/>
           </a:p>
           <a:p>
-            <a:pPr lvl="2">
-              <a:buSzPct val="45000"/>
+            <a:pPr lvl="1">
+              <a:lnSpc>
+                <a:spcPct val="100000"/>
+              </a:lnSpc>
+              <a:buSzPct val="75000"/>
               <a:buFont typeface="StarSymbol"/>
-              <a:buChar char=""/>
-            </a:pPr>
-            <a:r>
-              <a:rPr lang="en-US">
+              <a:buChar char="l"/>
+            </a:pPr>
+            <a:r>
+              <a:rPr lang="en-US" sz="1600">
                 <a:solidFill>
                   <a:srgbClr val="000000"/>
                 </a:solidFill>
                 <a:latin typeface="Calibri"/>
               </a:rPr>
-              <a:t>/gsd/To_Participant/ARANGS13/ITAG2_3_genomic.fasta.gz</a:t>
-            </a:r>
-            <a:endParaRPr/>
-          </a:p>
-          <a:p>
-            <a:pPr lvl="2">
-              <a:buSzPct val="45000"/>
+              <a:t>/gsd/To_Participant/ARANGS13/1-U0015717_GTGGCC_L005_R1_001.fastq.gz</a:t>
+            </a:r>
+            <a:endParaRPr/>
+          </a:p>
+          <a:p>
+            <a:pPr lvl="1">
+              <a:lnSpc>
+                <a:spcPct val="100000"/>
+              </a:lnSpc>
+              <a:buSzPct val="75000"/>
               <a:buFont typeface="StarSymbol"/>
-              <a:buChar char=""/>
-            </a:pPr>
-            <a:r>
-              <a:rPr lang="en-US">
+              <a:buChar char="l"/>
+            </a:pPr>
+            <a:r>
+              <a:rPr lang="en-US" sz="1600">
                 <a:solidFill>
                   <a:srgbClr val="000000"/>
                 </a:solidFill>
                 <a:latin typeface="Calibri"/>
               </a:rPr>
-              <a:t>/gsd/To_Participant/ARANGS13/</a:t>
-            </a:r>
-            <a:r>
-              <a:rPr lang="en-US">
-                <a:solidFill>
-                  <a:srgbClr val="000000"/>
-                </a:solidFill>
-                <a:latin typeface="Calibri"/>
-              </a:rPr>
-              <a:t>1-U0015717_GTGGCC_L005_R1_001.fastq.gz</a:t>
-            </a:r>
-            <a:endParaRPr/>
-          </a:p>
-          <a:p>
-            <a:pPr lvl="2">
-              <a:buSzPct val="45000"/>
-              <a:buFont typeface="StarSymbol"/>
-              <a:buChar char=""/>
-            </a:pPr>
-            <a:r>
-              <a:rPr lang="en-US">
-                <a:solidFill>
-                  <a:srgbClr val="000000"/>
-                </a:solidFill>
-                <a:latin typeface="Calibri"/>
-              </a:rPr>
-              <a:t>/gsd/To_Participant/ARANGS13/</a:t>
-            </a:r>
-            <a:r>
-              <a:rPr lang="en-US">
-                <a:solidFill>
-                  <a:srgbClr val="000000"/>
-                </a:solidFill>
-                <a:latin typeface="Calibri"/>
-              </a:rPr>
-              <a:t>1-U0015717_GTGGCC_L005_R2_001.fastq.gz</a:t>
+              <a:t>/gsd/To_Participant/ARANGS13/1-U0015717_GTGGCC_L005_R2_001.fastq.gz</a:t>
             </a:r>
             <a:endParaRPr/>
           </a:p>
@@ -7712,8 +6679,6 @@
               <a:lnSpc>
                 <a:spcPct val="100000"/>
               </a:lnSpc>
-              <a:buFont typeface="Calibri"/>
-              <a:buAutoNum type="arabicPeriod"/>
             </a:pPr>
             <a:endParaRPr/>
           </a:p>
@@ -7748,10 +6713,10 @@
   <p:timing>
     <p:tnLst>
       <p:par>
-        <p:cTn dur="indefinite" id="3" nodeType="tmRoot" restart="never">
+        <p:cTn dur="indefinite" id="7" nodeType="tmRoot" restart="never">
           <p:childTnLst>
             <p:seq>
-              <p:cTn id="4" nodeType="mainSeq">
+              <p:cTn id="8" nodeType="mainSeq">
                 <p:childTnLst/>
               </p:cTn>
               <p:prevCondLst>
@@ -7796,21 +6761,21 @@
       </p:grpSpPr>
       <p:sp>
         <p:nvSpPr>
-          <p:cNvPr id="156" name="TextShape 1"/>
-          <p:cNvSpPr txBox="1"/>
+          <p:cNvPr id="144" name="CustomShape 1"/>
+          <p:cNvSpPr/>
           <p:nvPr/>
         </p:nvSpPr>
         <p:spPr>
           <a:xfrm>
             <a:off x="457200" y="274680"/>
-            <a:ext cx="8229240" cy="1142640"/>
-          </a:xfrm>
-          <a:prstGeom prst="rect">
-            <a:avLst/>
-          </a:prstGeom>
-        </p:spPr>
-        <p:txBody>
-          <a:bodyPr anchor="ctr"/>
+            <a:ext cx="8228520" cy="1141920"/>
+          </a:xfrm>
+          <a:prstGeom prst="rect">
+            <a:avLst/>
+          </a:prstGeom>
+        </p:spPr>
+        <p:txBody>
+          <a:bodyPr anchor="ctr" bIns="45000" lIns="90000" rIns="90000" tIns="45000"/>
           <a:p>
             <a:pPr algn="ctr">
               <a:lnSpc>
@@ -7832,7 +6797,7 @@
       </p:sp>
       <p:pic>
         <p:nvPicPr>
-          <p:cNvPr descr="" id="157" name="Content Placeholder 3"/>
+          <p:cNvPr descr="" id="145" name="Content Placeholder 3"/>
           <p:cNvPicPr/>
           <p:nvPr/>
         </p:nvPicPr>
@@ -7845,7 +6810,7 @@
         <p:spPr>
           <a:xfrm>
             <a:off x="457200" y="1600200"/>
-            <a:ext cx="8229240" cy="4525560"/>
+            <a:ext cx="8228520" cy="4524840"/>
           </a:xfrm>
           <a:prstGeom prst="rect">
             <a:avLst/>
@@ -7854,14 +6819,14 @@
       </p:pic>
       <p:sp>
         <p:nvSpPr>
-          <p:cNvPr id="158" name="CustomShape 2"/>
+          <p:cNvPr id="146" name="CustomShape 2"/>
           <p:cNvSpPr/>
           <p:nvPr/>
         </p:nvSpPr>
         <p:spPr>
           <a:xfrm>
             <a:off x="2728080" y="6248520"/>
-            <a:ext cx="3765600" cy="364680"/>
+            <a:ext cx="3764880" cy="363960"/>
           </a:xfrm>
           <a:prstGeom prst="rect">
             <a:avLst/>
@@ -7912,21 +6877,21 @@
       </p:grpSpPr>
       <p:sp>
         <p:nvSpPr>
-          <p:cNvPr id="159" name="TextShape 1"/>
-          <p:cNvSpPr txBox="1"/>
+          <p:cNvPr id="147" name="CustomShape 1"/>
+          <p:cNvSpPr/>
           <p:nvPr/>
         </p:nvSpPr>
         <p:spPr>
           <a:xfrm>
             <a:off x="457200" y="274680"/>
-            <a:ext cx="8229240" cy="1142640"/>
-          </a:xfrm>
-          <a:prstGeom prst="rect">
-            <a:avLst/>
-          </a:prstGeom>
-        </p:spPr>
-        <p:txBody>
-          <a:bodyPr anchor="ctr"/>
+            <a:ext cx="8228520" cy="1141920"/>
+          </a:xfrm>
+          <a:prstGeom prst="rect">
+            <a:avLst/>
+          </a:prstGeom>
+        </p:spPr>
+        <p:txBody>
+          <a:bodyPr anchor="ctr" bIns="45000" lIns="90000" rIns="90000" tIns="45000"/>
           <a:p>
             <a:pPr algn="ctr">
               <a:lnSpc>
@@ -7948,7 +6913,7 @@
       </p:sp>
       <p:pic>
         <p:nvPicPr>
-          <p:cNvPr descr="" id="160" name="Content Placeholder 4"/>
+          <p:cNvPr descr="" id="148" name="Content Placeholder 4"/>
           <p:cNvPicPr/>
           <p:nvPr/>
         </p:nvPicPr>
@@ -7961,7 +6926,7 @@
         <p:spPr>
           <a:xfrm>
             <a:off x="457200" y="1600200"/>
-            <a:ext cx="8229240" cy="4525560"/>
+            <a:ext cx="8228520" cy="4524840"/>
           </a:xfrm>
           <a:prstGeom prst="rect">
             <a:avLst/>
@@ -7970,14 +6935,14 @@
       </p:pic>
       <p:sp>
         <p:nvSpPr>
-          <p:cNvPr id="161" name="CustomShape 2"/>
+          <p:cNvPr id="149" name="CustomShape 2"/>
           <p:cNvSpPr/>
           <p:nvPr/>
         </p:nvSpPr>
         <p:spPr>
           <a:xfrm>
             <a:off x="2254320" y="6248520"/>
-            <a:ext cx="4712040" cy="364680"/>
+            <a:ext cx="4711320" cy="363960"/>
           </a:xfrm>
           <a:prstGeom prst="rect">
             <a:avLst/>
@@ -8028,21 +6993,21 @@
       </p:grpSpPr>
       <p:sp>
         <p:nvSpPr>
-          <p:cNvPr id="162" name="TextShape 1"/>
-          <p:cNvSpPr txBox="1"/>
+          <p:cNvPr id="150" name="CustomShape 1"/>
+          <p:cNvSpPr/>
           <p:nvPr/>
         </p:nvSpPr>
         <p:spPr>
           <a:xfrm>
             <a:off x="457200" y="274680"/>
-            <a:ext cx="8229240" cy="1142640"/>
-          </a:xfrm>
-          <a:prstGeom prst="rect">
-            <a:avLst/>
-          </a:prstGeom>
-        </p:spPr>
-        <p:txBody>
-          <a:bodyPr anchor="ctr"/>
+            <a:ext cx="8228520" cy="1141920"/>
+          </a:xfrm>
+          <a:prstGeom prst="rect">
+            <a:avLst/>
+          </a:prstGeom>
+        </p:spPr>
+        <p:txBody>
+          <a:bodyPr anchor="ctr" bIns="45000" lIns="90000" rIns="90000" tIns="45000"/>
           <a:p>
             <a:pPr algn="ctr">
               <a:lnSpc>
@@ -8073,21 +7038,21 @@
       </p:sp>
       <p:sp>
         <p:nvSpPr>
-          <p:cNvPr id="163" name="TextShape 2"/>
-          <p:cNvSpPr txBox="1"/>
+          <p:cNvPr id="151" name="CustomShape 2"/>
+          <p:cNvSpPr/>
           <p:nvPr/>
         </p:nvSpPr>
         <p:spPr>
           <a:xfrm>
             <a:off x="914400" y="2046600"/>
-            <a:ext cx="3962160" cy="3972600"/>
-          </a:xfrm>
-          <a:prstGeom prst="rect">
-            <a:avLst/>
-          </a:prstGeom>
-        </p:spPr>
-        <p:txBody>
-          <a:bodyPr/>
+            <a:ext cx="3961440" cy="3971880"/>
+          </a:xfrm>
+          <a:prstGeom prst="rect">
+            <a:avLst/>
+          </a:prstGeom>
+        </p:spPr>
+        <p:txBody>
+          <a:bodyPr bIns="45000" lIns="90000" rIns="90000" tIns="45000"/>
           <a:p>
             <a:pPr>
               <a:lnSpc>
@@ -8149,7 +7114,7 @@
       </p:sp>
       <p:pic>
         <p:nvPicPr>
-          <p:cNvPr descr="" id="164" name="Content Placeholder 7"/>
+          <p:cNvPr descr="" id="152" name="Content Placeholder 7"/>
           <p:cNvPicPr/>
           <p:nvPr/>
         </p:nvPicPr>
@@ -8162,7 +7127,7 @@
         <p:spPr>
           <a:xfrm>
             <a:off x="4963320" y="2019960"/>
-            <a:ext cx="3037320" cy="3999240"/>
+            <a:ext cx="3036600" cy="3998520"/>
           </a:xfrm>
           <a:prstGeom prst="rect">
             <a:avLst/>
@@ -8193,21 +7158,21 @@
       </p:grpSpPr>
       <p:sp>
         <p:nvSpPr>
-          <p:cNvPr id="165" name="TextShape 1"/>
-          <p:cNvSpPr txBox="1"/>
+          <p:cNvPr id="153" name="CustomShape 1"/>
+          <p:cNvSpPr/>
           <p:nvPr/>
         </p:nvSpPr>
         <p:spPr>
           <a:xfrm>
             <a:off x="457200" y="274680"/>
-            <a:ext cx="8229240" cy="1142640"/>
-          </a:xfrm>
-          <a:prstGeom prst="rect">
-            <a:avLst/>
-          </a:prstGeom>
-        </p:spPr>
-        <p:txBody>
-          <a:bodyPr anchor="ctr"/>
+            <a:ext cx="8228520" cy="1141920"/>
+          </a:xfrm>
+          <a:prstGeom prst="rect">
+            <a:avLst/>
+          </a:prstGeom>
+        </p:spPr>
+        <p:txBody>
+          <a:bodyPr anchor="ctr" bIns="45000" lIns="90000" rIns="90000" tIns="45000"/>
           <a:p>
             <a:pPr algn="ctr">
               <a:lnSpc>
@@ -8229,7 +7194,7 @@
       </p:sp>
       <p:pic>
         <p:nvPicPr>
-          <p:cNvPr descr="" id="166" name="Content Placeholder 8"/>
+          <p:cNvPr descr="" id="154" name="Content Placeholder 8"/>
           <p:cNvPicPr/>
           <p:nvPr/>
         </p:nvPicPr>
@@ -8242,7 +7207,7 @@
         <p:spPr>
           <a:xfrm>
             <a:off x="457200" y="1600200"/>
-            <a:ext cx="8229240" cy="4525560"/>
+            <a:ext cx="8228520" cy="4524840"/>
           </a:xfrm>
           <a:prstGeom prst="rect">
             <a:avLst/>
@@ -8273,21 +7238,21 @@
       </p:grpSpPr>
       <p:sp>
         <p:nvSpPr>
-          <p:cNvPr id="167" name="TextShape 1"/>
-          <p:cNvSpPr txBox="1"/>
+          <p:cNvPr id="155" name="CustomShape 1"/>
+          <p:cNvSpPr/>
           <p:nvPr/>
         </p:nvSpPr>
         <p:spPr>
           <a:xfrm>
             <a:off x="457200" y="274680"/>
-            <a:ext cx="8229240" cy="1142640"/>
-          </a:xfrm>
-          <a:prstGeom prst="rect">
-            <a:avLst/>
-          </a:prstGeom>
-        </p:spPr>
-        <p:txBody>
-          <a:bodyPr anchor="ctr"/>
+            <a:ext cx="8228520" cy="1141920"/>
+          </a:xfrm>
+          <a:prstGeom prst="rect">
+            <a:avLst/>
+          </a:prstGeom>
+        </p:spPr>
+        <p:txBody>
+          <a:bodyPr anchor="ctr" bIns="45000" lIns="90000" rIns="90000" tIns="45000"/>
           <a:p>
             <a:pPr algn="ctr">
               <a:lnSpc>
@@ -8309,21 +7274,21 @@
       </p:sp>
       <p:sp>
         <p:nvSpPr>
-          <p:cNvPr id="168" name="TextShape 2"/>
-          <p:cNvSpPr txBox="1"/>
+          <p:cNvPr id="156" name="CustomShape 2"/>
+          <p:cNvSpPr/>
           <p:nvPr/>
         </p:nvSpPr>
         <p:spPr>
           <a:xfrm>
             <a:off x="704880" y="1456200"/>
-            <a:ext cx="4038120" cy="4525560"/>
-          </a:xfrm>
-          <a:prstGeom prst="rect">
-            <a:avLst/>
-          </a:prstGeom>
-        </p:spPr>
-        <p:txBody>
-          <a:bodyPr/>
+            <a:ext cx="4037400" cy="4524840"/>
+          </a:xfrm>
+          <a:prstGeom prst="rect">
+            <a:avLst/>
+          </a:prstGeom>
+        </p:spPr>
+        <p:txBody>
+          <a:bodyPr bIns="45000" lIns="90000" rIns="90000" tIns="45000"/>
           <a:p>
             <a:pPr>
               <a:lnSpc>
@@ -8499,7 +7464,7 @@
       </p:sp>
       <p:pic>
         <p:nvPicPr>
-          <p:cNvPr descr="" id="169" name="Content Placeholder 9"/>
+          <p:cNvPr descr="" id="157" name="Content Placeholder 9"/>
           <p:cNvPicPr/>
           <p:nvPr/>
         </p:nvPicPr>
@@ -8511,8 +7476,8 @@
         </p:blipFill>
         <p:spPr>
           <a:xfrm>
-            <a:off x="3934800" y="2116800"/>
-            <a:ext cx="4617360" cy="3962160"/>
+            <a:off x="3934800" y="1540800"/>
+            <a:ext cx="4616640" cy="3961440"/>
           </a:xfrm>
           <a:prstGeom prst="rect">
             <a:avLst/>
@@ -8572,21 +7537,21 @@
       </p:grpSpPr>
       <p:sp>
         <p:nvSpPr>
-          <p:cNvPr id="170" name="TextShape 1"/>
-          <p:cNvSpPr txBox="1"/>
+          <p:cNvPr id="158" name="CustomShape 1"/>
+          <p:cNvSpPr/>
           <p:nvPr/>
         </p:nvSpPr>
         <p:spPr>
           <a:xfrm>
             <a:off x="457200" y="274680"/>
-            <a:ext cx="8229240" cy="1142640"/>
-          </a:xfrm>
-          <a:prstGeom prst="rect">
-            <a:avLst/>
-          </a:prstGeom>
-        </p:spPr>
-        <p:txBody>
-          <a:bodyPr anchor="ctr"/>
+            <a:ext cx="8228520" cy="1141920"/>
+          </a:xfrm>
+          <a:prstGeom prst="rect">
+            <a:avLst/>
+          </a:prstGeom>
+        </p:spPr>
+        <p:txBody>
+          <a:bodyPr anchor="ctr" bIns="45000" lIns="90000" rIns="90000" tIns="45000"/>
           <a:p>
             <a:pPr algn="ctr">
               <a:lnSpc>
@@ -8608,21 +7573,21 @@
       </p:sp>
       <p:sp>
         <p:nvSpPr>
-          <p:cNvPr id="171" name="TextShape 2"/>
-          <p:cNvSpPr txBox="1"/>
+          <p:cNvPr id="159" name="CustomShape 2"/>
+          <p:cNvSpPr/>
           <p:nvPr/>
         </p:nvSpPr>
         <p:spPr>
           <a:xfrm>
             <a:off x="1371600" y="1981080"/>
-            <a:ext cx="2819160" cy="2437920"/>
-          </a:xfrm>
-          <a:prstGeom prst="rect">
-            <a:avLst/>
-          </a:prstGeom>
-        </p:spPr>
-        <p:txBody>
-          <a:bodyPr/>
+            <a:ext cx="2818440" cy="2437200"/>
+          </a:xfrm>
+          <a:prstGeom prst="rect">
+            <a:avLst/>
+          </a:prstGeom>
+        </p:spPr>
+        <p:txBody>
+          <a:bodyPr bIns="45000" lIns="90000" rIns="90000" tIns="45000"/>
           <a:p>
             <a:pPr>
               <a:lnSpc>
@@ -8703,7 +7668,7 @@
       </p:sp>
       <p:pic>
         <p:nvPicPr>
-          <p:cNvPr descr="" id="172" name="Content Placeholder 4"/>
+          <p:cNvPr descr="" id="160" name="Content Placeholder 4"/>
           <p:cNvPicPr/>
           <p:nvPr/>
         </p:nvPicPr>
@@ -8716,7 +7681,7 @@
         <p:spPr>
           <a:xfrm>
             <a:off x="4191120" y="2088000"/>
-            <a:ext cx="4038120" cy="2864880"/>
+            <a:ext cx="4037400" cy="2864160"/>
           </a:xfrm>
           <a:prstGeom prst="rect">
             <a:avLst/>
@@ -8747,21 +7712,21 @@
       </p:grpSpPr>
       <p:sp>
         <p:nvSpPr>
-          <p:cNvPr id="173" name="TextShape 1"/>
-          <p:cNvSpPr txBox="1"/>
+          <p:cNvPr id="161" name="CustomShape 1"/>
+          <p:cNvSpPr/>
           <p:nvPr/>
         </p:nvSpPr>
         <p:spPr>
           <a:xfrm>
             <a:off x="457200" y="274680"/>
-            <a:ext cx="8229240" cy="1142640"/>
-          </a:xfrm>
-          <a:prstGeom prst="rect">
-            <a:avLst/>
-          </a:prstGeom>
-        </p:spPr>
-        <p:txBody>
-          <a:bodyPr anchor="ctr"/>
+            <a:ext cx="8228520" cy="1141920"/>
+          </a:xfrm>
+          <a:prstGeom prst="rect">
+            <a:avLst/>
+          </a:prstGeom>
+        </p:spPr>
+        <p:txBody>
+          <a:bodyPr anchor="ctr" bIns="45000" lIns="90000" rIns="90000" tIns="45000"/>
           <a:p>
             <a:pPr algn="ctr">
               <a:lnSpc>
@@ -8783,21 +7748,21 @@
       </p:sp>
       <p:sp>
         <p:nvSpPr>
-          <p:cNvPr id="174" name="TextShape 2"/>
-          <p:cNvSpPr txBox="1"/>
+          <p:cNvPr id="162" name="CustomShape 2"/>
+          <p:cNvSpPr/>
           <p:nvPr/>
         </p:nvSpPr>
         <p:spPr>
           <a:xfrm>
             <a:off x="457200" y="1600200"/>
-            <a:ext cx="8229240" cy="3809520"/>
-          </a:xfrm>
-          <a:prstGeom prst="rect">
-            <a:avLst/>
-          </a:prstGeom>
-        </p:spPr>
-        <p:txBody>
-          <a:bodyPr/>
+            <a:ext cx="8228520" cy="3808800"/>
+          </a:xfrm>
+          <a:prstGeom prst="rect">
+            <a:avLst/>
+          </a:prstGeom>
+        </p:spPr>
+        <p:txBody>
+          <a:bodyPr bIns="45000" lIns="90000" rIns="90000" tIns="45000"/>
           <a:p>
             <a:pPr algn="ctr">
               <a:lnSpc>
@@ -8833,7 +7798,7 @@
             <a:endParaRPr/>
           </a:p>
           <a:p>
-            <a:pPr>
+            <a:pPr algn="ctr">
               <a:lnSpc>
                 <a:spcPct val="100000"/>
               </a:lnSpc>
@@ -8844,14 +7809,14 @@
       </p:sp>
       <p:sp>
         <p:nvSpPr>
-          <p:cNvPr id="175" name="CustomShape 3"/>
+          <p:cNvPr id="163" name="CustomShape 3"/>
           <p:cNvSpPr/>
           <p:nvPr/>
         </p:nvSpPr>
         <p:spPr>
           <a:xfrm>
             <a:off x="4609080" y="5638680"/>
-            <a:ext cx="3602520" cy="456120"/>
+            <a:ext cx="3601800" cy="455400"/>
           </a:xfrm>
           <a:prstGeom prst="rect">
             <a:avLst/>
@@ -8902,21 +7867,21 @@
       </p:grpSpPr>
       <p:sp>
         <p:nvSpPr>
-          <p:cNvPr id="176" name="TextShape 1"/>
-          <p:cNvSpPr txBox="1"/>
+          <p:cNvPr id="164" name="CustomShape 1"/>
+          <p:cNvSpPr/>
           <p:nvPr/>
         </p:nvSpPr>
         <p:spPr>
           <a:xfrm>
             <a:off x="457200" y="274680"/>
-            <a:ext cx="8229240" cy="1142640"/>
-          </a:xfrm>
-          <a:prstGeom prst="rect">
-            <a:avLst/>
-          </a:prstGeom>
-        </p:spPr>
-        <p:txBody>
-          <a:bodyPr anchor="ctr"/>
+            <a:ext cx="8228520" cy="1141920"/>
+          </a:xfrm>
+          <a:prstGeom prst="rect">
+            <a:avLst/>
+          </a:prstGeom>
+        </p:spPr>
+        <p:txBody>
+          <a:bodyPr anchor="ctr" bIns="45000" lIns="90000" rIns="90000" tIns="45000"/>
           <a:p>
             <a:pPr algn="ctr">
               <a:lnSpc>
@@ -8930,7 +7895,7 @@
                 </a:solidFill>
                 <a:latin typeface="Calibri"/>
               </a:rPr>
-              <a:t>Semantic web</a:t>
+              <a:t>Galaxy data</a:t>
             </a:r>
             <a:endParaRPr/>
           </a:p>
@@ -8938,7 +7903,7 @@
       </p:sp>
       <p:pic>
         <p:nvPicPr>
-          <p:cNvPr descr="" id="177" name="Content Placeholder 5"/>
+          <p:cNvPr descr="" id="165" name="Content Placeholder 5"/>
           <p:cNvPicPr/>
           <p:nvPr/>
         </p:nvPicPr>
@@ -8950,8 +7915,8 @@
         </p:blipFill>
         <p:spPr>
           <a:xfrm>
-            <a:off x="927360" y="1143000"/>
-            <a:ext cx="7377840" cy="5638320"/>
+            <a:off x="457200" y="1600200"/>
+            <a:ext cx="8228520" cy="4524840"/>
           </a:xfrm>
           <a:prstGeom prst="rect">
             <a:avLst/>
